--- a/170128_HKRE_Mid_Report.pptx
+++ b/170128_HKRE_Mid_Report.pptx
@@ -5,16 +5,18 @@
     <p:sldMasterId id="2147483648" r:id="rId1"/>
   </p:sldMasterIdLst>
   <p:notesMasterIdLst>
-    <p:notesMasterId r:id="rId9"/>
+    <p:notesMasterId r:id="rId11"/>
   </p:notesMasterIdLst>
   <p:sldIdLst>
     <p:sldId id="256" r:id="rId2"/>
     <p:sldId id="257" r:id="rId3"/>
     <p:sldId id="259" r:id="rId4"/>
-    <p:sldId id="258" r:id="rId5"/>
-    <p:sldId id="261" r:id="rId6"/>
-    <p:sldId id="263" r:id="rId7"/>
-    <p:sldId id="262" r:id="rId8"/>
+    <p:sldId id="265" r:id="rId5"/>
+    <p:sldId id="258" r:id="rId6"/>
+    <p:sldId id="261" r:id="rId7"/>
+    <p:sldId id="263" r:id="rId8"/>
+    <p:sldId id="264" r:id="rId9"/>
+    <p:sldId id="262" r:id="rId10"/>
   </p:sldIdLst>
   <p:sldSz cx="12192000" cy="6858000"/>
   <p:notesSz cx="6858000" cy="9144000"/>
@@ -203,7 +205,7 @@
           <a:p>
             <a:fld id="{7D6A69F6-F6B9-4388-96E4-2AC5C42A2B48}" type="datetimeFigureOut">
               <a:rPr lang="ko-KR" altLang="en-US" smtClean="0"/>
-              <a:t>2017-01-28</a:t>
+              <a:t>2017-01-29</a:t>
             </a:fld>
             <a:endParaRPr lang="ko-KR" altLang="en-US"/>
           </a:p>
@@ -620,7 +622,7 @@
           <a:p>
             <a:fld id="{7820240C-1815-4253-AE04-5BACB6A8CADB}" type="slidenum">
               <a:rPr lang="ko-KR" altLang="en-US" smtClean="0"/>
-              <a:t>4</a:t>
+              <a:t>5</a:t>
             </a:fld>
             <a:endParaRPr lang="ko-KR" altLang="en-US"/>
           </a:p>
@@ -704,7 +706,7 @@
           <a:p>
             <a:fld id="{7820240C-1815-4253-AE04-5BACB6A8CADB}" type="slidenum">
               <a:rPr lang="ko-KR" altLang="en-US" smtClean="0"/>
-              <a:t>5</a:t>
+              <a:t>6</a:t>
             </a:fld>
             <a:endParaRPr lang="ko-KR" altLang="en-US"/>
           </a:p>
@@ -788,7 +790,7 @@
           <a:p>
             <a:fld id="{7820240C-1815-4253-AE04-5BACB6A8CADB}" type="slidenum">
               <a:rPr lang="ko-KR" altLang="en-US" smtClean="0"/>
-              <a:t>7</a:t>
+              <a:t>9</a:t>
             </a:fld>
             <a:endParaRPr lang="ko-KR" altLang="en-US"/>
           </a:p>
@@ -938,7 +940,7 @@
           <a:p>
             <a:fld id="{1AE614EA-B070-4142-AB65-24E3D1E71D82}" type="datetimeFigureOut">
               <a:rPr lang="ko-KR" altLang="en-US" smtClean="0"/>
-              <a:t>2017-01-28</a:t>
+              <a:t>2017-01-29</a:t>
             </a:fld>
             <a:endParaRPr lang="ko-KR" altLang="en-US"/>
           </a:p>
@@ -1108,7 +1110,7 @@
           <a:p>
             <a:fld id="{1AE614EA-B070-4142-AB65-24E3D1E71D82}" type="datetimeFigureOut">
               <a:rPr lang="ko-KR" altLang="en-US" smtClean="0"/>
-              <a:t>2017-01-28</a:t>
+              <a:t>2017-01-29</a:t>
             </a:fld>
             <a:endParaRPr lang="ko-KR" altLang="en-US"/>
           </a:p>
@@ -1288,7 +1290,7 @@
           <a:p>
             <a:fld id="{1AE614EA-B070-4142-AB65-24E3D1E71D82}" type="datetimeFigureOut">
               <a:rPr lang="ko-KR" altLang="en-US" smtClean="0"/>
-              <a:t>2017-01-28</a:t>
+              <a:t>2017-01-29</a:t>
             </a:fld>
             <a:endParaRPr lang="ko-KR" altLang="en-US"/>
           </a:p>
@@ -1458,7 +1460,7 @@
           <a:p>
             <a:fld id="{1AE614EA-B070-4142-AB65-24E3D1E71D82}" type="datetimeFigureOut">
               <a:rPr lang="ko-KR" altLang="en-US" smtClean="0"/>
-              <a:t>2017-01-28</a:t>
+              <a:t>2017-01-29</a:t>
             </a:fld>
             <a:endParaRPr lang="ko-KR" altLang="en-US"/>
           </a:p>
@@ -1810,7 +1812,7 @@
           <a:p>
             <a:fld id="{1AE614EA-B070-4142-AB65-24E3D1E71D82}" type="datetimeFigureOut">
               <a:rPr lang="ko-KR" altLang="en-US" smtClean="0"/>
-              <a:t>2017-01-28</a:t>
+              <a:t>2017-01-29</a:t>
             </a:fld>
             <a:endParaRPr lang="ko-KR" altLang="en-US"/>
           </a:p>
@@ -2042,7 +2044,7 @@
           <a:p>
             <a:fld id="{1AE614EA-B070-4142-AB65-24E3D1E71D82}" type="datetimeFigureOut">
               <a:rPr lang="ko-KR" altLang="en-US" smtClean="0"/>
-              <a:t>2017-01-28</a:t>
+              <a:t>2017-01-29</a:t>
             </a:fld>
             <a:endParaRPr lang="ko-KR" altLang="en-US"/>
           </a:p>
@@ -2409,7 +2411,7 @@
           <a:p>
             <a:fld id="{1AE614EA-B070-4142-AB65-24E3D1E71D82}" type="datetimeFigureOut">
               <a:rPr lang="ko-KR" altLang="en-US" smtClean="0"/>
-              <a:t>2017-01-28</a:t>
+              <a:t>2017-01-29</a:t>
             </a:fld>
             <a:endParaRPr lang="ko-KR" altLang="en-US"/>
           </a:p>
@@ -2527,7 +2529,7 @@
           <a:p>
             <a:fld id="{1AE614EA-B070-4142-AB65-24E3D1E71D82}" type="datetimeFigureOut">
               <a:rPr lang="ko-KR" altLang="en-US" smtClean="0"/>
-              <a:t>2017-01-28</a:t>
+              <a:t>2017-01-29</a:t>
             </a:fld>
             <a:endParaRPr lang="ko-KR" altLang="en-US"/>
           </a:p>
@@ -2622,7 +2624,7 @@
           <a:p>
             <a:fld id="{1AE614EA-B070-4142-AB65-24E3D1E71D82}" type="datetimeFigureOut">
               <a:rPr lang="ko-KR" altLang="en-US" smtClean="0"/>
-              <a:t>2017-01-28</a:t>
+              <a:t>2017-01-29</a:t>
             </a:fld>
             <a:endParaRPr lang="ko-KR" altLang="en-US"/>
           </a:p>
@@ -2899,7 +2901,7 @@
           <a:p>
             <a:fld id="{1AE614EA-B070-4142-AB65-24E3D1E71D82}" type="datetimeFigureOut">
               <a:rPr lang="ko-KR" altLang="en-US" smtClean="0"/>
-              <a:t>2017-01-28</a:t>
+              <a:t>2017-01-29</a:t>
             </a:fld>
             <a:endParaRPr lang="ko-KR" altLang="en-US"/>
           </a:p>
@@ -3152,7 +3154,7 @@
           <a:p>
             <a:fld id="{1AE614EA-B070-4142-AB65-24E3D1E71D82}" type="datetimeFigureOut">
               <a:rPr lang="ko-KR" altLang="en-US" smtClean="0"/>
-              <a:t>2017-01-28</a:t>
+              <a:t>2017-01-29</a:t>
             </a:fld>
             <a:endParaRPr lang="ko-KR" altLang="en-US"/>
           </a:p>
@@ -3365,7 +3367,7 @@
           <a:p>
             <a:fld id="{1AE614EA-B070-4142-AB65-24E3D1E71D82}" type="datetimeFigureOut">
               <a:rPr lang="ko-KR" altLang="en-US" smtClean="0"/>
-              <a:t>2017-01-28</a:t>
+              <a:t>2017-01-29</a:t>
             </a:fld>
             <a:endParaRPr lang="ko-KR" altLang="en-US"/>
           </a:p>
@@ -7703,7 +7705,7 @@
           <p:nvPr>
             <p:extLst>
               <p:ext uri="{D42A27DB-BD31-4B8C-83A1-F6EECF244321}">
-                <p14:modId xmlns:p14="http://schemas.microsoft.com/office/powerpoint/2010/main" val="4218589873"/>
+                <p14:modId xmlns:p14="http://schemas.microsoft.com/office/powerpoint/2010/main" val="3695158742"/>
               </p:ext>
             </p:extLst>
           </p:nvPr>
@@ -8063,6 +8065,10 @@
                     <a:lstStyle/>
                     <a:p>
                       <a:pPr algn="ctr" latinLnBrk="1"/>
+                      <a:r>
+                        <a:rPr lang="en-US" altLang="ko-KR" sz="1600" spc="-150" dirty="0"/>
+                        <a:t>Categorical</a:t>
+                      </a:r>
                       <a:endParaRPr lang="ko-KR" altLang="en-US" sz="1600" spc="-150" dirty="0"/>
                     </a:p>
                   </a:txBody>
@@ -8214,6 +8220,10 @@
                     <a:lstStyle/>
                     <a:p>
                       <a:pPr algn="ctr" latinLnBrk="1"/>
+                      <a:r>
+                        <a:rPr lang="en-US" altLang="ko-KR" sz="1600" spc="-150" dirty="0"/>
+                        <a:t>Categorical</a:t>
+                      </a:r>
                       <a:endParaRPr lang="ko-KR" altLang="en-US" sz="1600" spc="-150" dirty="0"/>
                     </a:p>
                   </a:txBody>
@@ -8336,6 +8346,10 @@
                     <a:lstStyle/>
                     <a:p>
                       <a:pPr algn="ctr" latinLnBrk="1"/>
+                      <a:r>
+                        <a:rPr lang="en-US" altLang="ko-KR" sz="1600" spc="-150" dirty="0"/>
+                        <a:t>Numeric</a:t>
+                      </a:r>
                       <a:endParaRPr lang="ko-KR" altLang="en-US" sz="1600" spc="-150" dirty="0"/>
                     </a:p>
                   </a:txBody>
@@ -8465,6 +8479,10 @@
                     <a:lstStyle/>
                     <a:p>
                       <a:pPr algn="ctr" latinLnBrk="1"/>
+                      <a:r>
+                        <a:rPr lang="en-US" altLang="ko-KR" sz="1600" spc="-150" dirty="0"/>
+                        <a:t>Numeric</a:t>
+                      </a:r>
                       <a:endParaRPr lang="ko-KR" altLang="en-US" sz="1600" spc="-150" dirty="0"/>
                     </a:p>
                   </a:txBody>
@@ -8594,6 +8612,10 @@
                     <a:lstStyle/>
                     <a:p>
                       <a:pPr algn="ctr" latinLnBrk="1"/>
+                      <a:r>
+                        <a:rPr lang="en-US" altLang="ko-KR" sz="1600" spc="-150" dirty="0"/>
+                        <a:t>Numeric</a:t>
+                      </a:r>
                       <a:endParaRPr lang="ko-KR" altLang="en-US" sz="1600" spc="-150" dirty="0"/>
                     </a:p>
                   </a:txBody>
@@ -8716,6 +8738,10 @@
                     <a:lstStyle/>
                     <a:p>
                       <a:pPr algn="ctr" latinLnBrk="1"/>
+                      <a:r>
+                        <a:rPr lang="en-US" altLang="ko-KR" sz="1600" spc="-150" dirty="0"/>
+                        <a:t>Categorical</a:t>
+                      </a:r>
                       <a:endParaRPr lang="ko-KR" altLang="en-US" sz="1600" spc="-150" dirty="0"/>
                     </a:p>
                   </a:txBody>
@@ -8842,7 +8868,27 @@
                     <a:bodyPr/>
                     <a:lstStyle/>
                     <a:p>
-                      <a:pPr algn="ctr" latinLnBrk="1"/>
+                      <a:pPr marL="0" marR="0" lvl="0" indent="0" algn="ctr" defTabSz="914400" rtl="0" eaLnBrk="1" fontAlgn="auto" latinLnBrk="1" hangingPunct="1">
+                        <a:lnSpc>
+                          <a:spcPct val="100000"/>
+                        </a:lnSpc>
+                        <a:spcBef>
+                          <a:spcPts val="0"/>
+                        </a:spcBef>
+                        <a:spcAft>
+                          <a:spcPts val="0"/>
+                        </a:spcAft>
+                        <a:buClrTx/>
+                        <a:buSzTx/>
+                        <a:buFontTx/>
+                        <a:buNone/>
+                        <a:tabLst/>
+                        <a:defRPr/>
+                      </a:pPr>
+                      <a:r>
+                        <a:rPr lang="en-US" altLang="ko-KR" sz="1600" spc="-150" dirty="0"/>
+                        <a:t>Numeric</a:t>
+                      </a:r>
                       <a:endParaRPr lang="ko-KR" altLang="en-US" sz="1600" spc="-150" dirty="0"/>
                     </a:p>
                   </a:txBody>
@@ -8989,6 +9035,10 @@
                     <a:lstStyle/>
                     <a:p>
                       <a:pPr algn="ctr" latinLnBrk="1"/>
+                      <a:r>
+                        <a:rPr lang="en-US" altLang="ko-KR" sz="1600" spc="-150" dirty="0"/>
+                        <a:t>Numeric</a:t>
+                      </a:r>
                       <a:endParaRPr lang="ko-KR" altLang="en-US" sz="1600" spc="-150" dirty="0"/>
                     </a:p>
                   </a:txBody>
@@ -9114,6 +9164,10 @@
                     <a:lstStyle/>
                     <a:p>
                       <a:pPr algn="ctr" latinLnBrk="1"/>
+                      <a:r>
+                        <a:rPr lang="en-US" altLang="ko-KR" sz="1600" spc="-150" dirty="0"/>
+                        <a:t>Numeric</a:t>
+                      </a:r>
                       <a:endParaRPr lang="ko-KR" altLang="en-US" sz="1600" spc="-150" dirty="0"/>
                     </a:p>
                   </a:txBody>
@@ -9236,6 +9290,10 @@
                     <a:lstStyle/>
                     <a:p>
                       <a:pPr algn="ctr" latinLnBrk="1"/>
+                      <a:r>
+                        <a:rPr lang="en-US" altLang="ko-KR" sz="1600" spc="-150" dirty="0"/>
+                        <a:t>Date</a:t>
+                      </a:r>
                       <a:endParaRPr lang="ko-KR" altLang="en-US" sz="1600" spc="-150" dirty="0"/>
                     </a:p>
                   </a:txBody>
@@ -9365,6 +9423,10 @@
                     <a:lstStyle/>
                     <a:p>
                       <a:pPr algn="ctr" latinLnBrk="1"/>
+                      <a:r>
+                        <a:rPr lang="en-US" altLang="ko-KR" sz="1600" spc="-150" dirty="0"/>
+                        <a:t>Binary</a:t>
+                      </a:r>
                       <a:endParaRPr lang="ko-KR" altLang="en-US" sz="1600" spc="-150" dirty="0"/>
                     </a:p>
                   </a:txBody>
@@ -10778,7 +10840,7 @@
         </p:nvSpPr>
         <p:spPr>
           <a:xfrm>
-            <a:off x="6367232" y="6000603"/>
+            <a:off x="6367231" y="5922891"/>
             <a:ext cx="4782612" cy="397421"/>
           </a:xfrm>
           <a:custGeom>
@@ -10904,6 +10966,3288 @@
 </file>
 
 <file path=ppt/slides/slide4.xml><?xml version="1.0" encoding="utf-8"?>
+<p:sld xmlns:a="http://schemas.openxmlformats.org/drawingml/2006/main" xmlns:r="http://schemas.openxmlformats.org/officeDocument/2006/relationships" xmlns:p="http://schemas.openxmlformats.org/presentationml/2006/main">
+  <p:cSld>
+    <p:spTree>
+      <p:nvGrpSpPr>
+        <p:cNvPr id="1" name=""/>
+        <p:cNvGrpSpPr/>
+        <p:nvPr/>
+      </p:nvGrpSpPr>
+      <p:grpSpPr>
+        <a:xfrm>
+          <a:off x="0" y="0"/>
+          <a:ext cx="0" cy="0"/>
+          <a:chOff x="0" y="0"/>
+          <a:chExt cx="0" cy="0"/>
+        </a:xfrm>
+      </p:grpSpPr>
+      <p:graphicFrame>
+        <p:nvGraphicFramePr>
+          <p:cNvPr id="6" name="Table 5"/>
+          <p:cNvGraphicFramePr>
+            <a:graphicFrameLocks noGrp="1"/>
+          </p:cNvGraphicFramePr>
+          <p:nvPr>
+            <p:extLst/>
+          </p:nvPr>
+        </p:nvGraphicFramePr>
+        <p:xfrm>
+          <a:off x="1279737" y="1456581"/>
+          <a:ext cx="9870106" cy="4602480"/>
+        </p:xfrm>
+        <a:graphic>
+          <a:graphicData uri="http://schemas.openxmlformats.org/drawingml/2006/table">
+            <a:tbl>
+              <a:tblPr firstRow="1" bandRow="1">
+                <a:tableStyleId>{2D5ABB26-0587-4C30-8999-92F81FD0307C}</a:tableStyleId>
+              </a:tblPr>
+              <a:tblGrid>
+                <a:gridCol w="3771296">
+                  <a:extLst>
+                    <a:ext uri="{9D8B030D-6E8A-4147-A177-3AD203B41FA5}">
+                      <a16:colId xmlns:a16="http://schemas.microsoft.com/office/drawing/2014/main" val="3365314418"/>
+                    </a:ext>
+                  </a:extLst>
+                </a:gridCol>
+                <a:gridCol w="3049405">
+                  <a:extLst>
+                    <a:ext uri="{9D8B030D-6E8A-4147-A177-3AD203B41FA5}">
+                      <a16:colId xmlns:a16="http://schemas.microsoft.com/office/drawing/2014/main" val="1035628479"/>
+                    </a:ext>
+                  </a:extLst>
+                </a:gridCol>
+                <a:gridCol w="3049405">
+                  <a:extLst>
+                    <a:ext uri="{9D8B030D-6E8A-4147-A177-3AD203B41FA5}">
+                      <a16:colId xmlns:a16="http://schemas.microsoft.com/office/drawing/2014/main" val="2908005716"/>
+                    </a:ext>
+                  </a:extLst>
+                </a:gridCol>
+              </a:tblGrid>
+              <a:tr h="329946">
+                <a:tc>
+                  <a:txBody>
+                    <a:bodyPr/>
+                    <a:lstStyle/>
+                    <a:p>
+                      <a:pPr algn="ctr" latinLnBrk="1"/>
+                      <a:r>
+                        <a:rPr lang="ko-KR" altLang="en-US" sz="1600" spc="-150" dirty="0">
+                          <a:latin typeface="+mj-ea"/>
+                          <a:ea typeface="+mj-ea"/>
+                        </a:rPr>
+                        <a:t>변수</a:t>
+                      </a:r>
+                    </a:p>
+                  </a:txBody>
+                  <a:tcPr>
+                    <a:lnB w="9525" cap="flat" cmpd="sng" algn="ctr">
+                      <a:solidFill>
+                        <a:schemeClr val="bg1">
+                          <a:lumMod val="95000"/>
+                        </a:schemeClr>
+                      </a:solidFill>
+                      <a:prstDash val="solid"/>
+                      <a:round/>
+                      <a:headEnd type="none" w="med" len="med"/>
+                      <a:tailEnd type="none" w="med" len="med"/>
+                    </a:lnB>
+                    <a:solidFill>
+                      <a:schemeClr val="accent6">
+                        <a:lumMod val="20000"/>
+                        <a:lumOff val="80000"/>
+                      </a:schemeClr>
+                    </a:solidFill>
+                  </a:tcPr>
+                </a:tc>
+                <a:tc>
+                  <a:txBody>
+                    <a:bodyPr/>
+                    <a:lstStyle/>
+                    <a:p>
+                      <a:pPr algn="ctr" latinLnBrk="1"/>
+                      <a:r>
+                        <a:rPr lang="ko-KR" altLang="en-US" sz="1600" spc="-150" dirty="0">
+                          <a:latin typeface="+mj-ea"/>
+                          <a:ea typeface="+mj-ea"/>
+                        </a:rPr>
+                        <a:t>변수 의미</a:t>
+                      </a:r>
+                    </a:p>
+                  </a:txBody>
+                  <a:tcPr>
+                    <a:lnB w="9525" cap="flat" cmpd="sng" algn="ctr">
+                      <a:solidFill>
+                        <a:schemeClr val="bg1">
+                          <a:lumMod val="95000"/>
+                        </a:schemeClr>
+                      </a:solidFill>
+                      <a:prstDash val="solid"/>
+                      <a:round/>
+                      <a:headEnd type="none" w="med" len="med"/>
+                      <a:tailEnd type="none" w="med" len="med"/>
+                    </a:lnB>
+                    <a:solidFill>
+                      <a:schemeClr val="accent6">
+                        <a:lumMod val="20000"/>
+                        <a:lumOff val="80000"/>
+                      </a:schemeClr>
+                    </a:solidFill>
+                  </a:tcPr>
+                </a:tc>
+                <a:tc>
+                  <a:txBody>
+                    <a:bodyPr/>
+                    <a:lstStyle/>
+                    <a:p>
+                      <a:pPr algn="ctr" latinLnBrk="1"/>
+                      <a:r>
+                        <a:rPr lang="ko-KR" altLang="en-US" sz="1600" spc="-150" dirty="0">
+                          <a:latin typeface="+mj-ea"/>
+                          <a:ea typeface="+mj-ea"/>
+                        </a:rPr>
+                        <a:t>변수 타입</a:t>
+                      </a:r>
+                    </a:p>
+                  </a:txBody>
+                  <a:tcPr>
+                    <a:lnB w="9525" cap="flat" cmpd="sng" algn="ctr">
+                      <a:solidFill>
+                        <a:schemeClr val="bg1">
+                          <a:lumMod val="95000"/>
+                        </a:schemeClr>
+                      </a:solidFill>
+                      <a:prstDash val="solid"/>
+                      <a:round/>
+                      <a:headEnd type="none" w="med" len="med"/>
+                      <a:tailEnd type="none" w="med" len="med"/>
+                    </a:lnB>
+                    <a:solidFill>
+                      <a:schemeClr val="accent6">
+                        <a:lumMod val="20000"/>
+                        <a:lumOff val="80000"/>
+                      </a:schemeClr>
+                    </a:solidFill>
+                  </a:tcPr>
+                </a:tc>
+                <a:extLst>
+                  <a:ext uri="{0D108BD9-81ED-4DB2-BD59-A6C34878D82A}">
+                    <a16:rowId xmlns:a16="http://schemas.microsoft.com/office/drawing/2014/main" val="468619332"/>
+                  </a:ext>
+                </a:extLst>
+              </a:tr>
+              <a:tr h="329946">
+                <a:tc>
+                  <a:txBody>
+                    <a:bodyPr/>
+                    <a:lstStyle/>
+                    <a:p>
+                      <a:pPr algn="ctr" latinLnBrk="1"/>
+                      <a:r>
+                        <a:rPr lang="en-US" altLang="ko-KR" sz="1600" spc="0" dirty="0">
+                          <a:latin typeface="+mn-ea"/>
+                          <a:ea typeface="+mn-ea"/>
+                        </a:rPr>
+                        <a:t>ID</a:t>
+                      </a:r>
+                    </a:p>
+                  </a:txBody>
+                  <a:tcPr>
+                    <a:lnT w="9525" cap="flat" cmpd="sng" algn="ctr">
+                      <a:solidFill>
+                        <a:schemeClr val="bg1">
+                          <a:lumMod val="95000"/>
+                        </a:schemeClr>
+                      </a:solidFill>
+                      <a:prstDash val="solid"/>
+                      <a:round/>
+                      <a:headEnd type="none" w="med" len="med"/>
+                      <a:tailEnd type="none" w="med" len="med"/>
+                    </a:lnT>
+                    <a:lnB w="9525" cap="flat" cmpd="sng" algn="ctr">
+                      <a:solidFill>
+                        <a:schemeClr val="bg1">
+                          <a:lumMod val="95000"/>
+                        </a:schemeClr>
+                      </a:solidFill>
+                      <a:prstDash val="solid"/>
+                      <a:round/>
+                      <a:headEnd type="none" w="med" len="med"/>
+                      <a:tailEnd type="none" w="med" len="med"/>
+                    </a:lnB>
+                  </a:tcPr>
+                </a:tc>
+                <a:tc>
+                  <a:txBody>
+                    <a:bodyPr/>
+                    <a:lstStyle/>
+                    <a:p>
+                      <a:pPr algn="ctr" latinLnBrk="1"/>
+                      <a:r>
+                        <a:rPr lang="ko-KR" altLang="en-US" sz="1600" spc="-150" dirty="0"/>
+                        <a:t>아파트 이름</a:t>
+                      </a:r>
+                    </a:p>
+                  </a:txBody>
+                  <a:tcPr>
+                    <a:lnT w="9525" cap="flat" cmpd="sng" algn="ctr">
+                      <a:solidFill>
+                        <a:schemeClr val="bg1">
+                          <a:lumMod val="95000"/>
+                        </a:schemeClr>
+                      </a:solidFill>
+                      <a:prstDash val="solid"/>
+                      <a:round/>
+                      <a:headEnd type="none" w="med" len="med"/>
+                      <a:tailEnd type="none" w="med" len="med"/>
+                    </a:lnT>
+                    <a:lnB w="9525" cap="flat" cmpd="sng" algn="ctr">
+                      <a:solidFill>
+                        <a:schemeClr val="bg1">
+                          <a:lumMod val="95000"/>
+                        </a:schemeClr>
+                      </a:solidFill>
+                      <a:prstDash val="solid"/>
+                      <a:round/>
+                      <a:headEnd type="none" w="med" len="med"/>
+                      <a:tailEnd type="none" w="med" len="med"/>
+                    </a:lnB>
+                  </a:tcPr>
+                </a:tc>
+                <a:tc>
+                  <a:txBody>
+                    <a:bodyPr/>
+                    <a:lstStyle/>
+                    <a:p>
+                      <a:pPr algn="ctr" latinLnBrk="1"/>
+                      <a:r>
+                        <a:rPr lang="en-US" altLang="ko-KR" sz="1600" spc="-150" dirty="0"/>
+                        <a:t>Character</a:t>
+                      </a:r>
+                      <a:endParaRPr lang="ko-KR" altLang="en-US" sz="1600" spc="-150" dirty="0"/>
+                    </a:p>
+                  </a:txBody>
+                  <a:tcPr>
+                    <a:lnT w="9525" cap="flat" cmpd="sng" algn="ctr">
+                      <a:solidFill>
+                        <a:schemeClr val="bg1">
+                          <a:lumMod val="95000"/>
+                        </a:schemeClr>
+                      </a:solidFill>
+                      <a:prstDash val="solid"/>
+                      <a:round/>
+                      <a:headEnd type="none" w="med" len="med"/>
+                      <a:tailEnd type="none" w="med" len="med"/>
+                    </a:lnT>
+                    <a:lnB w="9525" cap="flat" cmpd="sng" algn="ctr">
+                      <a:solidFill>
+                        <a:schemeClr val="bg1">
+                          <a:lumMod val="95000"/>
+                        </a:schemeClr>
+                      </a:solidFill>
+                      <a:prstDash val="solid"/>
+                      <a:round/>
+                      <a:headEnd type="none" w="med" len="med"/>
+                      <a:tailEnd type="none" w="med" len="med"/>
+                    </a:lnB>
+                  </a:tcPr>
+                </a:tc>
+                <a:extLst>
+                  <a:ext uri="{0D108BD9-81ED-4DB2-BD59-A6C34878D82A}">
+                    <a16:rowId xmlns:a16="http://schemas.microsoft.com/office/drawing/2014/main" val="3757621477"/>
+                  </a:ext>
+                </a:extLst>
+              </a:tr>
+              <a:tr h="329946">
+                <a:tc>
+                  <a:txBody>
+                    <a:bodyPr/>
+                    <a:lstStyle/>
+                    <a:p>
+                      <a:pPr algn="ctr" latinLnBrk="1"/>
+                      <a:r>
+                        <a:rPr lang="en-US" altLang="ko-KR" sz="1600" spc="0" dirty="0">
+                          <a:latin typeface="+mn-ea"/>
+                          <a:ea typeface="+mn-ea"/>
+                        </a:rPr>
+                        <a:t>block</a:t>
+                      </a:r>
+                      <a:endParaRPr lang="ko-KR" altLang="en-US" sz="1600" spc="0" dirty="0">
+                        <a:latin typeface="+mn-ea"/>
+                        <a:ea typeface="+mn-ea"/>
+                      </a:endParaRPr>
+                    </a:p>
+                  </a:txBody>
+                  <a:tcPr>
+                    <a:lnT w="9525" cap="flat" cmpd="sng" algn="ctr">
+                      <a:solidFill>
+                        <a:schemeClr val="bg1">
+                          <a:lumMod val="95000"/>
+                        </a:schemeClr>
+                      </a:solidFill>
+                      <a:prstDash val="solid"/>
+                      <a:round/>
+                      <a:headEnd type="none" w="med" len="med"/>
+                      <a:tailEnd type="none" w="med" len="med"/>
+                    </a:lnT>
+                    <a:lnB w="9525" cap="flat" cmpd="sng" algn="ctr">
+                      <a:solidFill>
+                        <a:schemeClr val="bg1">
+                          <a:lumMod val="95000"/>
+                        </a:schemeClr>
+                      </a:solidFill>
+                      <a:prstDash val="solid"/>
+                      <a:round/>
+                      <a:headEnd type="none" w="med" len="med"/>
+                      <a:tailEnd type="none" w="med" len="med"/>
+                    </a:lnB>
+                  </a:tcPr>
+                </a:tc>
+                <a:tc>
+                  <a:txBody>
+                    <a:bodyPr/>
+                    <a:lstStyle/>
+                    <a:p>
+                      <a:pPr algn="ctr" latinLnBrk="1"/>
+                      <a:r>
+                        <a:rPr lang="ko-KR" altLang="en-US" sz="1600" spc="-150" dirty="0"/>
+                        <a:t>동</a:t>
+                      </a:r>
+                    </a:p>
+                  </a:txBody>
+                  <a:tcPr>
+                    <a:lnT w="9525" cap="flat" cmpd="sng" algn="ctr">
+                      <a:solidFill>
+                        <a:schemeClr val="bg1">
+                          <a:lumMod val="95000"/>
+                        </a:schemeClr>
+                      </a:solidFill>
+                      <a:prstDash val="solid"/>
+                      <a:round/>
+                      <a:headEnd type="none" w="med" len="med"/>
+                      <a:tailEnd type="none" w="med" len="med"/>
+                    </a:lnT>
+                    <a:lnB w="9525" cap="flat" cmpd="sng" algn="ctr">
+                      <a:solidFill>
+                        <a:schemeClr val="bg1">
+                          <a:lumMod val="95000"/>
+                        </a:schemeClr>
+                      </a:solidFill>
+                      <a:prstDash val="solid"/>
+                      <a:round/>
+                      <a:headEnd type="none" w="med" len="med"/>
+                      <a:tailEnd type="none" w="med" len="med"/>
+                    </a:lnB>
+                  </a:tcPr>
+                </a:tc>
+                <a:tc>
+                  <a:txBody>
+                    <a:bodyPr/>
+                    <a:lstStyle/>
+                    <a:p>
+                      <a:pPr algn="ctr" latinLnBrk="1"/>
+                      <a:r>
+                        <a:rPr lang="en-US" altLang="ko-KR" sz="1600" spc="-150" dirty="0"/>
+                        <a:t>Categorical</a:t>
+                      </a:r>
+                      <a:endParaRPr lang="ko-KR" altLang="en-US" sz="1600" spc="-150" dirty="0"/>
+                    </a:p>
+                  </a:txBody>
+                  <a:tcPr>
+                    <a:lnT w="9525" cap="flat" cmpd="sng" algn="ctr">
+                      <a:solidFill>
+                        <a:schemeClr val="bg1">
+                          <a:lumMod val="95000"/>
+                        </a:schemeClr>
+                      </a:solidFill>
+                      <a:prstDash val="solid"/>
+                      <a:round/>
+                      <a:headEnd type="none" w="med" len="med"/>
+                      <a:tailEnd type="none" w="med" len="med"/>
+                    </a:lnT>
+                    <a:lnB w="9525" cap="flat" cmpd="sng" algn="ctr">
+                      <a:solidFill>
+                        <a:schemeClr val="bg1">
+                          <a:lumMod val="95000"/>
+                        </a:schemeClr>
+                      </a:solidFill>
+                      <a:prstDash val="solid"/>
+                      <a:round/>
+                      <a:headEnd type="none" w="med" len="med"/>
+                      <a:tailEnd type="none" w="med" len="med"/>
+                    </a:lnB>
+                  </a:tcPr>
+                </a:tc>
+                <a:extLst>
+                  <a:ext uri="{0D108BD9-81ED-4DB2-BD59-A6C34878D82A}">
+                    <a16:rowId xmlns:a16="http://schemas.microsoft.com/office/drawing/2014/main" val="3381448135"/>
+                  </a:ext>
+                </a:extLst>
+              </a:tr>
+              <a:tr h="329946">
+                <a:tc>
+                  <a:txBody>
+                    <a:bodyPr/>
+                    <a:lstStyle/>
+                    <a:p>
+                      <a:pPr algn="ctr" latinLnBrk="1"/>
+                      <a:r>
+                        <a:rPr lang="en-US" altLang="ko-KR" sz="1600" spc="0" dirty="0">
+                          <a:latin typeface="+mn-ea"/>
+                          <a:ea typeface="+mn-ea"/>
+                        </a:rPr>
+                        <a:t>floor</a:t>
+                      </a:r>
+                      <a:endParaRPr lang="ko-KR" altLang="en-US" sz="1600" spc="0" dirty="0">
+                        <a:latin typeface="+mn-ea"/>
+                        <a:ea typeface="+mn-ea"/>
+                      </a:endParaRPr>
+                    </a:p>
+                  </a:txBody>
+                  <a:tcPr>
+                    <a:lnT w="9525" cap="flat" cmpd="sng" algn="ctr">
+                      <a:solidFill>
+                        <a:schemeClr val="bg1">
+                          <a:lumMod val="95000"/>
+                        </a:schemeClr>
+                      </a:solidFill>
+                      <a:prstDash val="solid"/>
+                      <a:round/>
+                      <a:headEnd type="none" w="med" len="med"/>
+                      <a:tailEnd type="none" w="med" len="med"/>
+                    </a:lnT>
+                    <a:lnB w="9525" cap="flat" cmpd="sng" algn="ctr">
+                      <a:solidFill>
+                        <a:schemeClr val="bg1">
+                          <a:lumMod val="95000"/>
+                        </a:schemeClr>
+                      </a:solidFill>
+                      <a:prstDash val="solid"/>
+                      <a:round/>
+                      <a:headEnd type="none" w="med" len="med"/>
+                      <a:tailEnd type="none" w="med" len="med"/>
+                    </a:lnB>
+                  </a:tcPr>
+                </a:tc>
+                <a:tc>
+                  <a:txBody>
+                    <a:bodyPr/>
+                    <a:lstStyle/>
+                    <a:p>
+                      <a:pPr algn="ctr" latinLnBrk="1"/>
+                      <a:r>
+                        <a:rPr lang="ko-KR" altLang="en-US" sz="1600" spc="-150" dirty="0"/>
+                        <a:t>층 </a:t>
+                      </a:r>
+                      <a:r>
+                        <a:rPr lang="en-US" altLang="ko-KR" sz="1600" spc="-150" dirty="0"/>
+                        <a:t>(</a:t>
+                      </a:r>
+                      <a:r>
+                        <a:rPr lang="ko-KR" altLang="en-US" sz="1600" spc="-150" dirty="0"/>
+                        <a:t>저층</a:t>
+                      </a:r>
+                      <a:r>
+                        <a:rPr lang="en-US" altLang="ko-KR" sz="1600" spc="-150" dirty="0"/>
+                        <a:t>, </a:t>
+                      </a:r>
+                      <a:r>
+                        <a:rPr lang="ko-KR" altLang="en-US" sz="1600" spc="-150" dirty="0"/>
+                        <a:t>중층</a:t>
+                      </a:r>
+                      <a:r>
+                        <a:rPr lang="en-US" altLang="ko-KR" sz="1600" spc="-150" dirty="0"/>
+                        <a:t>, </a:t>
+                      </a:r>
+                      <a:r>
+                        <a:rPr lang="ko-KR" altLang="en-US" sz="1600" spc="-150" dirty="0"/>
+                        <a:t>고층</a:t>
+                      </a:r>
+                      <a:r>
+                        <a:rPr lang="en-US" altLang="ko-KR" sz="1600" spc="-150" dirty="0"/>
+                        <a:t>)</a:t>
+                      </a:r>
+                      <a:endParaRPr lang="ko-KR" altLang="en-US" sz="1600" spc="-150" dirty="0"/>
+                    </a:p>
+                  </a:txBody>
+                  <a:tcPr>
+                    <a:lnT w="9525" cap="flat" cmpd="sng" algn="ctr">
+                      <a:solidFill>
+                        <a:schemeClr val="bg1">
+                          <a:lumMod val="95000"/>
+                        </a:schemeClr>
+                      </a:solidFill>
+                      <a:prstDash val="solid"/>
+                      <a:round/>
+                      <a:headEnd type="none" w="med" len="med"/>
+                      <a:tailEnd type="none" w="med" len="med"/>
+                    </a:lnT>
+                    <a:lnB w="9525" cap="flat" cmpd="sng" algn="ctr">
+                      <a:solidFill>
+                        <a:schemeClr val="bg1">
+                          <a:lumMod val="95000"/>
+                        </a:schemeClr>
+                      </a:solidFill>
+                      <a:prstDash val="solid"/>
+                      <a:round/>
+                      <a:headEnd type="none" w="med" len="med"/>
+                      <a:tailEnd type="none" w="med" len="med"/>
+                    </a:lnB>
+                  </a:tcPr>
+                </a:tc>
+                <a:tc>
+                  <a:txBody>
+                    <a:bodyPr/>
+                    <a:lstStyle/>
+                    <a:p>
+                      <a:pPr algn="ctr" latinLnBrk="1"/>
+                      <a:r>
+                        <a:rPr lang="en-US" altLang="ko-KR" sz="1600" spc="-150" dirty="0"/>
+                        <a:t>Categorical</a:t>
+                      </a:r>
+                      <a:endParaRPr lang="ko-KR" altLang="en-US" sz="1600" spc="-150" dirty="0"/>
+                    </a:p>
+                  </a:txBody>
+                  <a:tcPr>
+                    <a:lnT w="9525" cap="flat" cmpd="sng" algn="ctr">
+                      <a:solidFill>
+                        <a:schemeClr val="bg1">
+                          <a:lumMod val="95000"/>
+                        </a:schemeClr>
+                      </a:solidFill>
+                      <a:prstDash val="solid"/>
+                      <a:round/>
+                      <a:headEnd type="none" w="med" len="med"/>
+                      <a:tailEnd type="none" w="med" len="med"/>
+                    </a:lnT>
+                    <a:lnB w="9525" cap="flat" cmpd="sng" algn="ctr">
+                      <a:solidFill>
+                        <a:schemeClr val="bg1">
+                          <a:lumMod val="95000"/>
+                        </a:schemeClr>
+                      </a:solidFill>
+                      <a:prstDash val="solid"/>
+                      <a:round/>
+                      <a:headEnd type="none" w="med" len="med"/>
+                      <a:tailEnd type="none" w="med" len="med"/>
+                    </a:lnB>
+                  </a:tcPr>
+                </a:tc>
+                <a:extLst>
+                  <a:ext uri="{0D108BD9-81ED-4DB2-BD59-A6C34878D82A}">
+                    <a16:rowId xmlns:a16="http://schemas.microsoft.com/office/drawing/2014/main" val="1769551778"/>
+                  </a:ext>
+                </a:extLst>
+              </a:tr>
+              <a:tr h="329946">
+                <a:tc>
+                  <a:txBody>
+                    <a:bodyPr/>
+                    <a:lstStyle/>
+                    <a:p>
+                      <a:pPr algn="ctr" latinLnBrk="1"/>
+                      <a:r>
+                        <a:rPr lang="en-US" altLang="ko-KR" sz="1600" spc="0" dirty="0">
+                          <a:latin typeface="+mn-ea"/>
+                          <a:ea typeface="+mn-ea"/>
+                        </a:rPr>
+                        <a:t>saleable area</a:t>
+                      </a:r>
+                      <a:endParaRPr lang="ko-KR" altLang="en-US" sz="1600" spc="0" dirty="0">
+                        <a:latin typeface="+mn-ea"/>
+                        <a:ea typeface="+mn-ea"/>
+                      </a:endParaRPr>
+                    </a:p>
+                  </a:txBody>
+                  <a:tcPr>
+                    <a:lnT w="9525" cap="flat" cmpd="sng" algn="ctr">
+                      <a:solidFill>
+                        <a:schemeClr val="bg1">
+                          <a:lumMod val="95000"/>
+                        </a:schemeClr>
+                      </a:solidFill>
+                      <a:prstDash val="solid"/>
+                      <a:round/>
+                      <a:headEnd type="none" w="med" len="med"/>
+                      <a:tailEnd type="none" w="med" len="med"/>
+                    </a:lnT>
+                    <a:lnB w="9525" cap="flat" cmpd="sng" algn="ctr">
+                      <a:solidFill>
+                        <a:schemeClr val="bg1">
+                          <a:lumMod val="95000"/>
+                        </a:schemeClr>
+                      </a:solidFill>
+                      <a:prstDash val="solid"/>
+                      <a:round/>
+                      <a:headEnd type="none" w="med" len="med"/>
+                      <a:tailEnd type="none" w="med" len="med"/>
+                    </a:lnB>
+                  </a:tcPr>
+                </a:tc>
+                <a:tc>
+                  <a:txBody>
+                    <a:bodyPr/>
+                    <a:lstStyle/>
+                    <a:p>
+                      <a:pPr algn="ctr" latinLnBrk="1"/>
+                      <a:r>
+                        <a:rPr lang="ko-KR" altLang="en-US" sz="1600" spc="-150" dirty="0"/>
+                        <a:t>전용면적</a:t>
+                      </a:r>
+                    </a:p>
+                  </a:txBody>
+                  <a:tcPr>
+                    <a:lnT w="9525" cap="flat" cmpd="sng" algn="ctr">
+                      <a:solidFill>
+                        <a:schemeClr val="bg1">
+                          <a:lumMod val="95000"/>
+                        </a:schemeClr>
+                      </a:solidFill>
+                      <a:prstDash val="solid"/>
+                      <a:round/>
+                      <a:headEnd type="none" w="med" len="med"/>
+                      <a:tailEnd type="none" w="med" len="med"/>
+                    </a:lnT>
+                    <a:lnB w="9525" cap="flat" cmpd="sng" algn="ctr">
+                      <a:solidFill>
+                        <a:schemeClr val="bg1">
+                          <a:lumMod val="95000"/>
+                        </a:schemeClr>
+                      </a:solidFill>
+                      <a:prstDash val="solid"/>
+                      <a:round/>
+                      <a:headEnd type="none" w="med" len="med"/>
+                      <a:tailEnd type="none" w="med" len="med"/>
+                    </a:lnB>
+                  </a:tcPr>
+                </a:tc>
+                <a:tc>
+                  <a:txBody>
+                    <a:bodyPr/>
+                    <a:lstStyle/>
+                    <a:p>
+                      <a:pPr algn="ctr" latinLnBrk="1"/>
+                      <a:r>
+                        <a:rPr lang="en-US" altLang="ko-KR" sz="1600" spc="-150" dirty="0"/>
+                        <a:t>Numeric</a:t>
+                      </a:r>
+                      <a:endParaRPr lang="ko-KR" altLang="en-US" sz="1600" spc="-150" dirty="0"/>
+                    </a:p>
+                  </a:txBody>
+                  <a:tcPr>
+                    <a:lnT w="9525" cap="flat" cmpd="sng" algn="ctr">
+                      <a:solidFill>
+                        <a:schemeClr val="bg1">
+                          <a:lumMod val="95000"/>
+                        </a:schemeClr>
+                      </a:solidFill>
+                      <a:prstDash val="solid"/>
+                      <a:round/>
+                      <a:headEnd type="none" w="med" len="med"/>
+                      <a:tailEnd type="none" w="med" len="med"/>
+                    </a:lnT>
+                    <a:lnB w="9525" cap="flat" cmpd="sng" algn="ctr">
+                      <a:solidFill>
+                        <a:schemeClr val="bg1">
+                          <a:lumMod val="95000"/>
+                        </a:schemeClr>
+                      </a:solidFill>
+                      <a:prstDash val="solid"/>
+                      <a:round/>
+                      <a:headEnd type="none" w="med" len="med"/>
+                      <a:tailEnd type="none" w="med" len="med"/>
+                    </a:lnB>
+                  </a:tcPr>
+                </a:tc>
+                <a:extLst>
+                  <a:ext uri="{0D108BD9-81ED-4DB2-BD59-A6C34878D82A}">
+                    <a16:rowId xmlns:a16="http://schemas.microsoft.com/office/drawing/2014/main" val="1322638936"/>
+                  </a:ext>
+                </a:extLst>
+              </a:tr>
+              <a:tr h="329946">
+                <a:tc>
+                  <a:txBody>
+                    <a:bodyPr/>
+                    <a:lstStyle/>
+                    <a:p>
+                      <a:pPr algn="ctr" latinLnBrk="1"/>
+                      <a:r>
+                        <a:rPr lang="en-US" altLang="ko-KR" sz="1600" spc="0" dirty="0">
+                          <a:latin typeface="+mn-ea"/>
+                          <a:ea typeface="+mn-ea"/>
+                        </a:rPr>
+                        <a:t>gross</a:t>
+                      </a:r>
+                      <a:r>
+                        <a:rPr lang="en-US" altLang="ko-KR" sz="1600" spc="0" baseline="0" dirty="0">
+                          <a:latin typeface="+mn-ea"/>
+                          <a:ea typeface="+mn-ea"/>
+                        </a:rPr>
+                        <a:t> area</a:t>
+                      </a:r>
+                      <a:endParaRPr lang="ko-KR" altLang="en-US" sz="1600" spc="0" dirty="0">
+                        <a:latin typeface="+mn-ea"/>
+                        <a:ea typeface="+mn-ea"/>
+                      </a:endParaRPr>
+                    </a:p>
+                  </a:txBody>
+                  <a:tcPr>
+                    <a:lnT w="9525" cap="flat" cmpd="sng" algn="ctr">
+                      <a:solidFill>
+                        <a:schemeClr val="bg1">
+                          <a:lumMod val="95000"/>
+                        </a:schemeClr>
+                      </a:solidFill>
+                      <a:prstDash val="solid"/>
+                      <a:round/>
+                      <a:headEnd type="none" w="med" len="med"/>
+                      <a:tailEnd type="none" w="med" len="med"/>
+                    </a:lnT>
+                    <a:lnB w="9525" cap="flat" cmpd="sng" algn="ctr">
+                      <a:solidFill>
+                        <a:schemeClr val="bg1">
+                          <a:lumMod val="95000"/>
+                        </a:schemeClr>
+                      </a:solidFill>
+                      <a:prstDash val="solid"/>
+                      <a:round/>
+                      <a:headEnd type="none" w="med" len="med"/>
+                      <a:tailEnd type="none" w="med" len="med"/>
+                    </a:lnB>
+                  </a:tcPr>
+                </a:tc>
+                <a:tc>
+                  <a:txBody>
+                    <a:bodyPr/>
+                    <a:lstStyle/>
+                    <a:p>
+                      <a:pPr algn="ctr" latinLnBrk="1"/>
+                      <a:r>
+                        <a:rPr lang="ko-KR" altLang="en-US" sz="1600" spc="-150" dirty="0"/>
+                        <a:t>공급면적</a:t>
+                      </a:r>
+                    </a:p>
+                  </a:txBody>
+                  <a:tcPr>
+                    <a:lnT w="9525" cap="flat" cmpd="sng" algn="ctr">
+                      <a:solidFill>
+                        <a:schemeClr val="bg1">
+                          <a:lumMod val="95000"/>
+                        </a:schemeClr>
+                      </a:solidFill>
+                      <a:prstDash val="solid"/>
+                      <a:round/>
+                      <a:headEnd type="none" w="med" len="med"/>
+                      <a:tailEnd type="none" w="med" len="med"/>
+                    </a:lnT>
+                    <a:lnB w="9525" cap="flat" cmpd="sng" algn="ctr">
+                      <a:solidFill>
+                        <a:schemeClr val="bg1">
+                          <a:lumMod val="95000"/>
+                        </a:schemeClr>
+                      </a:solidFill>
+                      <a:prstDash val="solid"/>
+                      <a:round/>
+                      <a:headEnd type="none" w="med" len="med"/>
+                      <a:tailEnd type="none" w="med" len="med"/>
+                    </a:lnB>
+                  </a:tcPr>
+                </a:tc>
+                <a:tc>
+                  <a:txBody>
+                    <a:bodyPr/>
+                    <a:lstStyle/>
+                    <a:p>
+                      <a:pPr algn="ctr" latinLnBrk="1"/>
+                      <a:r>
+                        <a:rPr lang="en-US" altLang="ko-KR" sz="1600" spc="-150" dirty="0"/>
+                        <a:t>Numeric</a:t>
+                      </a:r>
+                      <a:endParaRPr lang="ko-KR" altLang="en-US" sz="1600" spc="-150" dirty="0"/>
+                    </a:p>
+                  </a:txBody>
+                  <a:tcPr>
+                    <a:lnT w="9525" cap="flat" cmpd="sng" algn="ctr">
+                      <a:solidFill>
+                        <a:schemeClr val="bg1">
+                          <a:lumMod val="95000"/>
+                        </a:schemeClr>
+                      </a:solidFill>
+                      <a:prstDash val="solid"/>
+                      <a:round/>
+                      <a:headEnd type="none" w="med" len="med"/>
+                      <a:tailEnd type="none" w="med" len="med"/>
+                    </a:lnT>
+                    <a:lnB w="9525" cap="flat" cmpd="sng" algn="ctr">
+                      <a:solidFill>
+                        <a:schemeClr val="bg1">
+                          <a:lumMod val="95000"/>
+                        </a:schemeClr>
+                      </a:solidFill>
+                      <a:prstDash val="solid"/>
+                      <a:round/>
+                      <a:headEnd type="none" w="med" len="med"/>
+                      <a:tailEnd type="none" w="med" len="med"/>
+                    </a:lnB>
+                  </a:tcPr>
+                </a:tc>
+                <a:extLst>
+                  <a:ext uri="{0D108BD9-81ED-4DB2-BD59-A6C34878D82A}">
+                    <a16:rowId xmlns:a16="http://schemas.microsoft.com/office/drawing/2014/main" val="1522193317"/>
+                  </a:ext>
+                </a:extLst>
+              </a:tr>
+              <a:tr h="329946">
+                <a:tc>
+                  <a:txBody>
+                    <a:bodyPr/>
+                    <a:lstStyle/>
+                    <a:p>
+                      <a:pPr algn="ctr" latinLnBrk="1"/>
+                      <a:r>
+                        <a:rPr lang="en-US" altLang="ko-KR" sz="1600" spc="0" dirty="0">
+                          <a:latin typeface="+mn-ea"/>
+                          <a:ea typeface="+mn-ea"/>
+                        </a:rPr>
+                        <a:t>efficiency</a:t>
+                      </a:r>
+                      <a:r>
+                        <a:rPr lang="en-US" altLang="ko-KR" sz="1600" spc="0" baseline="0" dirty="0">
+                          <a:latin typeface="+mn-ea"/>
+                          <a:ea typeface="+mn-ea"/>
+                        </a:rPr>
+                        <a:t> ratio</a:t>
+                      </a:r>
+                      <a:endParaRPr lang="ko-KR" altLang="en-US" sz="1600" spc="0" dirty="0">
+                        <a:latin typeface="+mn-ea"/>
+                        <a:ea typeface="+mn-ea"/>
+                      </a:endParaRPr>
+                    </a:p>
+                  </a:txBody>
+                  <a:tcPr>
+                    <a:lnT w="9525" cap="flat" cmpd="sng" algn="ctr">
+                      <a:solidFill>
+                        <a:schemeClr val="bg1">
+                          <a:lumMod val="95000"/>
+                        </a:schemeClr>
+                      </a:solidFill>
+                      <a:prstDash val="solid"/>
+                      <a:round/>
+                      <a:headEnd type="none" w="med" len="med"/>
+                      <a:tailEnd type="none" w="med" len="med"/>
+                    </a:lnT>
+                    <a:lnB w="9525" cap="flat" cmpd="sng" algn="ctr">
+                      <a:solidFill>
+                        <a:schemeClr val="bg1">
+                          <a:lumMod val="95000"/>
+                        </a:schemeClr>
+                      </a:solidFill>
+                      <a:prstDash val="solid"/>
+                      <a:round/>
+                      <a:headEnd type="none" w="med" len="med"/>
+                      <a:tailEnd type="none" w="med" len="med"/>
+                    </a:lnB>
+                  </a:tcPr>
+                </a:tc>
+                <a:tc>
+                  <a:txBody>
+                    <a:bodyPr/>
+                    <a:lstStyle/>
+                    <a:p>
+                      <a:pPr algn="ctr" latinLnBrk="1"/>
+                      <a:r>
+                        <a:rPr lang="ko-KR" altLang="en-US" sz="1600" spc="-150" dirty="0"/>
+                        <a:t>전용률</a:t>
+                      </a:r>
+                    </a:p>
+                  </a:txBody>
+                  <a:tcPr>
+                    <a:lnT w="9525" cap="flat" cmpd="sng" algn="ctr">
+                      <a:solidFill>
+                        <a:schemeClr val="bg1">
+                          <a:lumMod val="95000"/>
+                        </a:schemeClr>
+                      </a:solidFill>
+                      <a:prstDash val="solid"/>
+                      <a:round/>
+                      <a:headEnd type="none" w="med" len="med"/>
+                      <a:tailEnd type="none" w="med" len="med"/>
+                    </a:lnT>
+                    <a:lnB w="9525" cap="flat" cmpd="sng" algn="ctr">
+                      <a:solidFill>
+                        <a:schemeClr val="bg1">
+                          <a:lumMod val="95000"/>
+                        </a:schemeClr>
+                      </a:solidFill>
+                      <a:prstDash val="solid"/>
+                      <a:round/>
+                      <a:headEnd type="none" w="med" len="med"/>
+                      <a:tailEnd type="none" w="med" len="med"/>
+                    </a:lnB>
+                  </a:tcPr>
+                </a:tc>
+                <a:tc>
+                  <a:txBody>
+                    <a:bodyPr/>
+                    <a:lstStyle/>
+                    <a:p>
+                      <a:pPr algn="ctr" latinLnBrk="1"/>
+                      <a:r>
+                        <a:rPr lang="en-US" altLang="ko-KR" sz="1600" spc="-150" dirty="0"/>
+                        <a:t>Numeric</a:t>
+                      </a:r>
+                      <a:endParaRPr lang="ko-KR" altLang="en-US" sz="1600" spc="-150" dirty="0"/>
+                    </a:p>
+                  </a:txBody>
+                  <a:tcPr>
+                    <a:lnT w="9525" cap="flat" cmpd="sng" algn="ctr">
+                      <a:solidFill>
+                        <a:schemeClr val="bg1">
+                          <a:lumMod val="95000"/>
+                        </a:schemeClr>
+                      </a:solidFill>
+                      <a:prstDash val="solid"/>
+                      <a:round/>
+                      <a:headEnd type="none" w="med" len="med"/>
+                      <a:tailEnd type="none" w="med" len="med"/>
+                    </a:lnT>
+                    <a:lnB w="9525" cap="flat" cmpd="sng" algn="ctr">
+                      <a:solidFill>
+                        <a:schemeClr val="bg1">
+                          <a:lumMod val="95000"/>
+                        </a:schemeClr>
+                      </a:solidFill>
+                      <a:prstDash val="solid"/>
+                      <a:round/>
+                      <a:headEnd type="none" w="med" len="med"/>
+                      <a:tailEnd type="none" w="med" len="med"/>
+                    </a:lnB>
+                  </a:tcPr>
+                </a:tc>
+                <a:extLst>
+                  <a:ext uri="{0D108BD9-81ED-4DB2-BD59-A6C34878D82A}">
+                    <a16:rowId xmlns:a16="http://schemas.microsoft.com/office/drawing/2014/main" val="2458625071"/>
+                  </a:ext>
+                </a:extLst>
+              </a:tr>
+              <a:tr h="329946">
+                <a:tc>
+                  <a:txBody>
+                    <a:bodyPr/>
+                    <a:lstStyle/>
+                    <a:p>
+                      <a:pPr algn="ctr" latinLnBrk="1"/>
+                      <a:r>
+                        <a:rPr lang="en-US" altLang="ko-KR" sz="1600" spc="0" dirty="0">
+                          <a:latin typeface="+mn-ea"/>
+                          <a:ea typeface="+mn-ea"/>
+                        </a:rPr>
+                        <a:t>room</a:t>
+                      </a:r>
+                      <a:endParaRPr lang="ko-KR" altLang="en-US" sz="1600" spc="0" dirty="0">
+                        <a:latin typeface="+mn-ea"/>
+                        <a:ea typeface="+mn-ea"/>
+                      </a:endParaRPr>
+                    </a:p>
+                  </a:txBody>
+                  <a:tcPr>
+                    <a:lnT w="9525" cap="flat" cmpd="sng" algn="ctr">
+                      <a:solidFill>
+                        <a:schemeClr val="bg1">
+                          <a:lumMod val="95000"/>
+                        </a:schemeClr>
+                      </a:solidFill>
+                      <a:prstDash val="solid"/>
+                      <a:round/>
+                      <a:headEnd type="none" w="med" len="med"/>
+                      <a:tailEnd type="none" w="med" len="med"/>
+                    </a:lnT>
+                    <a:lnB w="9525" cap="flat" cmpd="sng" algn="ctr">
+                      <a:solidFill>
+                        <a:schemeClr val="bg1">
+                          <a:lumMod val="95000"/>
+                        </a:schemeClr>
+                      </a:solidFill>
+                      <a:prstDash val="solid"/>
+                      <a:round/>
+                      <a:headEnd type="none" w="med" len="med"/>
+                      <a:tailEnd type="none" w="med" len="med"/>
+                    </a:lnB>
+                  </a:tcPr>
+                </a:tc>
+                <a:tc>
+                  <a:txBody>
+                    <a:bodyPr/>
+                    <a:lstStyle/>
+                    <a:p>
+                      <a:pPr algn="ctr" latinLnBrk="1"/>
+                      <a:r>
+                        <a:rPr lang="ko-KR" altLang="en-US" sz="1600" spc="-150" dirty="0"/>
+                        <a:t>방 개수</a:t>
+                      </a:r>
+                    </a:p>
+                  </a:txBody>
+                  <a:tcPr>
+                    <a:lnT w="9525" cap="flat" cmpd="sng" algn="ctr">
+                      <a:solidFill>
+                        <a:schemeClr val="bg1">
+                          <a:lumMod val="95000"/>
+                        </a:schemeClr>
+                      </a:solidFill>
+                      <a:prstDash val="solid"/>
+                      <a:round/>
+                      <a:headEnd type="none" w="med" len="med"/>
+                      <a:tailEnd type="none" w="med" len="med"/>
+                    </a:lnT>
+                    <a:lnB w="9525" cap="flat" cmpd="sng" algn="ctr">
+                      <a:solidFill>
+                        <a:schemeClr val="bg1">
+                          <a:lumMod val="95000"/>
+                        </a:schemeClr>
+                      </a:solidFill>
+                      <a:prstDash val="solid"/>
+                      <a:round/>
+                      <a:headEnd type="none" w="med" len="med"/>
+                      <a:tailEnd type="none" w="med" len="med"/>
+                    </a:lnB>
+                  </a:tcPr>
+                </a:tc>
+                <a:tc>
+                  <a:txBody>
+                    <a:bodyPr/>
+                    <a:lstStyle/>
+                    <a:p>
+                      <a:pPr algn="ctr" latinLnBrk="1"/>
+                      <a:r>
+                        <a:rPr lang="en-US" altLang="ko-KR" sz="1600" spc="-150" dirty="0"/>
+                        <a:t>Categorical</a:t>
+                      </a:r>
+                      <a:endParaRPr lang="ko-KR" altLang="en-US" sz="1600" spc="-150" dirty="0"/>
+                    </a:p>
+                  </a:txBody>
+                  <a:tcPr>
+                    <a:lnT w="9525" cap="flat" cmpd="sng" algn="ctr">
+                      <a:solidFill>
+                        <a:schemeClr val="bg1">
+                          <a:lumMod val="95000"/>
+                        </a:schemeClr>
+                      </a:solidFill>
+                      <a:prstDash val="solid"/>
+                      <a:round/>
+                      <a:headEnd type="none" w="med" len="med"/>
+                      <a:tailEnd type="none" w="med" len="med"/>
+                    </a:lnT>
+                    <a:lnB w="9525" cap="flat" cmpd="sng" algn="ctr">
+                      <a:solidFill>
+                        <a:schemeClr val="bg1">
+                          <a:lumMod val="95000"/>
+                        </a:schemeClr>
+                      </a:solidFill>
+                      <a:prstDash val="solid"/>
+                      <a:round/>
+                      <a:headEnd type="none" w="med" len="med"/>
+                      <a:tailEnd type="none" w="med" len="med"/>
+                    </a:lnB>
+                  </a:tcPr>
+                </a:tc>
+                <a:extLst>
+                  <a:ext uri="{0D108BD9-81ED-4DB2-BD59-A6C34878D82A}">
+                    <a16:rowId xmlns:a16="http://schemas.microsoft.com/office/drawing/2014/main" val="4203914389"/>
+                  </a:ext>
+                </a:extLst>
+              </a:tr>
+              <a:tr h="329946">
+                <a:tc>
+                  <a:txBody>
+                    <a:bodyPr/>
+                    <a:lstStyle/>
+                    <a:p>
+                      <a:pPr algn="ctr" latinLnBrk="1"/>
+                      <a:r>
+                        <a:rPr lang="en-US" altLang="ko-KR" sz="1600" spc="0" dirty="0">
+                          <a:latin typeface="+mn-ea"/>
+                          <a:ea typeface="+mn-ea"/>
+                        </a:rPr>
+                        <a:t>HK$(M)</a:t>
+                      </a:r>
+                      <a:endParaRPr lang="ko-KR" altLang="en-US" sz="1600" spc="0" dirty="0">
+                        <a:latin typeface="+mn-ea"/>
+                        <a:ea typeface="+mn-ea"/>
+                      </a:endParaRPr>
+                    </a:p>
+                  </a:txBody>
+                  <a:tcPr>
+                    <a:lnT w="9525" cap="flat" cmpd="sng" algn="ctr">
+                      <a:solidFill>
+                        <a:schemeClr val="bg1">
+                          <a:lumMod val="95000"/>
+                        </a:schemeClr>
+                      </a:solidFill>
+                      <a:prstDash val="solid"/>
+                      <a:round/>
+                      <a:headEnd type="none" w="med" len="med"/>
+                      <a:tailEnd type="none" w="med" len="med"/>
+                    </a:lnT>
+                    <a:lnB w="9525" cap="flat" cmpd="sng" algn="ctr">
+                      <a:solidFill>
+                        <a:schemeClr val="bg1">
+                          <a:lumMod val="95000"/>
+                        </a:schemeClr>
+                      </a:solidFill>
+                      <a:prstDash val="solid"/>
+                      <a:round/>
+                      <a:headEnd type="none" w="med" len="med"/>
+                      <a:tailEnd type="none" w="med" len="med"/>
+                    </a:lnB>
+                  </a:tcPr>
+                </a:tc>
+                <a:tc>
+                  <a:txBody>
+                    <a:bodyPr/>
+                    <a:lstStyle/>
+                    <a:p>
+                      <a:pPr algn="ctr" latinLnBrk="1"/>
+                      <a:r>
+                        <a:rPr lang="ko-KR" altLang="en-US" sz="1600" spc="-150" dirty="0"/>
+                        <a:t>총 가격 </a:t>
+                      </a:r>
+                      <a:r>
+                        <a:rPr lang="en-US" altLang="ko-KR" sz="1600" spc="-150" dirty="0"/>
+                        <a:t>(HK$, million)</a:t>
+                      </a:r>
+                      <a:endParaRPr lang="ko-KR" altLang="en-US" sz="1600" spc="-150" dirty="0"/>
+                    </a:p>
+                  </a:txBody>
+                  <a:tcPr>
+                    <a:lnT w="9525" cap="flat" cmpd="sng" algn="ctr">
+                      <a:solidFill>
+                        <a:schemeClr val="bg1">
+                          <a:lumMod val="95000"/>
+                        </a:schemeClr>
+                      </a:solidFill>
+                      <a:prstDash val="solid"/>
+                      <a:round/>
+                      <a:headEnd type="none" w="med" len="med"/>
+                      <a:tailEnd type="none" w="med" len="med"/>
+                    </a:lnT>
+                    <a:lnB w="9525" cap="flat" cmpd="sng" algn="ctr">
+                      <a:solidFill>
+                        <a:schemeClr val="bg1">
+                          <a:lumMod val="95000"/>
+                        </a:schemeClr>
+                      </a:solidFill>
+                      <a:prstDash val="solid"/>
+                      <a:round/>
+                      <a:headEnd type="none" w="med" len="med"/>
+                      <a:tailEnd type="none" w="med" len="med"/>
+                    </a:lnB>
+                  </a:tcPr>
+                </a:tc>
+                <a:tc>
+                  <a:txBody>
+                    <a:bodyPr/>
+                    <a:lstStyle/>
+                    <a:p>
+                      <a:pPr marL="0" marR="0" lvl="0" indent="0" algn="ctr" defTabSz="914400" rtl="0" eaLnBrk="1" fontAlgn="auto" latinLnBrk="1" hangingPunct="1">
+                        <a:lnSpc>
+                          <a:spcPct val="100000"/>
+                        </a:lnSpc>
+                        <a:spcBef>
+                          <a:spcPts val="0"/>
+                        </a:spcBef>
+                        <a:spcAft>
+                          <a:spcPts val="0"/>
+                        </a:spcAft>
+                        <a:buClrTx/>
+                        <a:buSzTx/>
+                        <a:buFontTx/>
+                        <a:buNone/>
+                        <a:tabLst/>
+                        <a:defRPr/>
+                      </a:pPr>
+                      <a:r>
+                        <a:rPr lang="en-US" altLang="ko-KR" sz="1600" spc="-150" dirty="0"/>
+                        <a:t>Numeric</a:t>
+                      </a:r>
+                      <a:endParaRPr lang="ko-KR" altLang="en-US" sz="1600" spc="-150" dirty="0"/>
+                    </a:p>
+                  </a:txBody>
+                  <a:tcPr>
+                    <a:lnT w="9525" cap="flat" cmpd="sng" algn="ctr">
+                      <a:solidFill>
+                        <a:schemeClr val="bg1">
+                          <a:lumMod val="95000"/>
+                        </a:schemeClr>
+                      </a:solidFill>
+                      <a:prstDash val="solid"/>
+                      <a:round/>
+                      <a:headEnd type="none" w="med" len="med"/>
+                      <a:tailEnd type="none" w="med" len="med"/>
+                    </a:lnT>
+                    <a:lnB w="9525" cap="flat" cmpd="sng" algn="ctr">
+                      <a:solidFill>
+                        <a:schemeClr val="bg1">
+                          <a:lumMod val="95000"/>
+                        </a:schemeClr>
+                      </a:solidFill>
+                      <a:prstDash val="solid"/>
+                      <a:round/>
+                      <a:headEnd type="none" w="med" len="med"/>
+                      <a:tailEnd type="none" w="med" len="med"/>
+                    </a:lnB>
+                  </a:tcPr>
+                </a:tc>
+                <a:extLst>
+                  <a:ext uri="{0D108BD9-81ED-4DB2-BD59-A6C34878D82A}">
+                    <a16:rowId xmlns:a16="http://schemas.microsoft.com/office/drawing/2014/main" val="3668233961"/>
+                  </a:ext>
+                </a:extLst>
+              </a:tr>
+              <a:tr h="329946">
+                <a:tc>
+                  <a:txBody>
+                    <a:bodyPr/>
+                    <a:lstStyle/>
+                    <a:p>
+                      <a:pPr algn="ctr" latinLnBrk="1"/>
+                      <a:r>
+                        <a:rPr lang="en-US" altLang="ko-KR" sz="1600" spc="0" dirty="0">
+                          <a:latin typeface="+mn-ea"/>
+                          <a:ea typeface="+mn-ea"/>
+                        </a:rPr>
+                        <a:t>price/</a:t>
+                      </a:r>
+                      <a:r>
+                        <a:rPr lang="en-US" altLang="ko-KR" sz="1600" spc="0" dirty="0" err="1">
+                          <a:latin typeface="+mn-ea"/>
+                          <a:ea typeface="+mn-ea"/>
+                        </a:rPr>
+                        <a:t>ft</a:t>
+                      </a:r>
+                      <a:r>
+                        <a:rPr lang="en-US" altLang="ko-KR" sz="1600" spc="0" dirty="0">
+                          <a:latin typeface="+mn-ea"/>
+                          <a:ea typeface="+mn-ea"/>
+                        </a:rPr>
+                        <a:t> </a:t>
+                      </a:r>
+                      <a:r>
+                        <a:rPr lang="en-US" altLang="ko-KR" sz="1600" spc="0" dirty="0" err="1">
+                          <a:latin typeface="+mn-ea"/>
+                          <a:ea typeface="+mn-ea"/>
+                        </a:rPr>
+                        <a:t>sq</a:t>
+                      </a:r>
+                      <a:endParaRPr lang="ko-KR" altLang="en-US" sz="1600" spc="0" dirty="0">
+                        <a:latin typeface="+mn-ea"/>
+                        <a:ea typeface="+mn-ea"/>
+                      </a:endParaRPr>
+                    </a:p>
+                  </a:txBody>
+                  <a:tcPr>
+                    <a:lnT w="9525" cap="flat" cmpd="sng" algn="ctr">
+                      <a:solidFill>
+                        <a:schemeClr val="bg1">
+                          <a:lumMod val="95000"/>
+                        </a:schemeClr>
+                      </a:solidFill>
+                      <a:prstDash val="solid"/>
+                      <a:round/>
+                      <a:headEnd type="none" w="med" len="med"/>
+                      <a:tailEnd type="none" w="med" len="med"/>
+                    </a:lnT>
+                    <a:lnB w="9525" cap="flat" cmpd="sng" algn="ctr">
+                      <a:solidFill>
+                        <a:schemeClr val="bg1">
+                          <a:lumMod val="95000"/>
+                        </a:schemeClr>
+                      </a:solidFill>
+                      <a:prstDash val="solid"/>
+                      <a:round/>
+                      <a:headEnd type="none" w="med" len="med"/>
+                      <a:tailEnd type="none" w="med" len="med"/>
+                    </a:lnB>
+                  </a:tcPr>
+                </a:tc>
+                <a:tc>
+                  <a:txBody>
+                    <a:bodyPr/>
+                    <a:lstStyle/>
+                    <a:p>
+                      <a:pPr algn="ctr" latinLnBrk="1"/>
+                      <a:r>
+                        <a:rPr lang="ko-KR" altLang="en-US" sz="1600" spc="-150" dirty="0">
+                          <a:latin typeface="+mn-ea"/>
+                        </a:rPr>
+                        <a:t>평방피터당 전용면적 가격</a:t>
+                      </a:r>
+                      <a:endParaRPr lang="ko-KR" altLang="en-US" sz="1600" spc="-150" dirty="0"/>
+                    </a:p>
+                  </a:txBody>
+                  <a:tcPr>
+                    <a:lnT w="9525" cap="flat" cmpd="sng" algn="ctr">
+                      <a:solidFill>
+                        <a:schemeClr val="bg1">
+                          <a:lumMod val="95000"/>
+                        </a:schemeClr>
+                      </a:solidFill>
+                      <a:prstDash val="solid"/>
+                      <a:round/>
+                      <a:headEnd type="none" w="med" len="med"/>
+                      <a:tailEnd type="none" w="med" len="med"/>
+                    </a:lnT>
+                    <a:lnB w="9525" cap="flat" cmpd="sng" algn="ctr">
+                      <a:solidFill>
+                        <a:schemeClr val="bg1">
+                          <a:lumMod val="95000"/>
+                        </a:schemeClr>
+                      </a:solidFill>
+                      <a:prstDash val="solid"/>
+                      <a:round/>
+                      <a:headEnd type="none" w="med" len="med"/>
+                      <a:tailEnd type="none" w="med" len="med"/>
+                    </a:lnB>
+                  </a:tcPr>
+                </a:tc>
+                <a:tc>
+                  <a:txBody>
+                    <a:bodyPr/>
+                    <a:lstStyle/>
+                    <a:p>
+                      <a:pPr algn="ctr" latinLnBrk="1"/>
+                      <a:r>
+                        <a:rPr lang="en-US" altLang="ko-KR" sz="1600" spc="-150" dirty="0"/>
+                        <a:t>Numeric</a:t>
+                      </a:r>
+                      <a:endParaRPr lang="ko-KR" altLang="en-US" sz="1600" spc="-150" dirty="0"/>
+                    </a:p>
+                  </a:txBody>
+                  <a:tcPr>
+                    <a:lnT w="9525" cap="flat" cmpd="sng" algn="ctr">
+                      <a:solidFill>
+                        <a:schemeClr val="bg1">
+                          <a:lumMod val="95000"/>
+                        </a:schemeClr>
+                      </a:solidFill>
+                      <a:prstDash val="solid"/>
+                      <a:round/>
+                      <a:headEnd type="none" w="med" len="med"/>
+                      <a:tailEnd type="none" w="med" len="med"/>
+                    </a:lnT>
+                    <a:lnB w="9525" cap="flat" cmpd="sng" algn="ctr">
+                      <a:solidFill>
+                        <a:schemeClr val="bg1">
+                          <a:lumMod val="95000"/>
+                        </a:schemeClr>
+                      </a:solidFill>
+                      <a:prstDash val="solid"/>
+                      <a:round/>
+                      <a:headEnd type="none" w="med" len="med"/>
+                      <a:tailEnd type="none" w="med" len="med"/>
+                    </a:lnB>
+                  </a:tcPr>
+                </a:tc>
+                <a:extLst>
+                  <a:ext uri="{0D108BD9-81ED-4DB2-BD59-A6C34878D82A}">
+                    <a16:rowId xmlns:a16="http://schemas.microsoft.com/office/drawing/2014/main" val="985105094"/>
+                  </a:ext>
+                </a:extLst>
+              </a:tr>
+              <a:tr h="329946">
+                <a:tc>
+                  <a:txBody>
+                    <a:bodyPr/>
+                    <a:lstStyle/>
+                    <a:p>
+                      <a:pPr algn="ctr" latinLnBrk="1"/>
+                      <a:r>
+                        <a:rPr lang="en-US" altLang="ko-KR" sz="1600" spc="0" dirty="0">
+                          <a:latin typeface="+mn-ea"/>
+                          <a:ea typeface="+mn-ea"/>
+                        </a:rPr>
+                        <a:t>gross area</a:t>
+                      </a:r>
+                      <a:endParaRPr lang="ko-KR" altLang="en-US" sz="1600" spc="0" dirty="0">
+                        <a:latin typeface="+mn-ea"/>
+                        <a:ea typeface="+mn-ea"/>
+                      </a:endParaRPr>
+                    </a:p>
+                  </a:txBody>
+                  <a:tcPr>
+                    <a:lnT w="9525" cap="flat" cmpd="sng" algn="ctr">
+                      <a:solidFill>
+                        <a:schemeClr val="bg1">
+                          <a:lumMod val="95000"/>
+                        </a:schemeClr>
+                      </a:solidFill>
+                      <a:prstDash val="solid"/>
+                      <a:round/>
+                      <a:headEnd type="none" w="med" len="med"/>
+                      <a:tailEnd type="none" w="med" len="med"/>
+                    </a:lnT>
+                    <a:lnB w="9525" cap="flat" cmpd="sng" algn="ctr">
+                      <a:solidFill>
+                        <a:schemeClr val="bg1">
+                          <a:lumMod val="95000"/>
+                        </a:schemeClr>
+                      </a:solidFill>
+                      <a:prstDash val="solid"/>
+                      <a:round/>
+                      <a:headEnd type="none" w="med" len="med"/>
+                      <a:tailEnd type="none" w="med" len="med"/>
+                    </a:lnB>
+                  </a:tcPr>
+                </a:tc>
+                <a:tc>
+                  <a:txBody>
+                    <a:bodyPr/>
+                    <a:lstStyle/>
+                    <a:p>
+                      <a:pPr algn="ctr" latinLnBrk="1"/>
+                      <a:r>
+                        <a:rPr lang="ko-KR" altLang="en-US" sz="1600" spc="-150" dirty="0">
+                          <a:latin typeface="+mn-ea"/>
+                        </a:rPr>
+                        <a:t>평방피터당 공급면적 가격</a:t>
+                      </a:r>
+                      <a:endParaRPr lang="ko-KR" altLang="en-US" sz="1600" spc="-150" dirty="0"/>
+                    </a:p>
+                  </a:txBody>
+                  <a:tcPr>
+                    <a:lnT w="9525" cap="flat" cmpd="sng" algn="ctr">
+                      <a:solidFill>
+                        <a:schemeClr val="bg1">
+                          <a:lumMod val="95000"/>
+                        </a:schemeClr>
+                      </a:solidFill>
+                      <a:prstDash val="solid"/>
+                      <a:round/>
+                      <a:headEnd type="none" w="med" len="med"/>
+                      <a:tailEnd type="none" w="med" len="med"/>
+                    </a:lnT>
+                    <a:lnB w="9525" cap="flat" cmpd="sng" algn="ctr">
+                      <a:solidFill>
+                        <a:schemeClr val="bg1">
+                          <a:lumMod val="95000"/>
+                        </a:schemeClr>
+                      </a:solidFill>
+                      <a:prstDash val="solid"/>
+                      <a:round/>
+                      <a:headEnd type="none" w="med" len="med"/>
+                      <a:tailEnd type="none" w="med" len="med"/>
+                    </a:lnB>
+                  </a:tcPr>
+                </a:tc>
+                <a:tc>
+                  <a:txBody>
+                    <a:bodyPr/>
+                    <a:lstStyle/>
+                    <a:p>
+                      <a:pPr algn="ctr" latinLnBrk="1"/>
+                      <a:r>
+                        <a:rPr lang="en-US" altLang="ko-KR" sz="1600" spc="-150" dirty="0"/>
+                        <a:t>Numeric</a:t>
+                      </a:r>
+                      <a:endParaRPr lang="ko-KR" altLang="en-US" sz="1600" spc="-150" dirty="0"/>
+                    </a:p>
+                  </a:txBody>
+                  <a:tcPr>
+                    <a:lnT w="9525" cap="flat" cmpd="sng" algn="ctr">
+                      <a:solidFill>
+                        <a:schemeClr val="bg1">
+                          <a:lumMod val="95000"/>
+                        </a:schemeClr>
+                      </a:solidFill>
+                      <a:prstDash val="solid"/>
+                      <a:round/>
+                      <a:headEnd type="none" w="med" len="med"/>
+                      <a:tailEnd type="none" w="med" len="med"/>
+                    </a:lnT>
+                    <a:lnB w="9525" cap="flat" cmpd="sng" algn="ctr">
+                      <a:solidFill>
+                        <a:schemeClr val="bg1">
+                          <a:lumMod val="95000"/>
+                        </a:schemeClr>
+                      </a:solidFill>
+                      <a:prstDash val="solid"/>
+                      <a:round/>
+                      <a:headEnd type="none" w="med" len="med"/>
+                      <a:tailEnd type="none" w="med" len="med"/>
+                    </a:lnB>
+                  </a:tcPr>
+                </a:tc>
+                <a:extLst>
+                  <a:ext uri="{0D108BD9-81ED-4DB2-BD59-A6C34878D82A}">
+                    <a16:rowId xmlns:a16="http://schemas.microsoft.com/office/drawing/2014/main" val="307748687"/>
+                  </a:ext>
+                </a:extLst>
+              </a:tr>
+              <a:tr h="329946">
+                <a:tc>
+                  <a:txBody>
+                    <a:bodyPr/>
+                    <a:lstStyle/>
+                    <a:p>
+                      <a:pPr algn="ctr" latinLnBrk="1"/>
+                      <a:r>
+                        <a:rPr lang="en-US" altLang="ko-KR" sz="1600" spc="0" dirty="0">
+                          <a:latin typeface="+mn-ea"/>
+                          <a:ea typeface="+mn-ea"/>
+                        </a:rPr>
+                        <a:t>date</a:t>
+                      </a:r>
+                      <a:endParaRPr lang="ko-KR" altLang="en-US" sz="1600" spc="0" dirty="0">
+                        <a:latin typeface="+mn-ea"/>
+                        <a:ea typeface="+mn-ea"/>
+                      </a:endParaRPr>
+                    </a:p>
+                  </a:txBody>
+                  <a:tcPr>
+                    <a:lnT w="9525" cap="flat" cmpd="sng" algn="ctr">
+                      <a:solidFill>
+                        <a:schemeClr val="bg1">
+                          <a:lumMod val="95000"/>
+                        </a:schemeClr>
+                      </a:solidFill>
+                      <a:prstDash val="solid"/>
+                      <a:round/>
+                      <a:headEnd type="none" w="med" len="med"/>
+                      <a:tailEnd type="none" w="med" len="med"/>
+                    </a:lnT>
+                    <a:lnB w="9525" cap="flat" cmpd="sng" algn="ctr">
+                      <a:solidFill>
+                        <a:schemeClr val="bg1">
+                          <a:lumMod val="95000"/>
+                        </a:schemeClr>
+                      </a:solidFill>
+                      <a:prstDash val="solid"/>
+                      <a:round/>
+                      <a:headEnd type="none" w="med" len="med"/>
+                      <a:tailEnd type="none" w="med" len="med"/>
+                    </a:lnB>
+                  </a:tcPr>
+                </a:tc>
+                <a:tc>
+                  <a:txBody>
+                    <a:bodyPr/>
+                    <a:lstStyle/>
+                    <a:p>
+                      <a:pPr algn="ctr" latinLnBrk="1"/>
+                      <a:r>
+                        <a:rPr lang="ko-KR" altLang="en-US" sz="1600" spc="-150" dirty="0"/>
+                        <a:t>날짜</a:t>
+                      </a:r>
+                    </a:p>
+                  </a:txBody>
+                  <a:tcPr>
+                    <a:lnT w="9525" cap="flat" cmpd="sng" algn="ctr">
+                      <a:solidFill>
+                        <a:schemeClr val="bg1">
+                          <a:lumMod val="95000"/>
+                        </a:schemeClr>
+                      </a:solidFill>
+                      <a:prstDash val="solid"/>
+                      <a:round/>
+                      <a:headEnd type="none" w="med" len="med"/>
+                      <a:tailEnd type="none" w="med" len="med"/>
+                    </a:lnT>
+                    <a:lnB w="9525" cap="flat" cmpd="sng" algn="ctr">
+                      <a:solidFill>
+                        <a:schemeClr val="bg1">
+                          <a:lumMod val="95000"/>
+                        </a:schemeClr>
+                      </a:solidFill>
+                      <a:prstDash val="solid"/>
+                      <a:round/>
+                      <a:headEnd type="none" w="med" len="med"/>
+                      <a:tailEnd type="none" w="med" len="med"/>
+                    </a:lnB>
+                  </a:tcPr>
+                </a:tc>
+                <a:tc>
+                  <a:txBody>
+                    <a:bodyPr/>
+                    <a:lstStyle/>
+                    <a:p>
+                      <a:pPr algn="ctr" latinLnBrk="1"/>
+                      <a:r>
+                        <a:rPr lang="en-US" altLang="ko-KR" sz="1600" spc="-150" dirty="0"/>
+                        <a:t>Date</a:t>
+                      </a:r>
+                      <a:endParaRPr lang="ko-KR" altLang="en-US" sz="1600" spc="-150" dirty="0"/>
+                    </a:p>
+                  </a:txBody>
+                  <a:tcPr>
+                    <a:lnT w="9525" cap="flat" cmpd="sng" algn="ctr">
+                      <a:solidFill>
+                        <a:schemeClr val="bg1">
+                          <a:lumMod val="95000"/>
+                        </a:schemeClr>
+                      </a:solidFill>
+                      <a:prstDash val="solid"/>
+                      <a:round/>
+                      <a:headEnd type="none" w="med" len="med"/>
+                      <a:tailEnd type="none" w="med" len="med"/>
+                    </a:lnT>
+                    <a:lnB w="9525" cap="flat" cmpd="sng" algn="ctr">
+                      <a:solidFill>
+                        <a:schemeClr val="bg1">
+                          <a:lumMod val="95000"/>
+                        </a:schemeClr>
+                      </a:solidFill>
+                      <a:prstDash val="solid"/>
+                      <a:round/>
+                      <a:headEnd type="none" w="med" len="med"/>
+                      <a:tailEnd type="none" w="med" len="med"/>
+                    </a:lnB>
+                  </a:tcPr>
+                </a:tc>
+                <a:extLst>
+                  <a:ext uri="{0D108BD9-81ED-4DB2-BD59-A6C34878D82A}">
+                    <a16:rowId xmlns:a16="http://schemas.microsoft.com/office/drawing/2014/main" val="588595588"/>
+                  </a:ext>
+                </a:extLst>
+              </a:tr>
+              <a:tr h="329946">
+                <a:tc>
+                  <a:txBody>
+                    <a:bodyPr/>
+                    <a:lstStyle/>
+                    <a:p>
+                      <a:pPr algn="ctr" latinLnBrk="1"/>
+                      <a:r>
+                        <a:rPr lang="en-US" altLang="ko-KR" sz="1600" spc="0" dirty="0">
+                          <a:latin typeface="+mn-ea"/>
+                          <a:ea typeface="+mn-ea"/>
+                        </a:rPr>
+                        <a:t>sea, street, factory, mountain, landscape, full</a:t>
+                      </a:r>
+                      <a:r>
+                        <a:rPr lang="en-US" altLang="ko-KR" sz="1600" spc="0" baseline="0" dirty="0">
+                          <a:latin typeface="+mn-ea"/>
+                          <a:ea typeface="+mn-ea"/>
+                        </a:rPr>
+                        <a:t> sea, bridge</a:t>
+                      </a:r>
+                      <a:endParaRPr lang="ko-KR" altLang="en-US" sz="1600" spc="0" dirty="0">
+                        <a:latin typeface="+mn-ea"/>
+                        <a:ea typeface="+mn-ea"/>
+                      </a:endParaRPr>
+                    </a:p>
+                  </a:txBody>
+                  <a:tcPr>
+                    <a:lnT w="9525" cap="flat" cmpd="sng" algn="ctr">
+                      <a:solidFill>
+                        <a:schemeClr val="bg1">
+                          <a:lumMod val="95000"/>
+                        </a:schemeClr>
+                      </a:solidFill>
+                      <a:prstDash val="solid"/>
+                      <a:round/>
+                      <a:headEnd type="none" w="med" len="med"/>
+                      <a:tailEnd type="none" w="med" len="med"/>
+                    </a:lnT>
+                    <a:lnB w="9525" cap="flat" cmpd="sng" algn="ctr">
+                      <a:solidFill>
+                        <a:schemeClr val="accent6">
+                          <a:lumMod val="75000"/>
+                        </a:schemeClr>
+                      </a:solidFill>
+                      <a:prstDash val="solid"/>
+                      <a:round/>
+                      <a:headEnd type="none" w="med" len="med"/>
+                      <a:tailEnd type="none" w="med" len="med"/>
+                    </a:lnB>
+                  </a:tcPr>
+                </a:tc>
+                <a:tc>
+                  <a:txBody>
+                    <a:bodyPr/>
+                    <a:lstStyle/>
+                    <a:p>
+                      <a:pPr algn="ctr" latinLnBrk="1"/>
+                      <a:r>
+                        <a:rPr lang="ko-KR" altLang="en-US" sz="1600" spc="-150" dirty="0"/>
+                        <a:t>전망</a:t>
+                      </a:r>
+                    </a:p>
+                  </a:txBody>
+                  <a:tcPr>
+                    <a:lnT w="9525" cap="flat" cmpd="sng" algn="ctr">
+                      <a:solidFill>
+                        <a:schemeClr val="bg1">
+                          <a:lumMod val="95000"/>
+                        </a:schemeClr>
+                      </a:solidFill>
+                      <a:prstDash val="solid"/>
+                      <a:round/>
+                      <a:headEnd type="none" w="med" len="med"/>
+                      <a:tailEnd type="none" w="med" len="med"/>
+                    </a:lnT>
+                    <a:lnB w="9525" cap="flat" cmpd="sng" algn="ctr">
+                      <a:solidFill>
+                        <a:schemeClr val="accent6">
+                          <a:lumMod val="75000"/>
+                        </a:schemeClr>
+                      </a:solidFill>
+                      <a:prstDash val="solid"/>
+                      <a:round/>
+                      <a:headEnd type="none" w="med" len="med"/>
+                      <a:tailEnd type="none" w="med" len="med"/>
+                    </a:lnB>
+                  </a:tcPr>
+                </a:tc>
+                <a:tc>
+                  <a:txBody>
+                    <a:bodyPr/>
+                    <a:lstStyle/>
+                    <a:p>
+                      <a:pPr algn="ctr" latinLnBrk="1"/>
+                      <a:r>
+                        <a:rPr lang="en-US" altLang="ko-KR" sz="1600" spc="-150" dirty="0"/>
+                        <a:t>Binary</a:t>
+                      </a:r>
+                      <a:endParaRPr lang="ko-KR" altLang="en-US" sz="1600" spc="-150" dirty="0"/>
+                    </a:p>
+                  </a:txBody>
+                  <a:tcPr>
+                    <a:lnT w="9525" cap="flat" cmpd="sng" algn="ctr">
+                      <a:solidFill>
+                        <a:schemeClr val="bg1">
+                          <a:lumMod val="95000"/>
+                        </a:schemeClr>
+                      </a:solidFill>
+                      <a:prstDash val="solid"/>
+                      <a:round/>
+                      <a:headEnd type="none" w="med" len="med"/>
+                      <a:tailEnd type="none" w="med" len="med"/>
+                    </a:lnT>
+                    <a:lnB w="9525" cap="flat" cmpd="sng" algn="ctr">
+                      <a:solidFill>
+                        <a:schemeClr val="accent6">
+                          <a:lumMod val="75000"/>
+                        </a:schemeClr>
+                      </a:solidFill>
+                      <a:prstDash val="solid"/>
+                      <a:round/>
+                      <a:headEnd type="none" w="med" len="med"/>
+                      <a:tailEnd type="none" w="med" len="med"/>
+                    </a:lnB>
+                  </a:tcPr>
+                </a:tc>
+                <a:extLst>
+                  <a:ext uri="{0D108BD9-81ED-4DB2-BD59-A6C34878D82A}">
+                    <a16:rowId xmlns:a16="http://schemas.microsoft.com/office/drawing/2014/main" val="2831853531"/>
+                  </a:ext>
+                </a:extLst>
+              </a:tr>
+            </a:tbl>
+          </a:graphicData>
+        </a:graphic>
+      </p:graphicFrame>
+      <p:sp>
+        <p:nvSpPr>
+          <p:cNvPr id="11" name="Freeform 10"/>
+          <p:cNvSpPr/>
+          <p:nvPr/>
+        </p:nvSpPr>
+        <p:spPr>
+          <a:xfrm>
+            <a:off x="5026741" y="365340"/>
+            <a:ext cx="1764300" cy="1028700"/>
+          </a:xfrm>
+          <a:custGeom>
+            <a:avLst/>
+            <a:gdLst>
+              <a:gd name="connsiteX0" fmla="*/ 0 w 7188200"/>
+              <a:gd name="connsiteY0" fmla="*/ 2857500 h 2895600"/>
+              <a:gd name="connsiteX1" fmla="*/ 368300 w 7188200"/>
+              <a:gd name="connsiteY1" fmla="*/ 2870200 h 2895600"/>
+              <a:gd name="connsiteX2" fmla="*/ 368300 w 7188200"/>
+              <a:gd name="connsiteY2" fmla="*/ 1955800 h 2895600"/>
+              <a:gd name="connsiteX3" fmla="*/ 774700 w 7188200"/>
+              <a:gd name="connsiteY3" fmla="*/ 2349500 h 2895600"/>
+              <a:gd name="connsiteX4" fmla="*/ 774700 w 7188200"/>
+              <a:gd name="connsiteY4" fmla="*/ 2628900 h 2895600"/>
+              <a:gd name="connsiteX5" fmla="*/ 1079500 w 7188200"/>
+              <a:gd name="connsiteY5" fmla="*/ 2628900 h 2895600"/>
+              <a:gd name="connsiteX6" fmla="*/ 1066800 w 7188200"/>
+              <a:gd name="connsiteY6" fmla="*/ 2413000 h 2895600"/>
+              <a:gd name="connsiteX7" fmla="*/ 1143000 w 7188200"/>
+              <a:gd name="connsiteY7" fmla="*/ 2413000 h 2895600"/>
+              <a:gd name="connsiteX8" fmla="*/ 1155700 w 7188200"/>
+              <a:gd name="connsiteY8" fmla="*/ 2197100 h 2895600"/>
+              <a:gd name="connsiteX9" fmla="*/ 1219200 w 7188200"/>
+              <a:gd name="connsiteY9" fmla="*/ 2197100 h 2895600"/>
+              <a:gd name="connsiteX10" fmla="*/ 1206500 w 7188200"/>
+              <a:gd name="connsiteY10" fmla="*/ 2057400 h 2895600"/>
+              <a:gd name="connsiteX11" fmla="*/ 1333500 w 7188200"/>
+              <a:gd name="connsiteY11" fmla="*/ 2032000 h 2895600"/>
+              <a:gd name="connsiteX12" fmla="*/ 1320800 w 7188200"/>
+              <a:gd name="connsiteY12" fmla="*/ 2184400 h 2895600"/>
+              <a:gd name="connsiteX13" fmla="*/ 1397000 w 7188200"/>
+              <a:gd name="connsiteY13" fmla="*/ 2184400 h 2895600"/>
+              <a:gd name="connsiteX14" fmla="*/ 1397000 w 7188200"/>
+              <a:gd name="connsiteY14" fmla="*/ 2400300 h 2895600"/>
+              <a:gd name="connsiteX15" fmla="*/ 1473200 w 7188200"/>
+              <a:gd name="connsiteY15" fmla="*/ 2400300 h 2895600"/>
+              <a:gd name="connsiteX16" fmla="*/ 1473200 w 7188200"/>
+              <a:gd name="connsiteY16" fmla="*/ 2895600 h 2895600"/>
+              <a:gd name="connsiteX17" fmla="*/ 1562100 w 7188200"/>
+              <a:gd name="connsiteY17" fmla="*/ 2895600 h 2895600"/>
+              <a:gd name="connsiteX18" fmla="*/ 1574800 w 7188200"/>
+              <a:gd name="connsiteY18" fmla="*/ 2133600 h 2895600"/>
+              <a:gd name="connsiteX19" fmla="*/ 1981200 w 7188200"/>
+              <a:gd name="connsiteY19" fmla="*/ 1651000 h 2895600"/>
+              <a:gd name="connsiteX20" fmla="*/ 1968500 w 7188200"/>
+              <a:gd name="connsiteY20" fmla="*/ 2882900 h 2895600"/>
+              <a:gd name="connsiteX21" fmla="*/ 2108200 w 7188200"/>
+              <a:gd name="connsiteY21" fmla="*/ 2895600 h 2895600"/>
+              <a:gd name="connsiteX22" fmla="*/ 2082800 w 7188200"/>
+              <a:gd name="connsiteY22" fmla="*/ 1676400 h 2895600"/>
+              <a:gd name="connsiteX23" fmla="*/ 2197100 w 7188200"/>
+              <a:gd name="connsiteY23" fmla="*/ 1676400 h 2895600"/>
+              <a:gd name="connsiteX24" fmla="*/ 2222500 w 7188200"/>
+              <a:gd name="connsiteY24" fmla="*/ 1346200 h 2895600"/>
+              <a:gd name="connsiteX25" fmla="*/ 2311400 w 7188200"/>
+              <a:gd name="connsiteY25" fmla="*/ 1346200 h 2895600"/>
+              <a:gd name="connsiteX26" fmla="*/ 2311400 w 7188200"/>
+              <a:gd name="connsiteY26" fmla="*/ 1143000 h 2895600"/>
+              <a:gd name="connsiteX27" fmla="*/ 2501900 w 7188200"/>
+              <a:gd name="connsiteY27" fmla="*/ 1130300 h 2895600"/>
+              <a:gd name="connsiteX28" fmla="*/ 2489200 w 7188200"/>
+              <a:gd name="connsiteY28" fmla="*/ 1346200 h 2895600"/>
+              <a:gd name="connsiteX29" fmla="*/ 2590800 w 7188200"/>
+              <a:gd name="connsiteY29" fmla="*/ 1346200 h 2895600"/>
+              <a:gd name="connsiteX30" fmla="*/ 2578100 w 7188200"/>
+              <a:gd name="connsiteY30" fmla="*/ 1651000 h 2895600"/>
+              <a:gd name="connsiteX31" fmla="*/ 2717800 w 7188200"/>
+              <a:gd name="connsiteY31" fmla="*/ 1625600 h 2895600"/>
+              <a:gd name="connsiteX32" fmla="*/ 2692400 w 7188200"/>
+              <a:gd name="connsiteY32" fmla="*/ 2540000 h 2895600"/>
+              <a:gd name="connsiteX33" fmla="*/ 2895600 w 7188200"/>
+              <a:gd name="connsiteY33" fmla="*/ 2565400 h 2895600"/>
+              <a:gd name="connsiteX34" fmla="*/ 2895600 w 7188200"/>
+              <a:gd name="connsiteY34" fmla="*/ 2400300 h 2895600"/>
+              <a:gd name="connsiteX35" fmla="*/ 2997200 w 7188200"/>
+              <a:gd name="connsiteY35" fmla="*/ 2400300 h 2895600"/>
+              <a:gd name="connsiteX36" fmla="*/ 2984500 w 7188200"/>
+              <a:gd name="connsiteY36" fmla="*/ 2197100 h 2895600"/>
+              <a:gd name="connsiteX37" fmla="*/ 3035300 w 7188200"/>
+              <a:gd name="connsiteY37" fmla="*/ 2197100 h 2895600"/>
+              <a:gd name="connsiteX38" fmla="*/ 3035300 w 7188200"/>
+              <a:gd name="connsiteY38" fmla="*/ 2044700 h 2895600"/>
+              <a:gd name="connsiteX39" fmla="*/ 3086100 w 7188200"/>
+              <a:gd name="connsiteY39" fmla="*/ 2057400 h 2895600"/>
+              <a:gd name="connsiteX40" fmla="*/ 3086100 w 7188200"/>
+              <a:gd name="connsiteY40" fmla="*/ 1879600 h 2895600"/>
+              <a:gd name="connsiteX41" fmla="*/ 3124200 w 7188200"/>
+              <a:gd name="connsiteY41" fmla="*/ 1879600 h 2895600"/>
+              <a:gd name="connsiteX42" fmla="*/ 3136900 w 7188200"/>
+              <a:gd name="connsiteY42" fmla="*/ 2057400 h 2895600"/>
+              <a:gd name="connsiteX43" fmla="*/ 3175000 w 7188200"/>
+              <a:gd name="connsiteY43" fmla="*/ 2057400 h 2895600"/>
+              <a:gd name="connsiteX44" fmla="*/ 3175000 w 7188200"/>
+              <a:gd name="connsiteY44" fmla="*/ 2184400 h 2895600"/>
+              <a:gd name="connsiteX45" fmla="*/ 3225800 w 7188200"/>
+              <a:gd name="connsiteY45" fmla="*/ 2184400 h 2895600"/>
+              <a:gd name="connsiteX46" fmla="*/ 3225800 w 7188200"/>
+              <a:gd name="connsiteY46" fmla="*/ 1511300 h 2895600"/>
+              <a:gd name="connsiteX47" fmla="*/ 3378200 w 7188200"/>
+              <a:gd name="connsiteY47" fmla="*/ 1511300 h 2895600"/>
+              <a:gd name="connsiteX48" fmla="*/ 3378200 w 7188200"/>
+              <a:gd name="connsiteY48" fmla="*/ 1181100 h 2895600"/>
+              <a:gd name="connsiteX49" fmla="*/ 3505200 w 7188200"/>
+              <a:gd name="connsiteY49" fmla="*/ 1181100 h 2895600"/>
+              <a:gd name="connsiteX50" fmla="*/ 3492500 w 7188200"/>
+              <a:gd name="connsiteY50" fmla="*/ 977900 h 2895600"/>
+              <a:gd name="connsiteX51" fmla="*/ 3581400 w 7188200"/>
+              <a:gd name="connsiteY51" fmla="*/ 977900 h 2895600"/>
+              <a:gd name="connsiteX52" fmla="*/ 3568700 w 7188200"/>
+              <a:gd name="connsiteY52" fmla="*/ 647700 h 2895600"/>
+              <a:gd name="connsiteX53" fmla="*/ 3594100 w 7188200"/>
+              <a:gd name="connsiteY53" fmla="*/ 647700 h 2895600"/>
+              <a:gd name="connsiteX54" fmla="*/ 3606800 w 7188200"/>
+              <a:gd name="connsiteY54" fmla="*/ 304800 h 2895600"/>
+              <a:gd name="connsiteX55" fmla="*/ 3644900 w 7188200"/>
+              <a:gd name="connsiteY55" fmla="*/ 304800 h 2895600"/>
+              <a:gd name="connsiteX56" fmla="*/ 3632200 w 7188200"/>
+              <a:gd name="connsiteY56" fmla="*/ 647700 h 2895600"/>
+              <a:gd name="connsiteX57" fmla="*/ 3670300 w 7188200"/>
+              <a:gd name="connsiteY57" fmla="*/ 647700 h 2895600"/>
+              <a:gd name="connsiteX58" fmla="*/ 3657600 w 7188200"/>
+              <a:gd name="connsiteY58" fmla="*/ 952500 h 2895600"/>
+              <a:gd name="connsiteX59" fmla="*/ 3721100 w 7188200"/>
+              <a:gd name="connsiteY59" fmla="*/ 952500 h 2895600"/>
+              <a:gd name="connsiteX60" fmla="*/ 3733800 w 7188200"/>
+              <a:gd name="connsiteY60" fmla="*/ 1168400 h 2895600"/>
+              <a:gd name="connsiteX61" fmla="*/ 3860800 w 7188200"/>
+              <a:gd name="connsiteY61" fmla="*/ 1181100 h 2895600"/>
+              <a:gd name="connsiteX62" fmla="*/ 3860800 w 7188200"/>
+              <a:gd name="connsiteY62" fmla="*/ 1511300 h 2895600"/>
+              <a:gd name="connsiteX63" fmla="*/ 4025900 w 7188200"/>
+              <a:gd name="connsiteY63" fmla="*/ 1498600 h 2895600"/>
+              <a:gd name="connsiteX64" fmla="*/ 4025900 w 7188200"/>
+              <a:gd name="connsiteY64" fmla="*/ 2895600 h 2895600"/>
+              <a:gd name="connsiteX65" fmla="*/ 4394200 w 7188200"/>
+              <a:gd name="connsiteY65" fmla="*/ 2882900 h 2895600"/>
+              <a:gd name="connsiteX66" fmla="*/ 4381500 w 7188200"/>
+              <a:gd name="connsiteY66" fmla="*/ 1993900 h 2895600"/>
+              <a:gd name="connsiteX67" fmla="*/ 4787900 w 7188200"/>
+              <a:gd name="connsiteY67" fmla="*/ 1663700 h 2895600"/>
+              <a:gd name="connsiteX68" fmla="*/ 4787900 w 7188200"/>
+              <a:gd name="connsiteY68" fmla="*/ 749300 h 2895600"/>
+              <a:gd name="connsiteX69" fmla="*/ 5473700 w 7188200"/>
+              <a:gd name="connsiteY69" fmla="*/ 0 h 2895600"/>
+              <a:gd name="connsiteX70" fmla="*/ 5473700 w 7188200"/>
+              <a:gd name="connsiteY70" fmla="*/ 1625600 h 2895600"/>
+              <a:gd name="connsiteX71" fmla="*/ 5753100 w 7188200"/>
+              <a:gd name="connsiteY71" fmla="*/ 1625600 h 2895600"/>
+              <a:gd name="connsiteX72" fmla="*/ 5778500 w 7188200"/>
+              <a:gd name="connsiteY72" fmla="*/ 1943100 h 2895600"/>
+              <a:gd name="connsiteX73" fmla="*/ 5905500 w 7188200"/>
+              <a:gd name="connsiteY73" fmla="*/ 1943100 h 2895600"/>
+              <a:gd name="connsiteX74" fmla="*/ 5905500 w 7188200"/>
+              <a:gd name="connsiteY74" fmla="*/ 1447800 h 2895600"/>
+              <a:gd name="connsiteX75" fmla="*/ 6604000 w 7188200"/>
+              <a:gd name="connsiteY75" fmla="*/ 1447800 h 2895600"/>
+              <a:gd name="connsiteX76" fmla="*/ 6591300 w 7188200"/>
+              <a:gd name="connsiteY76" fmla="*/ 1562100 h 2895600"/>
+              <a:gd name="connsiteX77" fmla="*/ 7188200 w 7188200"/>
+              <a:gd name="connsiteY77" fmla="*/ 1549400 h 2895600"/>
+              <a:gd name="connsiteX0" fmla="*/ 0 w 7188200"/>
+              <a:gd name="connsiteY0" fmla="*/ 2857500 h 2895600"/>
+              <a:gd name="connsiteX1" fmla="*/ 368300 w 7188200"/>
+              <a:gd name="connsiteY1" fmla="*/ 2870200 h 2895600"/>
+              <a:gd name="connsiteX2" fmla="*/ 368300 w 7188200"/>
+              <a:gd name="connsiteY2" fmla="*/ 1955800 h 2895600"/>
+              <a:gd name="connsiteX3" fmla="*/ 774700 w 7188200"/>
+              <a:gd name="connsiteY3" fmla="*/ 2349500 h 2895600"/>
+              <a:gd name="connsiteX4" fmla="*/ 774700 w 7188200"/>
+              <a:gd name="connsiteY4" fmla="*/ 2628900 h 2895600"/>
+              <a:gd name="connsiteX5" fmla="*/ 1079500 w 7188200"/>
+              <a:gd name="connsiteY5" fmla="*/ 2628900 h 2895600"/>
+              <a:gd name="connsiteX6" fmla="*/ 1066800 w 7188200"/>
+              <a:gd name="connsiteY6" fmla="*/ 2413000 h 2895600"/>
+              <a:gd name="connsiteX7" fmla="*/ 1143000 w 7188200"/>
+              <a:gd name="connsiteY7" fmla="*/ 2413000 h 2895600"/>
+              <a:gd name="connsiteX8" fmla="*/ 1155700 w 7188200"/>
+              <a:gd name="connsiteY8" fmla="*/ 2197100 h 2895600"/>
+              <a:gd name="connsiteX9" fmla="*/ 1219200 w 7188200"/>
+              <a:gd name="connsiteY9" fmla="*/ 2197100 h 2895600"/>
+              <a:gd name="connsiteX10" fmla="*/ 1206500 w 7188200"/>
+              <a:gd name="connsiteY10" fmla="*/ 2057400 h 2895600"/>
+              <a:gd name="connsiteX11" fmla="*/ 1333500 w 7188200"/>
+              <a:gd name="connsiteY11" fmla="*/ 2032000 h 2895600"/>
+              <a:gd name="connsiteX12" fmla="*/ 1320800 w 7188200"/>
+              <a:gd name="connsiteY12" fmla="*/ 2184400 h 2895600"/>
+              <a:gd name="connsiteX13" fmla="*/ 1397000 w 7188200"/>
+              <a:gd name="connsiteY13" fmla="*/ 2184400 h 2895600"/>
+              <a:gd name="connsiteX14" fmla="*/ 1397000 w 7188200"/>
+              <a:gd name="connsiteY14" fmla="*/ 2400300 h 2895600"/>
+              <a:gd name="connsiteX15" fmla="*/ 1473200 w 7188200"/>
+              <a:gd name="connsiteY15" fmla="*/ 2400300 h 2895600"/>
+              <a:gd name="connsiteX16" fmla="*/ 1473200 w 7188200"/>
+              <a:gd name="connsiteY16" fmla="*/ 2895600 h 2895600"/>
+              <a:gd name="connsiteX17" fmla="*/ 1562100 w 7188200"/>
+              <a:gd name="connsiteY17" fmla="*/ 2895600 h 2895600"/>
+              <a:gd name="connsiteX18" fmla="*/ 1574800 w 7188200"/>
+              <a:gd name="connsiteY18" fmla="*/ 2133600 h 2895600"/>
+              <a:gd name="connsiteX19" fmla="*/ 1981200 w 7188200"/>
+              <a:gd name="connsiteY19" fmla="*/ 1651000 h 2895600"/>
+              <a:gd name="connsiteX20" fmla="*/ 1968500 w 7188200"/>
+              <a:gd name="connsiteY20" fmla="*/ 2882900 h 2895600"/>
+              <a:gd name="connsiteX21" fmla="*/ 2108200 w 7188200"/>
+              <a:gd name="connsiteY21" fmla="*/ 2895600 h 2895600"/>
+              <a:gd name="connsiteX22" fmla="*/ 2082800 w 7188200"/>
+              <a:gd name="connsiteY22" fmla="*/ 1676400 h 2895600"/>
+              <a:gd name="connsiteX23" fmla="*/ 2197100 w 7188200"/>
+              <a:gd name="connsiteY23" fmla="*/ 1676400 h 2895600"/>
+              <a:gd name="connsiteX24" fmla="*/ 2222500 w 7188200"/>
+              <a:gd name="connsiteY24" fmla="*/ 1346200 h 2895600"/>
+              <a:gd name="connsiteX25" fmla="*/ 2311400 w 7188200"/>
+              <a:gd name="connsiteY25" fmla="*/ 1346200 h 2895600"/>
+              <a:gd name="connsiteX26" fmla="*/ 2311400 w 7188200"/>
+              <a:gd name="connsiteY26" fmla="*/ 1143000 h 2895600"/>
+              <a:gd name="connsiteX27" fmla="*/ 2501900 w 7188200"/>
+              <a:gd name="connsiteY27" fmla="*/ 1130300 h 2895600"/>
+              <a:gd name="connsiteX28" fmla="*/ 2489200 w 7188200"/>
+              <a:gd name="connsiteY28" fmla="*/ 1346200 h 2895600"/>
+              <a:gd name="connsiteX29" fmla="*/ 2590800 w 7188200"/>
+              <a:gd name="connsiteY29" fmla="*/ 1346200 h 2895600"/>
+              <a:gd name="connsiteX30" fmla="*/ 2578100 w 7188200"/>
+              <a:gd name="connsiteY30" fmla="*/ 1651000 h 2895600"/>
+              <a:gd name="connsiteX31" fmla="*/ 2717800 w 7188200"/>
+              <a:gd name="connsiteY31" fmla="*/ 1625600 h 2895600"/>
+              <a:gd name="connsiteX32" fmla="*/ 2692400 w 7188200"/>
+              <a:gd name="connsiteY32" fmla="*/ 2540000 h 2895600"/>
+              <a:gd name="connsiteX33" fmla="*/ 2895600 w 7188200"/>
+              <a:gd name="connsiteY33" fmla="*/ 2565400 h 2895600"/>
+              <a:gd name="connsiteX34" fmla="*/ 2895600 w 7188200"/>
+              <a:gd name="connsiteY34" fmla="*/ 2400300 h 2895600"/>
+              <a:gd name="connsiteX35" fmla="*/ 2997200 w 7188200"/>
+              <a:gd name="connsiteY35" fmla="*/ 2400300 h 2895600"/>
+              <a:gd name="connsiteX36" fmla="*/ 2984500 w 7188200"/>
+              <a:gd name="connsiteY36" fmla="*/ 2197100 h 2895600"/>
+              <a:gd name="connsiteX37" fmla="*/ 3035300 w 7188200"/>
+              <a:gd name="connsiteY37" fmla="*/ 2197100 h 2895600"/>
+              <a:gd name="connsiteX38" fmla="*/ 3035300 w 7188200"/>
+              <a:gd name="connsiteY38" fmla="*/ 2044700 h 2895600"/>
+              <a:gd name="connsiteX39" fmla="*/ 3086100 w 7188200"/>
+              <a:gd name="connsiteY39" fmla="*/ 2057400 h 2895600"/>
+              <a:gd name="connsiteX40" fmla="*/ 3086100 w 7188200"/>
+              <a:gd name="connsiteY40" fmla="*/ 1879600 h 2895600"/>
+              <a:gd name="connsiteX41" fmla="*/ 3124200 w 7188200"/>
+              <a:gd name="connsiteY41" fmla="*/ 1879600 h 2895600"/>
+              <a:gd name="connsiteX42" fmla="*/ 3136900 w 7188200"/>
+              <a:gd name="connsiteY42" fmla="*/ 2057400 h 2895600"/>
+              <a:gd name="connsiteX43" fmla="*/ 3175000 w 7188200"/>
+              <a:gd name="connsiteY43" fmla="*/ 2057400 h 2895600"/>
+              <a:gd name="connsiteX44" fmla="*/ 3175000 w 7188200"/>
+              <a:gd name="connsiteY44" fmla="*/ 2184400 h 2895600"/>
+              <a:gd name="connsiteX45" fmla="*/ 3225800 w 7188200"/>
+              <a:gd name="connsiteY45" fmla="*/ 2184400 h 2895600"/>
+              <a:gd name="connsiteX46" fmla="*/ 3225800 w 7188200"/>
+              <a:gd name="connsiteY46" fmla="*/ 1511300 h 2895600"/>
+              <a:gd name="connsiteX47" fmla="*/ 3378200 w 7188200"/>
+              <a:gd name="connsiteY47" fmla="*/ 1511300 h 2895600"/>
+              <a:gd name="connsiteX48" fmla="*/ 3378200 w 7188200"/>
+              <a:gd name="connsiteY48" fmla="*/ 1181100 h 2895600"/>
+              <a:gd name="connsiteX49" fmla="*/ 3505200 w 7188200"/>
+              <a:gd name="connsiteY49" fmla="*/ 1181100 h 2895600"/>
+              <a:gd name="connsiteX50" fmla="*/ 3492500 w 7188200"/>
+              <a:gd name="connsiteY50" fmla="*/ 977900 h 2895600"/>
+              <a:gd name="connsiteX51" fmla="*/ 3581400 w 7188200"/>
+              <a:gd name="connsiteY51" fmla="*/ 977900 h 2895600"/>
+              <a:gd name="connsiteX52" fmla="*/ 3568700 w 7188200"/>
+              <a:gd name="connsiteY52" fmla="*/ 647700 h 2895600"/>
+              <a:gd name="connsiteX53" fmla="*/ 3594100 w 7188200"/>
+              <a:gd name="connsiteY53" fmla="*/ 647700 h 2895600"/>
+              <a:gd name="connsiteX54" fmla="*/ 3606800 w 7188200"/>
+              <a:gd name="connsiteY54" fmla="*/ 304800 h 2895600"/>
+              <a:gd name="connsiteX55" fmla="*/ 3644900 w 7188200"/>
+              <a:gd name="connsiteY55" fmla="*/ 304800 h 2895600"/>
+              <a:gd name="connsiteX56" fmla="*/ 3632200 w 7188200"/>
+              <a:gd name="connsiteY56" fmla="*/ 647700 h 2895600"/>
+              <a:gd name="connsiteX57" fmla="*/ 3670300 w 7188200"/>
+              <a:gd name="connsiteY57" fmla="*/ 647700 h 2895600"/>
+              <a:gd name="connsiteX58" fmla="*/ 3657600 w 7188200"/>
+              <a:gd name="connsiteY58" fmla="*/ 952500 h 2895600"/>
+              <a:gd name="connsiteX59" fmla="*/ 3721100 w 7188200"/>
+              <a:gd name="connsiteY59" fmla="*/ 952500 h 2895600"/>
+              <a:gd name="connsiteX60" fmla="*/ 3733800 w 7188200"/>
+              <a:gd name="connsiteY60" fmla="*/ 1168400 h 2895600"/>
+              <a:gd name="connsiteX61" fmla="*/ 3860800 w 7188200"/>
+              <a:gd name="connsiteY61" fmla="*/ 1181100 h 2895600"/>
+              <a:gd name="connsiteX62" fmla="*/ 3860800 w 7188200"/>
+              <a:gd name="connsiteY62" fmla="*/ 1511300 h 2895600"/>
+              <a:gd name="connsiteX63" fmla="*/ 4025900 w 7188200"/>
+              <a:gd name="connsiteY63" fmla="*/ 1498600 h 2895600"/>
+              <a:gd name="connsiteX64" fmla="*/ 4025900 w 7188200"/>
+              <a:gd name="connsiteY64" fmla="*/ 2895600 h 2895600"/>
+              <a:gd name="connsiteX65" fmla="*/ 4394200 w 7188200"/>
+              <a:gd name="connsiteY65" fmla="*/ 2882900 h 2895600"/>
+              <a:gd name="connsiteX66" fmla="*/ 4381500 w 7188200"/>
+              <a:gd name="connsiteY66" fmla="*/ 1993900 h 2895600"/>
+              <a:gd name="connsiteX67" fmla="*/ 4787900 w 7188200"/>
+              <a:gd name="connsiteY67" fmla="*/ 1663700 h 2895600"/>
+              <a:gd name="connsiteX68" fmla="*/ 4787900 w 7188200"/>
+              <a:gd name="connsiteY68" fmla="*/ 749300 h 2895600"/>
+              <a:gd name="connsiteX69" fmla="*/ 5473700 w 7188200"/>
+              <a:gd name="connsiteY69" fmla="*/ 0 h 2895600"/>
+              <a:gd name="connsiteX70" fmla="*/ 5473700 w 7188200"/>
+              <a:gd name="connsiteY70" fmla="*/ 1625600 h 2895600"/>
+              <a:gd name="connsiteX71" fmla="*/ 5753100 w 7188200"/>
+              <a:gd name="connsiteY71" fmla="*/ 1625600 h 2895600"/>
+              <a:gd name="connsiteX72" fmla="*/ 5778500 w 7188200"/>
+              <a:gd name="connsiteY72" fmla="*/ 1943100 h 2895600"/>
+              <a:gd name="connsiteX73" fmla="*/ 5905500 w 7188200"/>
+              <a:gd name="connsiteY73" fmla="*/ 1943100 h 2895600"/>
+              <a:gd name="connsiteX74" fmla="*/ 5905500 w 7188200"/>
+              <a:gd name="connsiteY74" fmla="*/ 1447800 h 2895600"/>
+              <a:gd name="connsiteX75" fmla="*/ 6604000 w 7188200"/>
+              <a:gd name="connsiteY75" fmla="*/ 1447800 h 2895600"/>
+              <a:gd name="connsiteX76" fmla="*/ 6591300 w 7188200"/>
+              <a:gd name="connsiteY76" fmla="*/ 1562100 h 2895600"/>
+              <a:gd name="connsiteX77" fmla="*/ 7188200 w 7188200"/>
+              <a:gd name="connsiteY77" fmla="*/ 1549400 h 2895600"/>
+              <a:gd name="connsiteX0" fmla="*/ 0 w 7241117"/>
+              <a:gd name="connsiteY0" fmla="*/ 2857500 h 2895600"/>
+              <a:gd name="connsiteX1" fmla="*/ 368300 w 7241117"/>
+              <a:gd name="connsiteY1" fmla="*/ 2870200 h 2895600"/>
+              <a:gd name="connsiteX2" fmla="*/ 368300 w 7241117"/>
+              <a:gd name="connsiteY2" fmla="*/ 1955800 h 2895600"/>
+              <a:gd name="connsiteX3" fmla="*/ 774700 w 7241117"/>
+              <a:gd name="connsiteY3" fmla="*/ 2349500 h 2895600"/>
+              <a:gd name="connsiteX4" fmla="*/ 774700 w 7241117"/>
+              <a:gd name="connsiteY4" fmla="*/ 2628900 h 2895600"/>
+              <a:gd name="connsiteX5" fmla="*/ 1079500 w 7241117"/>
+              <a:gd name="connsiteY5" fmla="*/ 2628900 h 2895600"/>
+              <a:gd name="connsiteX6" fmla="*/ 1066800 w 7241117"/>
+              <a:gd name="connsiteY6" fmla="*/ 2413000 h 2895600"/>
+              <a:gd name="connsiteX7" fmla="*/ 1143000 w 7241117"/>
+              <a:gd name="connsiteY7" fmla="*/ 2413000 h 2895600"/>
+              <a:gd name="connsiteX8" fmla="*/ 1155700 w 7241117"/>
+              <a:gd name="connsiteY8" fmla="*/ 2197100 h 2895600"/>
+              <a:gd name="connsiteX9" fmla="*/ 1219200 w 7241117"/>
+              <a:gd name="connsiteY9" fmla="*/ 2197100 h 2895600"/>
+              <a:gd name="connsiteX10" fmla="*/ 1206500 w 7241117"/>
+              <a:gd name="connsiteY10" fmla="*/ 2057400 h 2895600"/>
+              <a:gd name="connsiteX11" fmla="*/ 1333500 w 7241117"/>
+              <a:gd name="connsiteY11" fmla="*/ 2032000 h 2895600"/>
+              <a:gd name="connsiteX12" fmla="*/ 1320800 w 7241117"/>
+              <a:gd name="connsiteY12" fmla="*/ 2184400 h 2895600"/>
+              <a:gd name="connsiteX13" fmla="*/ 1397000 w 7241117"/>
+              <a:gd name="connsiteY13" fmla="*/ 2184400 h 2895600"/>
+              <a:gd name="connsiteX14" fmla="*/ 1397000 w 7241117"/>
+              <a:gd name="connsiteY14" fmla="*/ 2400300 h 2895600"/>
+              <a:gd name="connsiteX15" fmla="*/ 1473200 w 7241117"/>
+              <a:gd name="connsiteY15" fmla="*/ 2400300 h 2895600"/>
+              <a:gd name="connsiteX16" fmla="*/ 1473200 w 7241117"/>
+              <a:gd name="connsiteY16" fmla="*/ 2895600 h 2895600"/>
+              <a:gd name="connsiteX17" fmla="*/ 1562100 w 7241117"/>
+              <a:gd name="connsiteY17" fmla="*/ 2895600 h 2895600"/>
+              <a:gd name="connsiteX18" fmla="*/ 1574800 w 7241117"/>
+              <a:gd name="connsiteY18" fmla="*/ 2133600 h 2895600"/>
+              <a:gd name="connsiteX19" fmla="*/ 1981200 w 7241117"/>
+              <a:gd name="connsiteY19" fmla="*/ 1651000 h 2895600"/>
+              <a:gd name="connsiteX20" fmla="*/ 1968500 w 7241117"/>
+              <a:gd name="connsiteY20" fmla="*/ 2882900 h 2895600"/>
+              <a:gd name="connsiteX21" fmla="*/ 2108200 w 7241117"/>
+              <a:gd name="connsiteY21" fmla="*/ 2895600 h 2895600"/>
+              <a:gd name="connsiteX22" fmla="*/ 2082800 w 7241117"/>
+              <a:gd name="connsiteY22" fmla="*/ 1676400 h 2895600"/>
+              <a:gd name="connsiteX23" fmla="*/ 2197100 w 7241117"/>
+              <a:gd name="connsiteY23" fmla="*/ 1676400 h 2895600"/>
+              <a:gd name="connsiteX24" fmla="*/ 2222500 w 7241117"/>
+              <a:gd name="connsiteY24" fmla="*/ 1346200 h 2895600"/>
+              <a:gd name="connsiteX25" fmla="*/ 2311400 w 7241117"/>
+              <a:gd name="connsiteY25" fmla="*/ 1346200 h 2895600"/>
+              <a:gd name="connsiteX26" fmla="*/ 2311400 w 7241117"/>
+              <a:gd name="connsiteY26" fmla="*/ 1143000 h 2895600"/>
+              <a:gd name="connsiteX27" fmla="*/ 2501900 w 7241117"/>
+              <a:gd name="connsiteY27" fmla="*/ 1130300 h 2895600"/>
+              <a:gd name="connsiteX28" fmla="*/ 2489200 w 7241117"/>
+              <a:gd name="connsiteY28" fmla="*/ 1346200 h 2895600"/>
+              <a:gd name="connsiteX29" fmla="*/ 2590800 w 7241117"/>
+              <a:gd name="connsiteY29" fmla="*/ 1346200 h 2895600"/>
+              <a:gd name="connsiteX30" fmla="*/ 2578100 w 7241117"/>
+              <a:gd name="connsiteY30" fmla="*/ 1651000 h 2895600"/>
+              <a:gd name="connsiteX31" fmla="*/ 2717800 w 7241117"/>
+              <a:gd name="connsiteY31" fmla="*/ 1625600 h 2895600"/>
+              <a:gd name="connsiteX32" fmla="*/ 2692400 w 7241117"/>
+              <a:gd name="connsiteY32" fmla="*/ 2540000 h 2895600"/>
+              <a:gd name="connsiteX33" fmla="*/ 2895600 w 7241117"/>
+              <a:gd name="connsiteY33" fmla="*/ 2565400 h 2895600"/>
+              <a:gd name="connsiteX34" fmla="*/ 2895600 w 7241117"/>
+              <a:gd name="connsiteY34" fmla="*/ 2400300 h 2895600"/>
+              <a:gd name="connsiteX35" fmla="*/ 2997200 w 7241117"/>
+              <a:gd name="connsiteY35" fmla="*/ 2400300 h 2895600"/>
+              <a:gd name="connsiteX36" fmla="*/ 2984500 w 7241117"/>
+              <a:gd name="connsiteY36" fmla="*/ 2197100 h 2895600"/>
+              <a:gd name="connsiteX37" fmla="*/ 3035300 w 7241117"/>
+              <a:gd name="connsiteY37" fmla="*/ 2197100 h 2895600"/>
+              <a:gd name="connsiteX38" fmla="*/ 3035300 w 7241117"/>
+              <a:gd name="connsiteY38" fmla="*/ 2044700 h 2895600"/>
+              <a:gd name="connsiteX39" fmla="*/ 3086100 w 7241117"/>
+              <a:gd name="connsiteY39" fmla="*/ 2057400 h 2895600"/>
+              <a:gd name="connsiteX40" fmla="*/ 3086100 w 7241117"/>
+              <a:gd name="connsiteY40" fmla="*/ 1879600 h 2895600"/>
+              <a:gd name="connsiteX41" fmla="*/ 3124200 w 7241117"/>
+              <a:gd name="connsiteY41" fmla="*/ 1879600 h 2895600"/>
+              <a:gd name="connsiteX42" fmla="*/ 3136900 w 7241117"/>
+              <a:gd name="connsiteY42" fmla="*/ 2057400 h 2895600"/>
+              <a:gd name="connsiteX43" fmla="*/ 3175000 w 7241117"/>
+              <a:gd name="connsiteY43" fmla="*/ 2057400 h 2895600"/>
+              <a:gd name="connsiteX44" fmla="*/ 3175000 w 7241117"/>
+              <a:gd name="connsiteY44" fmla="*/ 2184400 h 2895600"/>
+              <a:gd name="connsiteX45" fmla="*/ 3225800 w 7241117"/>
+              <a:gd name="connsiteY45" fmla="*/ 2184400 h 2895600"/>
+              <a:gd name="connsiteX46" fmla="*/ 3225800 w 7241117"/>
+              <a:gd name="connsiteY46" fmla="*/ 1511300 h 2895600"/>
+              <a:gd name="connsiteX47" fmla="*/ 3378200 w 7241117"/>
+              <a:gd name="connsiteY47" fmla="*/ 1511300 h 2895600"/>
+              <a:gd name="connsiteX48" fmla="*/ 3378200 w 7241117"/>
+              <a:gd name="connsiteY48" fmla="*/ 1181100 h 2895600"/>
+              <a:gd name="connsiteX49" fmla="*/ 3505200 w 7241117"/>
+              <a:gd name="connsiteY49" fmla="*/ 1181100 h 2895600"/>
+              <a:gd name="connsiteX50" fmla="*/ 3492500 w 7241117"/>
+              <a:gd name="connsiteY50" fmla="*/ 977900 h 2895600"/>
+              <a:gd name="connsiteX51" fmla="*/ 3581400 w 7241117"/>
+              <a:gd name="connsiteY51" fmla="*/ 977900 h 2895600"/>
+              <a:gd name="connsiteX52" fmla="*/ 3568700 w 7241117"/>
+              <a:gd name="connsiteY52" fmla="*/ 647700 h 2895600"/>
+              <a:gd name="connsiteX53" fmla="*/ 3594100 w 7241117"/>
+              <a:gd name="connsiteY53" fmla="*/ 647700 h 2895600"/>
+              <a:gd name="connsiteX54" fmla="*/ 3606800 w 7241117"/>
+              <a:gd name="connsiteY54" fmla="*/ 304800 h 2895600"/>
+              <a:gd name="connsiteX55" fmla="*/ 3644900 w 7241117"/>
+              <a:gd name="connsiteY55" fmla="*/ 304800 h 2895600"/>
+              <a:gd name="connsiteX56" fmla="*/ 3632200 w 7241117"/>
+              <a:gd name="connsiteY56" fmla="*/ 647700 h 2895600"/>
+              <a:gd name="connsiteX57" fmla="*/ 3670300 w 7241117"/>
+              <a:gd name="connsiteY57" fmla="*/ 647700 h 2895600"/>
+              <a:gd name="connsiteX58" fmla="*/ 3657600 w 7241117"/>
+              <a:gd name="connsiteY58" fmla="*/ 952500 h 2895600"/>
+              <a:gd name="connsiteX59" fmla="*/ 3721100 w 7241117"/>
+              <a:gd name="connsiteY59" fmla="*/ 952500 h 2895600"/>
+              <a:gd name="connsiteX60" fmla="*/ 3733800 w 7241117"/>
+              <a:gd name="connsiteY60" fmla="*/ 1168400 h 2895600"/>
+              <a:gd name="connsiteX61" fmla="*/ 3860800 w 7241117"/>
+              <a:gd name="connsiteY61" fmla="*/ 1181100 h 2895600"/>
+              <a:gd name="connsiteX62" fmla="*/ 3860800 w 7241117"/>
+              <a:gd name="connsiteY62" fmla="*/ 1511300 h 2895600"/>
+              <a:gd name="connsiteX63" fmla="*/ 4025900 w 7241117"/>
+              <a:gd name="connsiteY63" fmla="*/ 1498600 h 2895600"/>
+              <a:gd name="connsiteX64" fmla="*/ 4025900 w 7241117"/>
+              <a:gd name="connsiteY64" fmla="*/ 2895600 h 2895600"/>
+              <a:gd name="connsiteX65" fmla="*/ 4394200 w 7241117"/>
+              <a:gd name="connsiteY65" fmla="*/ 2882900 h 2895600"/>
+              <a:gd name="connsiteX66" fmla="*/ 4381500 w 7241117"/>
+              <a:gd name="connsiteY66" fmla="*/ 1993900 h 2895600"/>
+              <a:gd name="connsiteX67" fmla="*/ 4787900 w 7241117"/>
+              <a:gd name="connsiteY67" fmla="*/ 1663700 h 2895600"/>
+              <a:gd name="connsiteX68" fmla="*/ 4787900 w 7241117"/>
+              <a:gd name="connsiteY68" fmla="*/ 749300 h 2895600"/>
+              <a:gd name="connsiteX69" fmla="*/ 5473700 w 7241117"/>
+              <a:gd name="connsiteY69" fmla="*/ 0 h 2895600"/>
+              <a:gd name="connsiteX70" fmla="*/ 5473700 w 7241117"/>
+              <a:gd name="connsiteY70" fmla="*/ 1625600 h 2895600"/>
+              <a:gd name="connsiteX71" fmla="*/ 5753100 w 7241117"/>
+              <a:gd name="connsiteY71" fmla="*/ 1625600 h 2895600"/>
+              <a:gd name="connsiteX72" fmla="*/ 5778500 w 7241117"/>
+              <a:gd name="connsiteY72" fmla="*/ 1943100 h 2895600"/>
+              <a:gd name="connsiteX73" fmla="*/ 5905500 w 7241117"/>
+              <a:gd name="connsiteY73" fmla="*/ 1943100 h 2895600"/>
+              <a:gd name="connsiteX74" fmla="*/ 5905500 w 7241117"/>
+              <a:gd name="connsiteY74" fmla="*/ 1447800 h 2895600"/>
+              <a:gd name="connsiteX75" fmla="*/ 6604000 w 7241117"/>
+              <a:gd name="connsiteY75" fmla="*/ 1447800 h 2895600"/>
+              <a:gd name="connsiteX76" fmla="*/ 6591300 w 7241117"/>
+              <a:gd name="connsiteY76" fmla="*/ 1562100 h 2895600"/>
+              <a:gd name="connsiteX77" fmla="*/ 7188200 w 7241117"/>
+              <a:gd name="connsiteY77" fmla="*/ 1549400 h 2895600"/>
+              <a:gd name="connsiteX78" fmla="*/ 7215469 w 7241117"/>
+              <a:gd name="connsiteY78" fmla="*/ 1549320 h 2895600"/>
+              <a:gd name="connsiteX0" fmla="*/ 0 w 7235477"/>
+              <a:gd name="connsiteY0" fmla="*/ 2857500 h 3002665"/>
+              <a:gd name="connsiteX1" fmla="*/ 368300 w 7235477"/>
+              <a:gd name="connsiteY1" fmla="*/ 2870200 h 3002665"/>
+              <a:gd name="connsiteX2" fmla="*/ 368300 w 7235477"/>
+              <a:gd name="connsiteY2" fmla="*/ 1955800 h 3002665"/>
+              <a:gd name="connsiteX3" fmla="*/ 774700 w 7235477"/>
+              <a:gd name="connsiteY3" fmla="*/ 2349500 h 3002665"/>
+              <a:gd name="connsiteX4" fmla="*/ 774700 w 7235477"/>
+              <a:gd name="connsiteY4" fmla="*/ 2628900 h 3002665"/>
+              <a:gd name="connsiteX5" fmla="*/ 1079500 w 7235477"/>
+              <a:gd name="connsiteY5" fmla="*/ 2628900 h 3002665"/>
+              <a:gd name="connsiteX6" fmla="*/ 1066800 w 7235477"/>
+              <a:gd name="connsiteY6" fmla="*/ 2413000 h 3002665"/>
+              <a:gd name="connsiteX7" fmla="*/ 1143000 w 7235477"/>
+              <a:gd name="connsiteY7" fmla="*/ 2413000 h 3002665"/>
+              <a:gd name="connsiteX8" fmla="*/ 1155700 w 7235477"/>
+              <a:gd name="connsiteY8" fmla="*/ 2197100 h 3002665"/>
+              <a:gd name="connsiteX9" fmla="*/ 1219200 w 7235477"/>
+              <a:gd name="connsiteY9" fmla="*/ 2197100 h 3002665"/>
+              <a:gd name="connsiteX10" fmla="*/ 1206500 w 7235477"/>
+              <a:gd name="connsiteY10" fmla="*/ 2057400 h 3002665"/>
+              <a:gd name="connsiteX11" fmla="*/ 1333500 w 7235477"/>
+              <a:gd name="connsiteY11" fmla="*/ 2032000 h 3002665"/>
+              <a:gd name="connsiteX12" fmla="*/ 1320800 w 7235477"/>
+              <a:gd name="connsiteY12" fmla="*/ 2184400 h 3002665"/>
+              <a:gd name="connsiteX13" fmla="*/ 1397000 w 7235477"/>
+              <a:gd name="connsiteY13" fmla="*/ 2184400 h 3002665"/>
+              <a:gd name="connsiteX14" fmla="*/ 1397000 w 7235477"/>
+              <a:gd name="connsiteY14" fmla="*/ 2400300 h 3002665"/>
+              <a:gd name="connsiteX15" fmla="*/ 1473200 w 7235477"/>
+              <a:gd name="connsiteY15" fmla="*/ 2400300 h 3002665"/>
+              <a:gd name="connsiteX16" fmla="*/ 1473200 w 7235477"/>
+              <a:gd name="connsiteY16" fmla="*/ 2895600 h 3002665"/>
+              <a:gd name="connsiteX17" fmla="*/ 1562100 w 7235477"/>
+              <a:gd name="connsiteY17" fmla="*/ 2895600 h 3002665"/>
+              <a:gd name="connsiteX18" fmla="*/ 1574800 w 7235477"/>
+              <a:gd name="connsiteY18" fmla="*/ 2133600 h 3002665"/>
+              <a:gd name="connsiteX19" fmla="*/ 1981200 w 7235477"/>
+              <a:gd name="connsiteY19" fmla="*/ 1651000 h 3002665"/>
+              <a:gd name="connsiteX20" fmla="*/ 1968500 w 7235477"/>
+              <a:gd name="connsiteY20" fmla="*/ 2882900 h 3002665"/>
+              <a:gd name="connsiteX21" fmla="*/ 2108200 w 7235477"/>
+              <a:gd name="connsiteY21" fmla="*/ 2895600 h 3002665"/>
+              <a:gd name="connsiteX22" fmla="*/ 2082800 w 7235477"/>
+              <a:gd name="connsiteY22" fmla="*/ 1676400 h 3002665"/>
+              <a:gd name="connsiteX23" fmla="*/ 2197100 w 7235477"/>
+              <a:gd name="connsiteY23" fmla="*/ 1676400 h 3002665"/>
+              <a:gd name="connsiteX24" fmla="*/ 2222500 w 7235477"/>
+              <a:gd name="connsiteY24" fmla="*/ 1346200 h 3002665"/>
+              <a:gd name="connsiteX25" fmla="*/ 2311400 w 7235477"/>
+              <a:gd name="connsiteY25" fmla="*/ 1346200 h 3002665"/>
+              <a:gd name="connsiteX26" fmla="*/ 2311400 w 7235477"/>
+              <a:gd name="connsiteY26" fmla="*/ 1143000 h 3002665"/>
+              <a:gd name="connsiteX27" fmla="*/ 2501900 w 7235477"/>
+              <a:gd name="connsiteY27" fmla="*/ 1130300 h 3002665"/>
+              <a:gd name="connsiteX28" fmla="*/ 2489200 w 7235477"/>
+              <a:gd name="connsiteY28" fmla="*/ 1346200 h 3002665"/>
+              <a:gd name="connsiteX29" fmla="*/ 2590800 w 7235477"/>
+              <a:gd name="connsiteY29" fmla="*/ 1346200 h 3002665"/>
+              <a:gd name="connsiteX30" fmla="*/ 2578100 w 7235477"/>
+              <a:gd name="connsiteY30" fmla="*/ 1651000 h 3002665"/>
+              <a:gd name="connsiteX31" fmla="*/ 2717800 w 7235477"/>
+              <a:gd name="connsiteY31" fmla="*/ 1625600 h 3002665"/>
+              <a:gd name="connsiteX32" fmla="*/ 2692400 w 7235477"/>
+              <a:gd name="connsiteY32" fmla="*/ 2540000 h 3002665"/>
+              <a:gd name="connsiteX33" fmla="*/ 2895600 w 7235477"/>
+              <a:gd name="connsiteY33" fmla="*/ 2565400 h 3002665"/>
+              <a:gd name="connsiteX34" fmla="*/ 2895600 w 7235477"/>
+              <a:gd name="connsiteY34" fmla="*/ 2400300 h 3002665"/>
+              <a:gd name="connsiteX35" fmla="*/ 2997200 w 7235477"/>
+              <a:gd name="connsiteY35" fmla="*/ 2400300 h 3002665"/>
+              <a:gd name="connsiteX36" fmla="*/ 2984500 w 7235477"/>
+              <a:gd name="connsiteY36" fmla="*/ 2197100 h 3002665"/>
+              <a:gd name="connsiteX37" fmla="*/ 3035300 w 7235477"/>
+              <a:gd name="connsiteY37" fmla="*/ 2197100 h 3002665"/>
+              <a:gd name="connsiteX38" fmla="*/ 3035300 w 7235477"/>
+              <a:gd name="connsiteY38" fmla="*/ 2044700 h 3002665"/>
+              <a:gd name="connsiteX39" fmla="*/ 3086100 w 7235477"/>
+              <a:gd name="connsiteY39" fmla="*/ 2057400 h 3002665"/>
+              <a:gd name="connsiteX40" fmla="*/ 3086100 w 7235477"/>
+              <a:gd name="connsiteY40" fmla="*/ 1879600 h 3002665"/>
+              <a:gd name="connsiteX41" fmla="*/ 3124200 w 7235477"/>
+              <a:gd name="connsiteY41" fmla="*/ 1879600 h 3002665"/>
+              <a:gd name="connsiteX42" fmla="*/ 3136900 w 7235477"/>
+              <a:gd name="connsiteY42" fmla="*/ 2057400 h 3002665"/>
+              <a:gd name="connsiteX43" fmla="*/ 3175000 w 7235477"/>
+              <a:gd name="connsiteY43" fmla="*/ 2057400 h 3002665"/>
+              <a:gd name="connsiteX44" fmla="*/ 3175000 w 7235477"/>
+              <a:gd name="connsiteY44" fmla="*/ 2184400 h 3002665"/>
+              <a:gd name="connsiteX45" fmla="*/ 3225800 w 7235477"/>
+              <a:gd name="connsiteY45" fmla="*/ 2184400 h 3002665"/>
+              <a:gd name="connsiteX46" fmla="*/ 3225800 w 7235477"/>
+              <a:gd name="connsiteY46" fmla="*/ 1511300 h 3002665"/>
+              <a:gd name="connsiteX47" fmla="*/ 3378200 w 7235477"/>
+              <a:gd name="connsiteY47" fmla="*/ 1511300 h 3002665"/>
+              <a:gd name="connsiteX48" fmla="*/ 3378200 w 7235477"/>
+              <a:gd name="connsiteY48" fmla="*/ 1181100 h 3002665"/>
+              <a:gd name="connsiteX49" fmla="*/ 3505200 w 7235477"/>
+              <a:gd name="connsiteY49" fmla="*/ 1181100 h 3002665"/>
+              <a:gd name="connsiteX50" fmla="*/ 3492500 w 7235477"/>
+              <a:gd name="connsiteY50" fmla="*/ 977900 h 3002665"/>
+              <a:gd name="connsiteX51" fmla="*/ 3581400 w 7235477"/>
+              <a:gd name="connsiteY51" fmla="*/ 977900 h 3002665"/>
+              <a:gd name="connsiteX52" fmla="*/ 3568700 w 7235477"/>
+              <a:gd name="connsiteY52" fmla="*/ 647700 h 3002665"/>
+              <a:gd name="connsiteX53" fmla="*/ 3594100 w 7235477"/>
+              <a:gd name="connsiteY53" fmla="*/ 647700 h 3002665"/>
+              <a:gd name="connsiteX54" fmla="*/ 3606800 w 7235477"/>
+              <a:gd name="connsiteY54" fmla="*/ 304800 h 3002665"/>
+              <a:gd name="connsiteX55" fmla="*/ 3644900 w 7235477"/>
+              <a:gd name="connsiteY55" fmla="*/ 304800 h 3002665"/>
+              <a:gd name="connsiteX56" fmla="*/ 3632200 w 7235477"/>
+              <a:gd name="connsiteY56" fmla="*/ 647700 h 3002665"/>
+              <a:gd name="connsiteX57" fmla="*/ 3670300 w 7235477"/>
+              <a:gd name="connsiteY57" fmla="*/ 647700 h 3002665"/>
+              <a:gd name="connsiteX58" fmla="*/ 3657600 w 7235477"/>
+              <a:gd name="connsiteY58" fmla="*/ 952500 h 3002665"/>
+              <a:gd name="connsiteX59" fmla="*/ 3721100 w 7235477"/>
+              <a:gd name="connsiteY59" fmla="*/ 952500 h 3002665"/>
+              <a:gd name="connsiteX60" fmla="*/ 3733800 w 7235477"/>
+              <a:gd name="connsiteY60" fmla="*/ 1168400 h 3002665"/>
+              <a:gd name="connsiteX61" fmla="*/ 3860800 w 7235477"/>
+              <a:gd name="connsiteY61" fmla="*/ 1181100 h 3002665"/>
+              <a:gd name="connsiteX62" fmla="*/ 3860800 w 7235477"/>
+              <a:gd name="connsiteY62" fmla="*/ 1511300 h 3002665"/>
+              <a:gd name="connsiteX63" fmla="*/ 4025900 w 7235477"/>
+              <a:gd name="connsiteY63" fmla="*/ 1498600 h 3002665"/>
+              <a:gd name="connsiteX64" fmla="*/ 4025900 w 7235477"/>
+              <a:gd name="connsiteY64" fmla="*/ 2895600 h 3002665"/>
+              <a:gd name="connsiteX65" fmla="*/ 4394200 w 7235477"/>
+              <a:gd name="connsiteY65" fmla="*/ 2882900 h 3002665"/>
+              <a:gd name="connsiteX66" fmla="*/ 4381500 w 7235477"/>
+              <a:gd name="connsiteY66" fmla="*/ 1993900 h 3002665"/>
+              <a:gd name="connsiteX67" fmla="*/ 4787900 w 7235477"/>
+              <a:gd name="connsiteY67" fmla="*/ 1663700 h 3002665"/>
+              <a:gd name="connsiteX68" fmla="*/ 4787900 w 7235477"/>
+              <a:gd name="connsiteY68" fmla="*/ 749300 h 3002665"/>
+              <a:gd name="connsiteX69" fmla="*/ 5473700 w 7235477"/>
+              <a:gd name="connsiteY69" fmla="*/ 0 h 3002665"/>
+              <a:gd name="connsiteX70" fmla="*/ 5473700 w 7235477"/>
+              <a:gd name="connsiteY70" fmla="*/ 1625600 h 3002665"/>
+              <a:gd name="connsiteX71" fmla="*/ 5753100 w 7235477"/>
+              <a:gd name="connsiteY71" fmla="*/ 1625600 h 3002665"/>
+              <a:gd name="connsiteX72" fmla="*/ 5778500 w 7235477"/>
+              <a:gd name="connsiteY72" fmla="*/ 1943100 h 3002665"/>
+              <a:gd name="connsiteX73" fmla="*/ 5905500 w 7235477"/>
+              <a:gd name="connsiteY73" fmla="*/ 1943100 h 3002665"/>
+              <a:gd name="connsiteX74" fmla="*/ 5905500 w 7235477"/>
+              <a:gd name="connsiteY74" fmla="*/ 1447800 h 3002665"/>
+              <a:gd name="connsiteX75" fmla="*/ 6604000 w 7235477"/>
+              <a:gd name="connsiteY75" fmla="*/ 1447800 h 3002665"/>
+              <a:gd name="connsiteX76" fmla="*/ 6591300 w 7235477"/>
+              <a:gd name="connsiteY76" fmla="*/ 1562100 h 3002665"/>
+              <a:gd name="connsiteX77" fmla="*/ 7188200 w 7235477"/>
+              <a:gd name="connsiteY77" fmla="*/ 1549400 h 3002665"/>
+              <a:gd name="connsiteX78" fmla="*/ 7196976 w 7235477"/>
+              <a:gd name="connsiteY78" fmla="*/ 3002665 h 3002665"/>
+              <a:gd name="connsiteX0" fmla="*/ 0 w 7196976"/>
+              <a:gd name="connsiteY0" fmla="*/ 2857500 h 3002665"/>
+              <a:gd name="connsiteX1" fmla="*/ 368300 w 7196976"/>
+              <a:gd name="connsiteY1" fmla="*/ 2870200 h 3002665"/>
+              <a:gd name="connsiteX2" fmla="*/ 368300 w 7196976"/>
+              <a:gd name="connsiteY2" fmla="*/ 1955800 h 3002665"/>
+              <a:gd name="connsiteX3" fmla="*/ 774700 w 7196976"/>
+              <a:gd name="connsiteY3" fmla="*/ 2349500 h 3002665"/>
+              <a:gd name="connsiteX4" fmla="*/ 774700 w 7196976"/>
+              <a:gd name="connsiteY4" fmla="*/ 2628900 h 3002665"/>
+              <a:gd name="connsiteX5" fmla="*/ 1079500 w 7196976"/>
+              <a:gd name="connsiteY5" fmla="*/ 2628900 h 3002665"/>
+              <a:gd name="connsiteX6" fmla="*/ 1066800 w 7196976"/>
+              <a:gd name="connsiteY6" fmla="*/ 2413000 h 3002665"/>
+              <a:gd name="connsiteX7" fmla="*/ 1143000 w 7196976"/>
+              <a:gd name="connsiteY7" fmla="*/ 2413000 h 3002665"/>
+              <a:gd name="connsiteX8" fmla="*/ 1155700 w 7196976"/>
+              <a:gd name="connsiteY8" fmla="*/ 2197100 h 3002665"/>
+              <a:gd name="connsiteX9" fmla="*/ 1219200 w 7196976"/>
+              <a:gd name="connsiteY9" fmla="*/ 2197100 h 3002665"/>
+              <a:gd name="connsiteX10" fmla="*/ 1206500 w 7196976"/>
+              <a:gd name="connsiteY10" fmla="*/ 2057400 h 3002665"/>
+              <a:gd name="connsiteX11" fmla="*/ 1333500 w 7196976"/>
+              <a:gd name="connsiteY11" fmla="*/ 2032000 h 3002665"/>
+              <a:gd name="connsiteX12" fmla="*/ 1320800 w 7196976"/>
+              <a:gd name="connsiteY12" fmla="*/ 2184400 h 3002665"/>
+              <a:gd name="connsiteX13" fmla="*/ 1397000 w 7196976"/>
+              <a:gd name="connsiteY13" fmla="*/ 2184400 h 3002665"/>
+              <a:gd name="connsiteX14" fmla="*/ 1397000 w 7196976"/>
+              <a:gd name="connsiteY14" fmla="*/ 2400300 h 3002665"/>
+              <a:gd name="connsiteX15" fmla="*/ 1473200 w 7196976"/>
+              <a:gd name="connsiteY15" fmla="*/ 2400300 h 3002665"/>
+              <a:gd name="connsiteX16" fmla="*/ 1473200 w 7196976"/>
+              <a:gd name="connsiteY16" fmla="*/ 2895600 h 3002665"/>
+              <a:gd name="connsiteX17" fmla="*/ 1562100 w 7196976"/>
+              <a:gd name="connsiteY17" fmla="*/ 2895600 h 3002665"/>
+              <a:gd name="connsiteX18" fmla="*/ 1574800 w 7196976"/>
+              <a:gd name="connsiteY18" fmla="*/ 2133600 h 3002665"/>
+              <a:gd name="connsiteX19" fmla="*/ 1981200 w 7196976"/>
+              <a:gd name="connsiteY19" fmla="*/ 1651000 h 3002665"/>
+              <a:gd name="connsiteX20" fmla="*/ 1968500 w 7196976"/>
+              <a:gd name="connsiteY20" fmla="*/ 2882900 h 3002665"/>
+              <a:gd name="connsiteX21" fmla="*/ 2108200 w 7196976"/>
+              <a:gd name="connsiteY21" fmla="*/ 2895600 h 3002665"/>
+              <a:gd name="connsiteX22" fmla="*/ 2082800 w 7196976"/>
+              <a:gd name="connsiteY22" fmla="*/ 1676400 h 3002665"/>
+              <a:gd name="connsiteX23" fmla="*/ 2197100 w 7196976"/>
+              <a:gd name="connsiteY23" fmla="*/ 1676400 h 3002665"/>
+              <a:gd name="connsiteX24" fmla="*/ 2222500 w 7196976"/>
+              <a:gd name="connsiteY24" fmla="*/ 1346200 h 3002665"/>
+              <a:gd name="connsiteX25" fmla="*/ 2311400 w 7196976"/>
+              <a:gd name="connsiteY25" fmla="*/ 1346200 h 3002665"/>
+              <a:gd name="connsiteX26" fmla="*/ 2311400 w 7196976"/>
+              <a:gd name="connsiteY26" fmla="*/ 1143000 h 3002665"/>
+              <a:gd name="connsiteX27" fmla="*/ 2501900 w 7196976"/>
+              <a:gd name="connsiteY27" fmla="*/ 1130300 h 3002665"/>
+              <a:gd name="connsiteX28" fmla="*/ 2489200 w 7196976"/>
+              <a:gd name="connsiteY28" fmla="*/ 1346200 h 3002665"/>
+              <a:gd name="connsiteX29" fmla="*/ 2590800 w 7196976"/>
+              <a:gd name="connsiteY29" fmla="*/ 1346200 h 3002665"/>
+              <a:gd name="connsiteX30" fmla="*/ 2578100 w 7196976"/>
+              <a:gd name="connsiteY30" fmla="*/ 1651000 h 3002665"/>
+              <a:gd name="connsiteX31" fmla="*/ 2717800 w 7196976"/>
+              <a:gd name="connsiteY31" fmla="*/ 1625600 h 3002665"/>
+              <a:gd name="connsiteX32" fmla="*/ 2692400 w 7196976"/>
+              <a:gd name="connsiteY32" fmla="*/ 2540000 h 3002665"/>
+              <a:gd name="connsiteX33" fmla="*/ 2895600 w 7196976"/>
+              <a:gd name="connsiteY33" fmla="*/ 2565400 h 3002665"/>
+              <a:gd name="connsiteX34" fmla="*/ 2895600 w 7196976"/>
+              <a:gd name="connsiteY34" fmla="*/ 2400300 h 3002665"/>
+              <a:gd name="connsiteX35" fmla="*/ 2997200 w 7196976"/>
+              <a:gd name="connsiteY35" fmla="*/ 2400300 h 3002665"/>
+              <a:gd name="connsiteX36" fmla="*/ 2984500 w 7196976"/>
+              <a:gd name="connsiteY36" fmla="*/ 2197100 h 3002665"/>
+              <a:gd name="connsiteX37" fmla="*/ 3035300 w 7196976"/>
+              <a:gd name="connsiteY37" fmla="*/ 2197100 h 3002665"/>
+              <a:gd name="connsiteX38" fmla="*/ 3035300 w 7196976"/>
+              <a:gd name="connsiteY38" fmla="*/ 2044700 h 3002665"/>
+              <a:gd name="connsiteX39" fmla="*/ 3086100 w 7196976"/>
+              <a:gd name="connsiteY39" fmla="*/ 2057400 h 3002665"/>
+              <a:gd name="connsiteX40" fmla="*/ 3086100 w 7196976"/>
+              <a:gd name="connsiteY40" fmla="*/ 1879600 h 3002665"/>
+              <a:gd name="connsiteX41" fmla="*/ 3124200 w 7196976"/>
+              <a:gd name="connsiteY41" fmla="*/ 1879600 h 3002665"/>
+              <a:gd name="connsiteX42" fmla="*/ 3136900 w 7196976"/>
+              <a:gd name="connsiteY42" fmla="*/ 2057400 h 3002665"/>
+              <a:gd name="connsiteX43" fmla="*/ 3175000 w 7196976"/>
+              <a:gd name="connsiteY43" fmla="*/ 2057400 h 3002665"/>
+              <a:gd name="connsiteX44" fmla="*/ 3175000 w 7196976"/>
+              <a:gd name="connsiteY44" fmla="*/ 2184400 h 3002665"/>
+              <a:gd name="connsiteX45" fmla="*/ 3225800 w 7196976"/>
+              <a:gd name="connsiteY45" fmla="*/ 2184400 h 3002665"/>
+              <a:gd name="connsiteX46" fmla="*/ 3225800 w 7196976"/>
+              <a:gd name="connsiteY46" fmla="*/ 1511300 h 3002665"/>
+              <a:gd name="connsiteX47" fmla="*/ 3378200 w 7196976"/>
+              <a:gd name="connsiteY47" fmla="*/ 1511300 h 3002665"/>
+              <a:gd name="connsiteX48" fmla="*/ 3378200 w 7196976"/>
+              <a:gd name="connsiteY48" fmla="*/ 1181100 h 3002665"/>
+              <a:gd name="connsiteX49" fmla="*/ 3505200 w 7196976"/>
+              <a:gd name="connsiteY49" fmla="*/ 1181100 h 3002665"/>
+              <a:gd name="connsiteX50" fmla="*/ 3492500 w 7196976"/>
+              <a:gd name="connsiteY50" fmla="*/ 977900 h 3002665"/>
+              <a:gd name="connsiteX51" fmla="*/ 3581400 w 7196976"/>
+              <a:gd name="connsiteY51" fmla="*/ 977900 h 3002665"/>
+              <a:gd name="connsiteX52" fmla="*/ 3568700 w 7196976"/>
+              <a:gd name="connsiteY52" fmla="*/ 647700 h 3002665"/>
+              <a:gd name="connsiteX53" fmla="*/ 3594100 w 7196976"/>
+              <a:gd name="connsiteY53" fmla="*/ 647700 h 3002665"/>
+              <a:gd name="connsiteX54" fmla="*/ 3606800 w 7196976"/>
+              <a:gd name="connsiteY54" fmla="*/ 304800 h 3002665"/>
+              <a:gd name="connsiteX55" fmla="*/ 3644900 w 7196976"/>
+              <a:gd name="connsiteY55" fmla="*/ 304800 h 3002665"/>
+              <a:gd name="connsiteX56" fmla="*/ 3632200 w 7196976"/>
+              <a:gd name="connsiteY56" fmla="*/ 647700 h 3002665"/>
+              <a:gd name="connsiteX57" fmla="*/ 3670300 w 7196976"/>
+              <a:gd name="connsiteY57" fmla="*/ 647700 h 3002665"/>
+              <a:gd name="connsiteX58" fmla="*/ 3657600 w 7196976"/>
+              <a:gd name="connsiteY58" fmla="*/ 952500 h 3002665"/>
+              <a:gd name="connsiteX59" fmla="*/ 3721100 w 7196976"/>
+              <a:gd name="connsiteY59" fmla="*/ 952500 h 3002665"/>
+              <a:gd name="connsiteX60" fmla="*/ 3733800 w 7196976"/>
+              <a:gd name="connsiteY60" fmla="*/ 1168400 h 3002665"/>
+              <a:gd name="connsiteX61" fmla="*/ 3860800 w 7196976"/>
+              <a:gd name="connsiteY61" fmla="*/ 1181100 h 3002665"/>
+              <a:gd name="connsiteX62" fmla="*/ 3860800 w 7196976"/>
+              <a:gd name="connsiteY62" fmla="*/ 1511300 h 3002665"/>
+              <a:gd name="connsiteX63" fmla="*/ 4025900 w 7196976"/>
+              <a:gd name="connsiteY63" fmla="*/ 1498600 h 3002665"/>
+              <a:gd name="connsiteX64" fmla="*/ 4025900 w 7196976"/>
+              <a:gd name="connsiteY64" fmla="*/ 2895600 h 3002665"/>
+              <a:gd name="connsiteX65" fmla="*/ 4394200 w 7196976"/>
+              <a:gd name="connsiteY65" fmla="*/ 2882900 h 3002665"/>
+              <a:gd name="connsiteX66" fmla="*/ 4381500 w 7196976"/>
+              <a:gd name="connsiteY66" fmla="*/ 1993900 h 3002665"/>
+              <a:gd name="connsiteX67" fmla="*/ 4787900 w 7196976"/>
+              <a:gd name="connsiteY67" fmla="*/ 1663700 h 3002665"/>
+              <a:gd name="connsiteX68" fmla="*/ 4787900 w 7196976"/>
+              <a:gd name="connsiteY68" fmla="*/ 749300 h 3002665"/>
+              <a:gd name="connsiteX69" fmla="*/ 5473700 w 7196976"/>
+              <a:gd name="connsiteY69" fmla="*/ 0 h 3002665"/>
+              <a:gd name="connsiteX70" fmla="*/ 5473700 w 7196976"/>
+              <a:gd name="connsiteY70" fmla="*/ 1625600 h 3002665"/>
+              <a:gd name="connsiteX71" fmla="*/ 5753100 w 7196976"/>
+              <a:gd name="connsiteY71" fmla="*/ 1625600 h 3002665"/>
+              <a:gd name="connsiteX72" fmla="*/ 5778500 w 7196976"/>
+              <a:gd name="connsiteY72" fmla="*/ 1943100 h 3002665"/>
+              <a:gd name="connsiteX73" fmla="*/ 5905500 w 7196976"/>
+              <a:gd name="connsiteY73" fmla="*/ 1943100 h 3002665"/>
+              <a:gd name="connsiteX74" fmla="*/ 5905500 w 7196976"/>
+              <a:gd name="connsiteY74" fmla="*/ 1447800 h 3002665"/>
+              <a:gd name="connsiteX75" fmla="*/ 6604000 w 7196976"/>
+              <a:gd name="connsiteY75" fmla="*/ 1447800 h 3002665"/>
+              <a:gd name="connsiteX76" fmla="*/ 6591300 w 7196976"/>
+              <a:gd name="connsiteY76" fmla="*/ 1562100 h 3002665"/>
+              <a:gd name="connsiteX77" fmla="*/ 7188200 w 7196976"/>
+              <a:gd name="connsiteY77" fmla="*/ 1549400 h 3002665"/>
+              <a:gd name="connsiteX78" fmla="*/ 7196976 w 7196976"/>
+              <a:gd name="connsiteY78" fmla="*/ 3002665 h 3002665"/>
+            </a:gdLst>
+            <a:ahLst/>
+            <a:cxnLst>
+              <a:cxn ang="0">
+                <a:pos x="connsiteX0" y="connsiteY0"/>
+              </a:cxn>
+              <a:cxn ang="0">
+                <a:pos x="connsiteX1" y="connsiteY1"/>
+              </a:cxn>
+              <a:cxn ang="0">
+                <a:pos x="connsiteX2" y="connsiteY2"/>
+              </a:cxn>
+              <a:cxn ang="0">
+                <a:pos x="connsiteX3" y="connsiteY3"/>
+              </a:cxn>
+              <a:cxn ang="0">
+                <a:pos x="connsiteX4" y="connsiteY4"/>
+              </a:cxn>
+              <a:cxn ang="0">
+                <a:pos x="connsiteX5" y="connsiteY5"/>
+              </a:cxn>
+              <a:cxn ang="0">
+                <a:pos x="connsiteX6" y="connsiteY6"/>
+              </a:cxn>
+              <a:cxn ang="0">
+                <a:pos x="connsiteX7" y="connsiteY7"/>
+              </a:cxn>
+              <a:cxn ang="0">
+                <a:pos x="connsiteX8" y="connsiteY8"/>
+              </a:cxn>
+              <a:cxn ang="0">
+                <a:pos x="connsiteX9" y="connsiteY9"/>
+              </a:cxn>
+              <a:cxn ang="0">
+                <a:pos x="connsiteX10" y="connsiteY10"/>
+              </a:cxn>
+              <a:cxn ang="0">
+                <a:pos x="connsiteX11" y="connsiteY11"/>
+              </a:cxn>
+              <a:cxn ang="0">
+                <a:pos x="connsiteX12" y="connsiteY12"/>
+              </a:cxn>
+              <a:cxn ang="0">
+                <a:pos x="connsiteX13" y="connsiteY13"/>
+              </a:cxn>
+              <a:cxn ang="0">
+                <a:pos x="connsiteX14" y="connsiteY14"/>
+              </a:cxn>
+              <a:cxn ang="0">
+                <a:pos x="connsiteX15" y="connsiteY15"/>
+              </a:cxn>
+              <a:cxn ang="0">
+                <a:pos x="connsiteX16" y="connsiteY16"/>
+              </a:cxn>
+              <a:cxn ang="0">
+                <a:pos x="connsiteX17" y="connsiteY17"/>
+              </a:cxn>
+              <a:cxn ang="0">
+                <a:pos x="connsiteX18" y="connsiteY18"/>
+              </a:cxn>
+              <a:cxn ang="0">
+                <a:pos x="connsiteX19" y="connsiteY19"/>
+              </a:cxn>
+              <a:cxn ang="0">
+                <a:pos x="connsiteX20" y="connsiteY20"/>
+              </a:cxn>
+              <a:cxn ang="0">
+                <a:pos x="connsiteX21" y="connsiteY21"/>
+              </a:cxn>
+              <a:cxn ang="0">
+                <a:pos x="connsiteX22" y="connsiteY22"/>
+              </a:cxn>
+              <a:cxn ang="0">
+                <a:pos x="connsiteX23" y="connsiteY23"/>
+              </a:cxn>
+              <a:cxn ang="0">
+                <a:pos x="connsiteX24" y="connsiteY24"/>
+              </a:cxn>
+              <a:cxn ang="0">
+                <a:pos x="connsiteX25" y="connsiteY25"/>
+              </a:cxn>
+              <a:cxn ang="0">
+                <a:pos x="connsiteX26" y="connsiteY26"/>
+              </a:cxn>
+              <a:cxn ang="0">
+                <a:pos x="connsiteX27" y="connsiteY27"/>
+              </a:cxn>
+              <a:cxn ang="0">
+                <a:pos x="connsiteX28" y="connsiteY28"/>
+              </a:cxn>
+              <a:cxn ang="0">
+                <a:pos x="connsiteX29" y="connsiteY29"/>
+              </a:cxn>
+              <a:cxn ang="0">
+                <a:pos x="connsiteX30" y="connsiteY30"/>
+              </a:cxn>
+              <a:cxn ang="0">
+                <a:pos x="connsiteX31" y="connsiteY31"/>
+              </a:cxn>
+              <a:cxn ang="0">
+                <a:pos x="connsiteX32" y="connsiteY32"/>
+              </a:cxn>
+              <a:cxn ang="0">
+                <a:pos x="connsiteX33" y="connsiteY33"/>
+              </a:cxn>
+              <a:cxn ang="0">
+                <a:pos x="connsiteX34" y="connsiteY34"/>
+              </a:cxn>
+              <a:cxn ang="0">
+                <a:pos x="connsiteX35" y="connsiteY35"/>
+              </a:cxn>
+              <a:cxn ang="0">
+                <a:pos x="connsiteX36" y="connsiteY36"/>
+              </a:cxn>
+              <a:cxn ang="0">
+                <a:pos x="connsiteX37" y="connsiteY37"/>
+              </a:cxn>
+              <a:cxn ang="0">
+                <a:pos x="connsiteX38" y="connsiteY38"/>
+              </a:cxn>
+              <a:cxn ang="0">
+                <a:pos x="connsiteX39" y="connsiteY39"/>
+              </a:cxn>
+              <a:cxn ang="0">
+                <a:pos x="connsiteX40" y="connsiteY40"/>
+              </a:cxn>
+              <a:cxn ang="0">
+                <a:pos x="connsiteX41" y="connsiteY41"/>
+              </a:cxn>
+              <a:cxn ang="0">
+                <a:pos x="connsiteX42" y="connsiteY42"/>
+              </a:cxn>
+              <a:cxn ang="0">
+                <a:pos x="connsiteX43" y="connsiteY43"/>
+              </a:cxn>
+              <a:cxn ang="0">
+                <a:pos x="connsiteX44" y="connsiteY44"/>
+              </a:cxn>
+              <a:cxn ang="0">
+                <a:pos x="connsiteX45" y="connsiteY45"/>
+              </a:cxn>
+              <a:cxn ang="0">
+                <a:pos x="connsiteX46" y="connsiteY46"/>
+              </a:cxn>
+              <a:cxn ang="0">
+                <a:pos x="connsiteX47" y="connsiteY47"/>
+              </a:cxn>
+              <a:cxn ang="0">
+                <a:pos x="connsiteX48" y="connsiteY48"/>
+              </a:cxn>
+              <a:cxn ang="0">
+                <a:pos x="connsiteX49" y="connsiteY49"/>
+              </a:cxn>
+              <a:cxn ang="0">
+                <a:pos x="connsiteX50" y="connsiteY50"/>
+              </a:cxn>
+              <a:cxn ang="0">
+                <a:pos x="connsiteX51" y="connsiteY51"/>
+              </a:cxn>
+              <a:cxn ang="0">
+                <a:pos x="connsiteX52" y="connsiteY52"/>
+              </a:cxn>
+              <a:cxn ang="0">
+                <a:pos x="connsiteX53" y="connsiteY53"/>
+              </a:cxn>
+              <a:cxn ang="0">
+                <a:pos x="connsiteX54" y="connsiteY54"/>
+              </a:cxn>
+              <a:cxn ang="0">
+                <a:pos x="connsiteX55" y="connsiteY55"/>
+              </a:cxn>
+              <a:cxn ang="0">
+                <a:pos x="connsiteX56" y="connsiteY56"/>
+              </a:cxn>
+              <a:cxn ang="0">
+                <a:pos x="connsiteX57" y="connsiteY57"/>
+              </a:cxn>
+              <a:cxn ang="0">
+                <a:pos x="connsiteX58" y="connsiteY58"/>
+              </a:cxn>
+              <a:cxn ang="0">
+                <a:pos x="connsiteX59" y="connsiteY59"/>
+              </a:cxn>
+              <a:cxn ang="0">
+                <a:pos x="connsiteX60" y="connsiteY60"/>
+              </a:cxn>
+              <a:cxn ang="0">
+                <a:pos x="connsiteX61" y="connsiteY61"/>
+              </a:cxn>
+              <a:cxn ang="0">
+                <a:pos x="connsiteX62" y="connsiteY62"/>
+              </a:cxn>
+              <a:cxn ang="0">
+                <a:pos x="connsiteX63" y="connsiteY63"/>
+              </a:cxn>
+              <a:cxn ang="0">
+                <a:pos x="connsiteX64" y="connsiteY64"/>
+              </a:cxn>
+              <a:cxn ang="0">
+                <a:pos x="connsiteX65" y="connsiteY65"/>
+              </a:cxn>
+              <a:cxn ang="0">
+                <a:pos x="connsiteX66" y="connsiteY66"/>
+              </a:cxn>
+              <a:cxn ang="0">
+                <a:pos x="connsiteX67" y="connsiteY67"/>
+              </a:cxn>
+              <a:cxn ang="0">
+                <a:pos x="connsiteX68" y="connsiteY68"/>
+              </a:cxn>
+              <a:cxn ang="0">
+                <a:pos x="connsiteX69" y="connsiteY69"/>
+              </a:cxn>
+              <a:cxn ang="0">
+                <a:pos x="connsiteX70" y="connsiteY70"/>
+              </a:cxn>
+              <a:cxn ang="0">
+                <a:pos x="connsiteX71" y="connsiteY71"/>
+              </a:cxn>
+              <a:cxn ang="0">
+                <a:pos x="connsiteX72" y="connsiteY72"/>
+              </a:cxn>
+              <a:cxn ang="0">
+                <a:pos x="connsiteX73" y="connsiteY73"/>
+              </a:cxn>
+              <a:cxn ang="0">
+                <a:pos x="connsiteX74" y="connsiteY74"/>
+              </a:cxn>
+              <a:cxn ang="0">
+                <a:pos x="connsiteX75" y="connsiteY75"/>
+              </a:cxn>
+              <a:cxn ang="0">
+                <a:pos x="connsiteX76" y="connsiteY76"/>
+              </a:cxn>
+              <a:cxn ang="0">
+                <a:pos x="connsiteX77" y="connsiteY77"/>
+              </a:cxn>
+              <a:cxn ang="0">
+                <a:pos x="connsiteX78" y="connsiteY78"/>
+              </a:cxn>
+            </a:cxnLst>
+            <a:rect l="l" t="t" r="r" b="b"/>
+            <a:pathLst>
+              <a:path w="7196976" h="3002665">
+                <a:moveTo>
+                  <a:pt x="0" y="2857500"/>
+                </a:moveTo>
+                <a:lnTo>
+                  <a:pt x="368300" y="2870200"/>
+                </a:lnTo>
+                <a:lnTo>
+                  <a:pt x="368300" y="1955800"/>
+                </a:lnTo>
+                <a:lnTo>
+                  <a:pt x="774700" y="2349500"/>
+                </a:lnTo>
+                <a:lnTo>
+                  <a:pt x="774700" y="2628900"/>
+                </a:lnTo>
+                <a:lnTo>
+                  <a:pt x="1079500" y="2628900"/>
+                </a:lnTo>
+                <a:lnTo>
+                  <a:pt x="1066800" y="2413000"/>
+                </a:lnTo>
+                <a:lnTo>
+                  <a:pt x="1143000" y="2413000"/>
+                </a:lnTo>
+                <a:lnTo>
+                  <a:pt x="1155700" y="2197100"/>
+                </a:lnTo>
+                <a:lnTo>
+                  <a:pt x="1219200" y="2197100"/>
+                </a:lnTo>
+                <a:lnTo>
+                  <a:pt x="1206500" y="2057400"/>
+                </a:lnTo>
+                <a:lnTo>
+                  <a:pt x="1333500" y="2032000"/>
+                </a:lnTo>
+                <a:lnTo>
+                  <a:pt x="1320800" y="2184400"/>
+                </a:lnTo>
+                <a:lnTo>
+                  <a:pt x="1397000" y="2184400"/>
+                </a:lnTo>
+                <a:lnTo>
+                  <a:pt x="1397000" y="2400300"/>
+                </a:lnTo>
+                <a:lnTo>
+                  <a:pt x="1473200" y="2400300"/>
+                </a:lnTo>
+                <a:lnTo>
+                  <a:pt x="1473200" y="2895600"/>
+                </a:lnTo>
+                <a:lnTo>
+                  <a:pt x="1562100" y="2895600"/>
+                </a:lnTo>
+                <a:lnTo>
+                  <a:pt x="1574800" y="2133600"/>
+                </a:lnTo>
+                <a:lnTo>
+                  <a:pt x="1981200" y="1651000"/>
+                </a:lnTo>
+                <a:lnTo>
+                  <a:pt x="1968500" y="2882900"/>
+                </a:lnTo>
+                <a:lnTo>
+                  <a:pt x="2108200" y="2895600"/>
+                </a:lnTo>
+                <a:lnTo>
+                  <a:pt x="2082800" y="1676400"/>
+                </a:lnTo>
+                <a:lnTo>
+                  <a:pt x="2197100" y="1676400"/>
+                </a:lnTo>
+                <a:lnTo>
+                  <a:pt x="2222500" y="1346200"/>
+                </a:lnTo>
+                <a:lnTo>
+                  <a:pt x="2311400" y="1346200"/>
+                </a:lnTo>
+                <a:lnTo>
+                  <a:pt x="2311400" y="1143000"/>
+                </a:lnTo>
+                <a:lnTo>
+                  <a:pt x="2501900" y="1130300"/>
+                </a:lnTo>
+                <a:lnTo>
+                  <a:pt x="2489200" y="1346200"/>
+                </a:lnTo>
+                <a:lnTo>
+                  <a:pt x="2590800" y="1346200"/>
+                </a:lnTo>
+                <a:lnTo>
+                  <a:pt x="2578100" y="1651000"/>
+                </a:lnTo>
+                <a:lnTo>
+                  <a:pt x="2717800" y="1625600"/>
+                </a:lnTo>
+                <a:lnTo>
+                  <a:pt x="2692400" y="2540000"/>
+                </a:lnTo>
+                <a:lnTo>
+                  <a:pt x="2895600" y="2565400"/>
+                </a:lnTo>
+                <a:lnTo>
+                  <a:pt x="2895600" y="2400300"/>
+                </a:lnTo>
+                <a:lnTo>
+                  <a:pt x="2997200" y="2400300"/>
+                </a:lnTo>
+                <a:lnTo>
+                  <a:pt x="2984500" y="2197100"/>
+                </a:lnTo>
+                <a:lnTo>
+                  <a:pt x="3035300" y="2197100"/>
+                </a:lnTo>
+                <a:lnTo>
+                  <a:pt x="3035300" y="2044700"/>
+                </a:lnTo>
+                <a:lnTo>
+                  <a:pt x="3086100" y="2057400"/>
+                </a:lnTo>
+                <a:lnTo>
+                  <a:pt x="3086100" y="1879600"/>
+                </a:lnTo>
+                <a:lnTo>
+                  <a:pt x="3124200" y="1879600"/>
+                </a:lnTo>
+                <a:lnTo>
+                  <a:pt x="3136900" y="2057400"/>
+                </a:lnTo>
+                <a:lnTo>
+                  <a:pt x="3175000" y="2057400"/>
+                </a:lnTo>
+                <a:lnTo>
+                  <a:pt x="3175000" y="2184400"/>
+                </a:lnTo>
+                <a:lnTo>
+                  <a:pt x="3225800" y="2184400"/>
+                </a:lnTo>
+                <a:lnTo>
+                  <a:pt x="3225800" y="1511300"/>
+                </a:lnTo>
+                <a:lnTo>
+                  <a:pt x="3378200" y="1511300"/>
+                </a:lnTo>
+                <a:lnTo>
+                  <a:pt x="3378200" y="1181100"/>
+                </a:lnTo>
+                <a:lnTo>
+                  <a:pt x="3505200" y="1181100"/>
+                </a:lnTo>
+                <a:lnTo>
+                  <a:pt x="3492500" y="977900"/>
+                </a:lnTo>
+                <a:lnTo>
+                  <a:pt x="3581400" y="977900"/>
+                </a:lnTo>
+                <a:lnTo>
+                  <a:pt x="3568700" y="647700"/>
+                </a:lnTo>
+                <a:lnTo>
+                  <a:pt x="3594100" y="647700"/>
+                </a:lnTo>
+                <a:lnTo>
+                  <a:pt x="3606800" y="304800"/>
+                </a:lnTo>
+                <a:lnTo>
+                  <a:pt x="3644900" y="304800"/>
+                </a:lnTo>
+                <a:lnTo>
+                  <a:pt x="3632200" y="647700"/>
+                </a:lnTo>
+                <a:lnTo>
+                  <a:pt x="3670300" y="647700"/>
+                </a:lnTo>
+                <a:lnTo>
+                  <a:pt x="3657600" y="952500"/>
+                </a:lnTo>
+                <a:lnTo>
+                  <a:pt x="3721100" y="952500"/>
+                </a:lnTo>
+                <a:lnTo>
+                  <a:pt x="3733800" y="1168400"/>
+                </a:lnTo>
+                <a:lnTo>
+                  <a:pt x="3860800" y="1181100"/>
+                </a:lnTo>
+                <a:lnTo>
+                  <a:pt x="3860800" y="1511300"/>
+                </a:lnTo>
+                <a:lnTo>
+                  <a:pt x="4025900" y="1498600"/>
+                </a:lnTo>
+                <a:lnTo>
+                  <a:pt x="4025900" y="2895600"/>
+                </a:lnTo>
+                <a:lnTo>
+                  <a:pt x="4394200" y="2882900"/>
+                </a:lnTo>
+                <a:lnTo>
+                  <a:pt x="4381500" y="1993900"/>
+                </a:lnTo>
+                <a:lnTo>
+                  <a:pt x="4787900" y="1663700"/>
+                </a:lnTo>
+                <a:lnTo>
+                  <a:pt x="4787900" y="749300"/>
+                </a:lnTo>
+                <a:lnTo>
+                  <a:pt x="5473700" y="0"/>
+                </a:lnTo>
+                <a:lnTo>
+                  <a:pt x="5473700" y="1625600"/>
+                </a:lnTo>
+                <a:lnTo>
+                  <a:pt x="5753100" y="1625600"/>
+                </a:lnTo>
+                <a:lnTo>
+                  <a:pt x="5778500" y="1943100"/>
+                </a:lnTo>
+                <a:lnTo>
+                  <a:pt x="5905500" y="1943100"/>
+                </a:lnTo>
+                <a:lnTo>
+                  <a:pt x="5905500" y="1447800"/>
+                </a:lnTo>
+                <a:lnTo>
+                  <a:pt x="6604000" y="1447800"/>
+                </a:lnTo>
+                <a:lnTo>
+                  <a:pt x="6591300" y="1562100"/>
+                </a:lnTo>
+                <a:lnTo>
+                  <a:pt x="7188200" y="1549400"/>
+                </a:lnTo>
+                <a:cubicBezTo>
+                  <a:pt x="7181263" y="2534448"/>
+                  <a:pt x="7191295" y="3002682"/>
+                  <a:pt x="7196976" y="3002665"/>
+                </a:cubicBezTo>
+              </a:path>
+            </a:pathLst>
+          </a:custGeom>
+          <a:noFill/>
+          <a:ln>
+            <a:solidFill>
+              <a:schemeClr val="accent6"/>
+            </a:solidFill>
+          </a:ln>
+        </p:spPr>
+        <p:style>
+          <a:lnRef idx="2">
+            <a:schemeClr val="accent1">
+              <a:shade val="50000"/>
+            </a:schemeClr>
+          </a:lnRef>
+          <a:fillRef idx="1">
+            <a:schemeClr val="accent1"/>
+          </a:fillRef>
+          <a:effectRef idx="0">
+            <a:schemeClr val="accent1"/>
+          </a:effectRef>
+          <a:fontRef idx="minor">
+            <a:schemeClr val="lt1"/>
+          </a:fontRef>
+        </p:style>
+        <p:txBody>
+          <a:bodyPr rtlCol="0" anchor="ctr"/>
+          <a:lstStyle/>
+          <a:p>
+            <a:pPr algn="ctr"/>
+            <a:endParaRPr lang="ko-KR" altLang="en-US" dirty="0"/>
+          </a:p>
+        </p:txBody>
+      </p:sp>
+      <p:sp>
+        <p:nvSpPr>
+          <p:cNvPr id="12" name="Rectangle 11"/>
+          <p:cNvSpPr/>
+          <p:nvPr/>
+        </p:nvSpPr>
+        <p:spPr>
+          <a:xfrm>
+            <a:off x="6851873" y="748695"/>
+            <a:ext cx="4297971" cy="707886"/>
+          </a:xfrm>
+          <a:prstGeom prst="rect">
+            <a:avLst/>
+          </a:prstGeom>
+        </p:spPr>
+        <p:txBody>
+          <a:bodyPr wrap="none">
+            <a:spAutoFit/>
+          </a:bodyPr>
+          <a:lstStyle/>
+          <a:p>
+            <a:pPr eaLnBrk="0" fontAlgn="base" latinLnBrk="0" hangingPunct="0">
+              <a:spcBef>
+                <a:spcPct val="0"/>
+              </a:spcBef>
+              <a:spcAft>
+                <a:spcPct val="0"/>
+              </a:spcAft>
+            </a:pPr>
+            <a:r>
+              <a:rPr lang="en-US" altLang="ko-KR" sz="4000" spc="-150" dirty="0">
+                <a:solidFill>
+                  <a:schemeClr val="accent6"/>
+                </a:solidFill>
+                <a:latin typeface="+mj-lt"/>
+                <a:ea typeface="Microsoft JhengHei UI Light" panose="020B0304030504040204" pitchFamily="34" charset="-120"/>
+              </a:rPr>
+              <a:t>Dataset Information</a:t>
+            </a:r>
+            <a:endParaRPr lang="ko-KR" altLang="en-US" sz="4000" spc="-150" dirty="0">
+              <a:solidFill>
+                <a:schemeClr val="accent6"/>
+              </a:solidFill>
+              <a:latin typeface="+mj-lt"/>
+              <a:ea typeface="Microsoft JhengHei UI Light" panose="020B0304030504040204" pitchFamily="34" charset="-120"/>
+            </a:endParaRPr>
+          </a:p>
+        </p:txBody>
+      </p:sp>
+      <p:sp>
+        <p:nvSpPr>
+          <p:cNvPr id="13" name="Rectangle 98"/>
+          <p:cNvSpPr/>
+          <p:nvPr/>
+        </p:nvSpPr>
+        <p:spPr>
+          <a:xfrm>
+            <a:off x="6367231" y="5922891"/>
+            <a:ext cx="4782612" cy="397421"/>
+          </a:xfrm>
+          <a:custGeom>
+            <a:avLst/>
+            <a:gdLst>
+              <a:gd name="connsiteX0" fmla="*/ 0 w 10454205"/>
+              <a:gd name="connsiteY0" fmla="*/ 0 h 384721"/>
+              <a:gd name="connsiteX1" fmla="*/ 10454205 w 10454205"/>
+              <a:gd name="connsiteY1" fmla="*/ 0 h 384721"/>
+              <a:gd name="connsiteX2" fmla="*/ 10454205 w 10454205"/>
+              <a:gd name="connsiteY2" fmla="*/ 384721 h 384721"/>
+              <a:gd name="connsiteX3" fmla="*/ 0 w 10454205"/>
+              <a:gd name="connsiteY3" fmla="*/ 384721 h 384721"/>
+              <a:gd name="connsiteX4" fmla="*/ 0 w 10454205"/>
+              <a:gd name="connsiteY4" fmla="*/ 0 h 384721"/>
+              <a:gd name="connsiteX0" fmla="*/ 0 w 10682805"/>
+              <a:gd name="connsiteY0" fmla="*/ 12700 h 397421"/>
+              <a:gd name="connsiteX1" fmla="*/ 10682805 w 10682805"/>
+              <a:gd name="connsiteY1" fmla="*/ 0 h 397421"/>
+              <a:gd name="connsiteX2" fmla="*/ 10454205 w 10682805"/>
+              <a:gd name="connsiteY2" fmla="*/ 397421 h 397421"/>
+              <a:gd name="connsiteX3" fmla="*/ 0 w 10682805"/>
+              <a:gd name="connsiteY3" fmla="*/ 397421 h 397421"/>
+              <a:gd name="connsiteX4" fmla="*/ 0 w 10682805"/>
+              <a:gd name="connsiteY4" fmla="*/ 12700 h 397421"/>
+              <a:gd name="connsiteX0" fmla="*/ 190500 w 10873305"/>
+              <a:gd name="connsiteY0" fmla="*/ 12700 h 397421"/>
+              <a:gd name="connsiteX1" fmla="*/ 10873305 w 10873305"/>
+              <a:gd name="connsiteY1" fmla="*/ 0 h 397421"/>
+              <a:gd name="connsiteX2" fmla="*/ 10644705 w 10873305"/>
+              <a:gd name="connsiteY2" fmla="*/ 397421 h 397421"/>
+              <a:gd name="connsiteX3" fmla="*/ 0 w 10873305"/>
+              <a:gd name="connsiteY3" fmla="*/ 397421 h 397421"/>
+              <a:gd name="connsiteX4" fmla="*/ 190500 w 10873305"/>
+              <a:gd name="connsiteY4" fmla="*/ 12700 h 397421"/>
+            </a:gdLst>
+            <a:ahLst/>
+            <a:cxnLst>
+              <a:cxn ang="0">
+                <a:pos x="connsiteX0" y="connsiteY0"/>
+              </a:cxn>
+              <a:cxn ang="0">
+                <a:pos x="connsiteX1" y="connsiteY1"/>
+              </a:cxn>
+              <a:cxn ang="0">
+                <a:pos x="connsiteX2" y="connsiteY2"/>
+              </a:cxn>
+              <a:cxn ang="0">
+                <a:pos x="connsiteX3" y="connsiteY3"/>
+              </a:cxn>
+              <a:cxn ang="0">
+                <a:pos x="connsiteX4" y="connsiteY4"/>
+              </a:cxn>
+            </a:cxnLst>
+            <a:rect l="l" t="t" r="r" b="b"/>
+            <a:pathLst>
+              <a:path w="10873305" h="397421">
+                <a:moveTo>
+                  <a:pt x="190500" y="12700"/>
+                </a:moveTo>
+                <a:lnTo>
+                  <a:pt x="10873305" y="0"/>
+                </a:lnTo>
+                <a:lnTo>
+                  <a:pt x="10644705" y="397421"/>
+                </a:lnTo>
+                <a:lnTo>
+                  <a:pt x="0" y="397421"/>
+                </a:lnTo>
+                <a:lnTo>
+                  <a:pt x="190500" y="12700"/>
+                </a:lnTo>
+                <a:close/>
+              </a:path>
+            </a:pathLst>
+          </a:custGeom>
+          <a:gradFill>
+            <a:gsLst>
+              <a:gs pos="100000">
+                <a:srgbClr val="13B4DB"/>
+              </a:gs>
+              <a:gs pos="0">
+                <a:srgbClr val="78CA6D"/>
+              </a:gs>
+            </a:gsLst>
+            <a:lin ang="8400000" scaled="0"/>
+          </a:gradFill>
+          <a:ln w="38100">
+            <a:noFill/>
+          </a:ln>
+        </p:spPr>
+        <p:txBody>
+          <a:bodyPr wrap="square">
+            <a:spAutoFit/>
+          </a:bodyPr>
+          <a:lstStyle/>
+          <a:p>
+            <a:pPr algn="ctr"/>
+            <a:r>
+              <a:rPr lang="ko-KR" altLang="en-US" sz="1900" spc="-150" dirty="0">
+                <a:solidFill>
+                  <a:schemeClr val="bg1"/>
+                </a:solidFill>
+                <a:latin typeface="+mj-ea"/>
+                <a:ea typeface="+mj-ea"/>
+              </a:rPr>
+              <a:t>파생변수 추가</a:t>
+            </a:r>
+          </a:p>
+        </p:txBody>
+      </p:sp>
+    </p:spTree>
+    <p:extLst>
+      <p:ext uri="{BB962C8B-B14F-4D97-AF65-F5344CB8AC3E}">
+        <p14:creationId xmlns:p14="http://schemas.microsoft.com/office/powerpoint/2010/main" val="3396989551"/>
+      </p:ext>
+    </p:extLst>
+  </p:cSld>
+  <p:clrMapOvr>
+    <a:masterClrMapping/>
+  </p:clrMapOvr>
+</p:sld>
+</file>
+
+<file path=ppt/slides/slide5.xml><?xml version="1.0" encoding="utf-8"?>
 <p:sld xmlns:a="http://schemas.openxmlformats.org/drawingml/2006/main" xmlns:r="http://schemas.openxmlformats.org/officeDocument/2006/relationships" xmlns:p="http://schemas.openxmlformats.org/presentationml/2006/main">
   <p:cSld>
     <p:spTree>
@@ -12194,9 +15538,9 @@
         <p:grpSpPr>
           <a:xfrm>
             <a:off x="450005" y="5128643"/>
-            <a:ext cx="2448286" cy="369332"/>
+            <a:ext cx="2493729" cy="369332"/>
             <a:chOff x="1056914" y="3051841"/>
-            <a:chExt cx="2448286" cy="369332"/>
+            <a:chExt cx="2493729" cy="369332"/>
           </a:xfrm>
         </p:grpSpPr>
         <p:sp>
@@ -12320,7 +15664,7 @@
           <p:spPr>
             <a:xfrm>
               <a:off x="1394283" y="3051841"/>
-              <a:ext cx="1986441" cy="369332"/>
+              <a:ext cx="2156360" cy="369332"/>
             </a:xfrm>
             <a:prstGeom prst="rect">
               <a:avLst/>
@@ -12339,25 +15683,7 @@
                   </a:solidFill>
                   <a:latin typeface="+mn-ea"/>
                 </a:rPr>
-                <a:t>전망 변수 </a:t>
-              </a:r>
-              <a:r>
-                <a:rPr lang="en-US" altLang="ko-KR" spc="-150" dirty="0">
-                  <a:solidFill>
-                    <a:schemeClr val="bg1"/>
-                  </a:solidFill>
-                  <a:latin typeface="+mn-ea"/>
-                </a:rPr>
-                <a:t>Tidy data</a:t>
-              </a:r>
-              <a:r>
-                <a:rPr lang="ko-KR" altLang="en-US" spc="-150" dirty="0">
-                  <a:solidFill>
-                    <a:schemeClr val="bg1"/>
-                  </a:solidFill>
-                  <a:latin typeface="+mn-ea"/>
-                </a:rPr>
-                <a:t>화</a:t>
+                <a:t>전망 변수 범주형 데이터</a:t>
               </a:r>
             </a:p>
           </p:txBody>
@@ -14415,7 +17741,7 @@
 </p:sld>
 </file>
 
-<file path=ppt/slides/slide5.xml><?xml version="1.0" encoding="utf-8"?>
+<file path=ppt/slides/slide6.xml><?xml version="1.0" encoding="utf-8"?>
 <p:sld xmlns:a="http://schemas.openxmlformats.org/drawingml/2006/main" xmlns:r="http://schemas.openxmlformats.org/officeDocument/2006/relationships" xmlns:p="http://schemas.openxmlformats.org/presentationml/2006/main">
   <p:cSld>
     <p:spTree>
@@ -15955,9 +19281,9 @@
         <p:grpSpPr>
           <a:xfrm>
             <a:off x="450005" y="5128643"/>
-            <a:ext cx="2448286" cy="369332"/>
+            <a:ext cx="2493729" cy="369332"/>
             <a:chOff x="1056914" y="3051841"/>
-            <a:chExt cx="2448286" cy="369332"/>
+            <a:chExt cx="2493729" cy="369332"/>
           </a:xfrm>
         </p:grpSpPr>
         <p:sp>
@@ -16081,7 +19407,7 @@
           <p:spPr>
             <a:xfrm>
               <a:off x="1394283" y="3051841"/>
-              <a:ext cx="1986441" cy="369332"/>
+              <a:ext cx="2156360" cy="369332"/>
             </a:xfrm>
             <a:prstGeom prst="rect">
               <a:avLst/>
@@ -16100,25 +19426,7 @@
                   </a:solidFill>
                   <a:latin typeface="+mn-ea"/>
                 </a:rPr>
-                <a:t>전망 변수 </a:t>
-              </a:r>
-              <a:r>
-                <a:rPr lang="en-US" altLang="ko-KR" spc="-150" dirty="0">
-                  <a:solidFill>
-                    <a:schemeClr val="bg1"/>
-                  </a:solidFill>
-                  <a:latin typeface="+mn-ea"/>
-                </a:rPr>
-                <a:t>Tidy data</a:t>
-              </a:r>
-              <a:r>
-                <a:rPr lang="ko-KR" altLang="en-US" spc="-150" dirty="0">
-                  <a:solidFill>
-                    <a:schemeClr val="bg1"/>
-                  </a:solidFill>
-                  <a:latin typeface="+mn-ea"/>
-                </a:rPr>
-                <a:t>화</a:t>
+                <a:t>전망 변수 범주형 데이터</a:t>
               </a:r>
             </a:p>
           </p:txBody>
@@ -18239,7 +21547,7 @@
 </p:sld>
 </file>
 
-<file path=ppt/slides/slide6.xml><?xml version="1.0" encoding="utf-8"?>
+<file path=ppt/slides/slide7.xml><?xml version="1.0" encoding="utf-8"?>
 <p:sld xmlns:a="http://schemas.openxmlformats.org/drawingml/2006/main" xmlns:r="http://schemas.openxmlformats.org/officeDocument/2006/relationships" xmlns:p="http://schemas.openxmlformats.org/presentationml/2006/main">
   <p:cSld>
     <p:spTree>
@@ -18256,6 +21564,1373 @@
           <a:chExt cx="0" cy="0"/>
         </a:xfrm>
       </p:grpSpPr>
+      <p:sp>
+        <p:nvSpPr>
+          <p:cNvPr id="2" name="Freeform 1"/>
+          <p:cNvSpPr/>
+          <p:nvPr/>
+        </p:nvSpPr>
+        <p:spPr>
+          <a:xfrm>
+            <a:off x="5997386" y="365340"/>
+            <a:ext cx="1764300" cy="1028700"/>
+          </a:xfrm>
+          <a:custGeom>
+            <a:avLst/>
+            <a:gdLst>
+              <a:gd name="connsiteX0" fmla="*/ 0 w 7188200"/>
+              <a:gd name="connsiteY0" fmla="*/ 2857500 h 2895600"/>
+              <a:gd name="connsiteX1" fmla="*/ 368300 w 7188200"/>
+              <a:gd name="connsiteY1" fmla="*/ 2870200 h 2895600"/>
+              <a:gd name="connsiteX2" fmla="*/ 368300 w 7188200"/>
+              <a:gd name="connsiteY2" fmla="*/ 1955800 h 2895600"/>
+              <a:gd name="connsiteX3" fmla="*/ 774700 w 7188200"/>
+              <a:gd name="connsiteY3" fmla="*/ 2349500 h 2895600"/>
+              <a:gd name="connsiteX4" fmla="*/ 774700 w 7188200"/>
+              <a:gd name="connsiteY4" fmla="*/ 2628900 h 2895600"/>
+              <a:gd name="connsiteX5" fmla="*/ 1079500 w 7188200"/>
+              <a:gd name="connsiteY5" fmla="*/ 2628900 h 2895600"/>
+              <a:gd name="connsiteX6" fmla="*/ 1066800 w 7188200"/>
+              <a:gd name="connsiteY6" fmla="*/ 2413000 h 2895600"/>
+              <a:gd name="connsiteX7" fmla="*/ 1143000 w 7188200"/>
+              <a:gd name="connsiteY7" fmla="*/ 2413000 h 2895600"/>
+              <a:gd name="connsiteX8" fmla="*/ 1155700 w 7188200"/>
+              <a:gd name="connsiteY8" fmla="*/ 2197100 h 2895600"/>
+              <a:gd name="connsiteX9" fmla="*/ 1219200 w 7188200"/>
+              <a:gd name="connsiteY9" fmla="*/ 2197100 h 2895600"/>
+              <a:gd name="connsiteX10" fmla="*/ 1206500 w 7188200"/>
+              <a:gd name="connsiteY10" fmla="*/ 2057400 h 2895600"/>
+              <a:gd name="connsiteX11" fmla="*/ 1333500 w 7188200"/>
+              <a:gd name="connsiteY11" fmla="*/ 2032000 h 2895600"/>
+              <a:gd name="connsiteX12" fmla="*/ 1320800 w 7188200"/>
+              <a:gd name="connsiteY12" fmla="*/ 2184400 h 2895600"/>
+              <a:gd name="connsiteX13" fmla="*/ 1397000 w 7188200"/>
+              <a:gd name="connsiteY13" fmla="*/ 2184400 h 2895600"/>
+              <a:gd name="connsiteX14" fmla="*/ 1397000 w 7188200"/>
+              <a:gd name="connsiteY14" fmla="*/ 2400300 h 2895600"/>
+              <a:gd name="connsiteX15" fmla="*/ 1473200 w 7188200"/>
+              <a:gd name="connsiteY15" fmla="*/ 2400300 h 2895600"/>
+              <a:gd name="connsiteX16" fmla="*/ 1473200 w 7188200"/>
+              <a:gd name="connsiteY16" fmla="*/ 2895600 h 2895600"/>
+              <a:gd name="connsiteX17" fmla="*/ 1562100 w 7188200"/>
+              <a:gd name="connsiteY17" fmla="*/ 2895600 h 2895600"/>
+              <a:gd name="connsiteX18" fmla="*/ 1574800 w 7188200"/>
+              <a:gd name="connsiteY18" fmla="*/ 2133600 h 2895600"/>
+              <a:gd name="connsiteX19" fmla="*/ 1981200 w 7188200"/>
+              <a:gd name="connsiteY19" fmla="*/ 1651000 h 2895600"/>
+              <a:gd name="connsiteX20" fmla="*/ 1968500 w 7188200"/>
+              <a:gd name="connsiteY20" fmla="*/ 2882900 h 2895600"/>
+              <a:gd name="connsiteX21" fmla="*/ 2108200 w 7188200"/>
+              <a:gd name="connsiteY21" fmla="*/ 2895600 h 2895600"/>
+              <a:gd name="connsiteX22" fmla="*/ 2082800 w 7188200"/>
+              <a:gd name="connsiteY22" fmla="*/ 1676400 h 2895600"/>
+              <a:gd name="connsiteX23" fmla="*/ 2197100 w 7188200"/>
+              <a:gd name="connsiteY23" fmla="*/ 1676400 h 2895600"/>
+              <a:gd name="connsiteX24" fmla="*/ 2222500 w 7188200"/>
+              <a:gd name="connsiteY24" fmla="*/ 1346200 h 2895600"/>
+              <a:gd name="connsiteX25" fmla="*/ 2311400 w 7188200"/>
+              <a:gd name="connsiteY25" fmla="*/ 1346200 h 2895600"/>
+              <a:gd name="connsiteX26" fmla="*/ 2311400 w 7188200"/>
+              <a:gd name="connsiteY26" fmla="*/ 1143000 h 2895600"/>
+              <a:gd name="connsiteX27" fmla="*/ 2501900 w 7188200"/>
+              <a:gd name="connsiteY27" fmla="*/ 1130300 h 2895600"/>
+              <a:gd name="connsiteX28" fmla="*/ 2489200 w 7188200"/>
+              <a:gd name="connsiteY28" fmla="*/ 1346200 h 2895600"/>
+              <a:gd name="connsiteX29" fmla="*/ 2590800 w 7188200"/>
+              <a:gd name="connsiteY29" fmla="*/ 1346200 h 2895600"/>
+              <a:gd name="connsiteX30" fmla="*/ 2578100 w 7188200"/>
+              <a:gd name="connsiteY30" fmla="*/ 1651000 h 2895600"/>
+              <a:gd name="connsiteX31" fmla="*/ 2717800 w 7188200"/>
+              <a:gd name="connsiteY31" fmla="*/ 1625600 h 2895600"/>
+              <a:gd name="connsiteX32" fmla="*/ 2692400 w 7188200"/>
+              <a:gd name="connsiteY32" fmla="*/ 2540000 h 2895600"/>
+              <a:gd name="connsiteX33" fmla="*/ 2895600 w 7188200"/>
+              <a:gd name="connsiteY33" fmla="*/ 2565400 h 2895600"/>
+              <a:gd name="connsiteX34" fmla="*/ 2895600 w 7188200"/>
+              <a:gd name="connsiteY34" fmla="*/ 2400300 h 2895600"/>
+              <a:gd name="connsiteX35" fmla="*/ 2997200 w 7188200"/>
+              <a:gd name="connsiteY35" fmla="*/ 2400300 h 2895600"/>
+              <a:gd name="connsiteX36" fmla="*/ 2984500 w 7188200"/>
+              <a:gd name="connsiteY36" fmla="*/ 2197100 h 2895600"/>
+              <a:gd name="connsiteX37" fmla="*/ 3035300 w 7188200"/>
+              <a:gd name="connsiteY37" fmla="*/ 2197100 h 2895600"/>
+              <a:gd name="connsiteX38" fmla="*/ 3035300 w 7188200"/>
+              <a:gd name="connsiteY38" fmla="*/ 2044700 h 2895600"/>
+              <a:gd name="connsiteX39" fmla="*/ 3086100 w 7188200"/>
+              <a:gd name="connsiteY39" fmla="*/ 2057400 h 2895600"/>
+              <a:gd name="connsiteX40" fmla="*/ 3086100 w 7188200"/>
+              <a:gd name="connsiteY40" fmla="*/ 1879600 h 2895600"/>
+              <a:gd name="connsiteX41" fmla="*/ 3124200 w 7188200"/>
+              <a:gd name="connsiteY41" fmla="*/ 1879600 h 2895600"/>
+              <a:gd name="connsiteX42" fmla="*/ 3136900 w 7188200"/>
+              <a:gd name="connsiteY42" fmla="*/ 2057400 h 2895600"/>
+              <a:gd name="connsiteX43" fmla="*/ 3175000 w 7188200"/>
+              <a:gd name="connsiteY43" fmla="*/ 2057400 h 2895600"/>
+              <a:gd name="connsiteX44" fmla="*/ 3175000 w 7188200"/>
+              <a:gd name="connsiteY44" fmla="*/ 2184400 h 2895600"/>
+              <a:gd name="connsiteX45" fmla="*/ 3225800 w 7188200"/>
+              <a:gd name="connsiteY45" fmla="*/ 2184400 h 2895600"/>
+              <a:gd name="connsiteX46" fmla="*/ 3225800 w 7188200"/>
+              <a:gd name="connsiteY46" fmla="*/ 1511300 h 2895600"/>
+              <a:gd name="connsiteX47" fmla="*/ 3378200 w 7188200"/>
+              <a:gd name="connsiteY47" fmla="*/ 1511300 h 2895600"/>
+              <a:gd name="connsiteX48" fmla="*/ 3378200 w 7188200"/>
+              <a:gd name="connsiteY48" fmla="*/ 1181100 h 2895600"/>
+              <a:gd name="connsiteX49" fmla="*/ 3505200 w 7188200"/>
+              <a:gd name="connsiteY49" fmla="*/ 1181100 h 2895600"/>
+              <a:gd name="connsiteX50" fmla="*/ 3492500 w 7188200"/>
+              <a:gd name="connsiteY50" fmla="*/ 977900 h 2895600"/>
+              <a:gd name="connsiteX51" fmla="*/ 3581400 w 7188200"/>
+              <a:gd name="connsiteY51" fmla="*/ 977900 h 2895600"/>
+              <a:gd name="connsiteX52" fmla="*/ 3568700 w 7188200"/>
+              <a:gd name="connsiteY52" fmla="*/ 647700 h 2895600"/>
+              <a:gd name="connsiteX53" fmla="*/ 3594100 w 7188200"/>
+              <a:gd name="connsiteY53" fmla="*/ 647700 h 2895600"/>
+              <a:gd name="connsiteX54" fmla="*/ 3606800 w 7188200"/>
+              <a:gd name="connsiteY54" fmla="*/ 304800 h 2895600"/>
+              <a:gd name="connsiteX55" fmla="*/ 3644900 w 7188200"/>
+              <a:gd name="connsiteY55" fmla="*/ 304800 h 2895600"/>
+              <a:gd name="connsiteX56" fmla="*/ 3632200 w 7188200"/>
+              <a:gd name="connsiteY56" fmla="*/ 647700 h 2895600"/>
+              <a:gd name="connsiteX57" fmla="*/ 3670300 w 7188200"/>
+              <a:gd name="connsiteY57" fmla="*/ 647700 h 2895600"/>
+              <a:gd name="connsiteX58" fmla="*/ 3657600 w 7188200"/>
+              <a:gd name="connsiteY58" fmla="*/ 952500 h 2895600"/>
+              <a:gd name="connsiteX59" fmla="*/ 3721100 w 7188200"/>
+              <a:gd name="connsiteY59" fmla="*/ 952500 h 2895600"/>
+              <a:gd name="connsiteX60" fmla="*/ 3733800 w 7188200"/>
+              <a:gd name="connsiteY60" fmla="*/ 1168400 h 2895600"/>
+              <a:gd name="connsiteX61" fmla="*/ 3860800 w 7188200"/>
+              <a:gd name="connsiteY61" fmla="*/ 1181100 h 2895600"/>
+              <a:gd name="connsiteX62" fmla="*/ 3860800 w 7188200"/>
+              <a:gd name="connsiteY62" fmla="*/ 1511300 h 2895600"/>
+              <a:gd name="connsiteX63" fmla="*/ 4025900 w 7188200"/>
+              <a:gd name="connsiteY63" fmla="*/ 1498600 h 2895600"/>
+              <a:gd name="connsiteX64" fmla="*/ 4025900 w 7188200"/>
+              <a:gd name="connsiteY64" fmla="*/ 2895600 h 2895600"/>
+              <a:gd name="connsiteX65" fmla="*/ 4394200 w 7188200"/>
+              <a:gd name="connsiteY65" fmla="*/ 2882900 h 2895600"/>
+              <a:gd name="connsiteX66" fmla="*/ 4381500 w 7188200"/>
+              <a:gd name="connsiteY66" fmla="*/ 1993900 h 2895600"/>
+              <a:gd name="connsiteX67" fmla="*/ 4787900 w 7188200"/>
+              <a:gd name="connsiteY67" fmla="*/ 1663700 h 2895600"/>
+              <a:gd name="connsiteX68" fmla="*/ 4787900 w 7188200"/>
+              <a:gd name="connsiteY68" fmla="*/ 749300 h 2895600"/>
+              <a:gd name="connsiteX69" fmla="*/ 5473700 w 7188200"/>
+              <a:gd name="connsiteY69" fmla="*/ 0 h 2895600"/>
+              <a:gd name="connsiteX70" fmla="*/ 5473700 w 7188200"/>
+              <a:gd name="connsiteY70" fmla="*/ 1625600 h 2895600"/>
+              <a:gd name="connsiteX71" fmla="*/ 5753100 w 7188200"/>
+              <a:gd name="connsiteY71" fmla="*/ 1625600 h 2895600"/>
+              <a:gd name="connsiteX72" fmla="*/ 5778500 w 7188200"/>
+              <a:gd name="connsiteY72" fmla="*/ 1943100 h 2895600"/>
+              <a:gd name="connsiteX73" fmla="*/ 5905500 w 7188200"/>
+              <a:gd name="connsiteY73" fmla="*/ 1943100 h 2895600"/>
+              <a:gd name="connsiteX74" fmla="*/ 5905500 w 7188200"/>
+              <a:gd name="connsiteY74" fmla="*/ 1447800 h 2895600"/>
+              <a:gd name="connsiteX75" fmla="*/ 6604000 w 7188200"/>
+              <a:gd name="connsiteY75" fmla="*/ 1447800 h 2895600"/>
+              <a:gd name="connsiteX76" fmla="*/ 6591300 w 7188200"/>
+              <a:gd name="connsiteY76" fmla="*/ 1562100 h 2895600"/>
+              <a:gd name="connsiteX77" fmla="*/ 7188200 w 7188200"/>
+              <a:gd name="connsiteY77" fmla="*/ 1549400 h 2895600"/>
+              <a:gd name="connsiteX0" fmla="*/ 0 w 7188200"/>
+              <a:gd name="connsiteY0" fmla="*/ 2857500 h 2895600"/>
+              <a:gd name="connsiteX1" fmla="*/ 368300 w 7188200"/>
+              <a:gd name="connsiteY1" fmla="*/ 2870200 h 2895600"/>
+              <a:gd name="connsiteX2" fmla="*/ 368300 w 7188200"/>
+              <a:gd name="connsiteY2" fmla="*/ 1955800 h 2895600"/>
+              <a:gd name="connsiteX3" fmla="*/ 774700 w 7188200"/>
+              <a:gd name="connsiteY3" fmla="*/ 2349500 h 2895600"/>
+              <a:gd name="connsiteX4" fmla="*/ 774700 w 7188200"/>
+              <a:gd name="connsiteY4" fmla="*/ 2628900 h 2895600"/>
+              <a:gd name="connsiteX5" fmla="*/ 1079500 w 7188200"/>
+              <a:gd name="connsiteY5" fmla="*/ 2628900 h 2895600"/>
+              <a:gd name="connsiteX6" fmla="*/ 1066800 w 7188200"/>
+              <a:gd name="connsiteY6" fmla="*/ 2413000 h 2895600"/>
+              <a:gd name="connsiteX7" fmla="*/ 1143000 w 7188200"/>
+              <a:gd name="connsiteY7" fmla="*/ 2413000 h 2895600"/>
+              <a:gd name="connsiteX8" fmla="*/ 1155700 w 7188200"/>
+              <a:gd name="connsiteY8" fmla="*/ 2197100 h 2895600"/>
+              <a:gd name="connsiteX9" fmla="*/ 1219200 w 7188200"/>
+              <a:gd name="connsiteY9" fmla="*/ 2197100 h 2895600"/>
+              <a:gd name="connsiteX10" fmla="*/ 1206500 w 7188200"/>
+              <a:gd name="connsiteY10" fmla="*/ 2057400 h 2895600"/>
+              <a:gd name="connsiteX11" fmla="*/ 1333500 w 7188200"/>
+              <a:gd name="connsiteY11" fmla="*/ 2032000 h 2895600"/>
+              <a:gd name="connsiteX12" fmla="*/ 1320800 w 7188200"/>
+              <a:gd name="connsiteY12" fmla="*/ 2184400 h 2895600"/>
+              <a:gd name="connsiteX13" fmla="*/ 1397000 w 7188200"/>
+              <a:gd name="connsiteY13" fmla="*/ 2184400 h 2895600"/>
+              <a:gd name="connsiteX14" fmla="*/ 1397000 w 7188200"/>
+              <a:gd name="connsiteY14" fmla="*/ 2400300 h 2895600"/>
+              <a:gd name="connsiteX15" fmla="*/ 1473200 w 7188200"/>
+              <a:gd name="connsiteY15" fmla="*/ 2400300 h 2895600"/>
+              <a:gd name="connsiteX16" fmla="*/ 1473200 w 7188200"/>
+              <a:gd name="connsiteY16" fmla="*/ 2895600 h 2895600"/>
+              <a:gd name="connsiteX17" fmla="*/ 1562100 w 7188200"/>
+              <a:gd name="connsiteY17" fmla="*/ 2895600 h 2895600"/>
+              <a:gd name="connsiteX18" fmla="*/ 1574800 w 7188200"/>
+              <a:gd name="connsiteY18" fmla="*/ 2133600 h 2895600"/>
+              <a:gd name="connsiteX19" fmla="*/ 1981200 w 7188200"/>
+              <a:gd name="connsiteY19" fmla="*/ 1651000 h 2895600"/>
+              <a:gd name="connsiteX20" fmla="*/ 1968500 w 7188200"/>
+              <a:gd name="connsiteY20" fmla="*/ 2882900 h 2895600"/>
+              <a:gd name="connsiteX21" fmla="*/ 2108200 w 7188200"/>
+              <a:gd name="connsiteY21" fmla="*/ 2895600 h 2895600"/>
+              <a:gd name="connsiteX22" fmla="*/ 2082800 w 7188200"/>
+              <a:gd name="connsiteY22" fmla="*/ 1676400 h 2895600"/>
+              <a:gd name="connsiteX23" fmla="*/ 2197100 w 7188200"/>
+              <a:gd name="connsiteY23" fmla="*/ 1676400 h 2895600"/>
+              <a:gd name="connsiteX24" fmla="*/ 2222500 w 7188200"/>
+              <a:gd name="connsiteY24" fmla="*/ 1346200 h 2895600"/>
+              <a:gd name="connsiteX25" fmla="*/ 2311400 w 7188200"/>
+              <a:gd name="connsiteY25" fmla="*/ 1346200 h 2895600"/>
+              <a:gd name="connsiteX26" fmla="*/ 2311400 w 7188200"/>
+              <a:gd name="connsiteY26" fmla="*/ 1143000 h 2895600"/>
+              <a:gd name="connsiteX27" fmla="*/ 2501900 w 7188200"/>
+              <a:gd name="connsiteY27" fmla="*/ 1130300 h 2895600"/>
+              <a:gd name="connsiteX28" fmla="*/ 2489200 w 7188200"/>
+              <a:gd name="connsiteY28" fmla="*/ 1346200 h 2895600"/>
+              <a:gd name="connsiteX29" fmla="*/ 2590800 w 7188200"/>
+              <a:gd name="connsiteY29" fmla="*/ 1346200 h 2895600"/>
+              <a:gd name="connsiteX30" fmla="*/ 2578100 w 7188200"/>
+              <a:gd name="connsiteY30" fmla="*/ 1651000 h 2895600"/>
+              <a:gd name="connsiteX31" fmla="*/ 2717800 w 7188200"/>
+              <a:gd name="connsiteY31" fmla="*/ 1625600 h 2895600"/>
+              <a:gd name="connsiteX32" fmla="*/ 2692400 w 7188200"/>
+              <a:gd name="connsiteY32" fmla="*/ 2540000 h 2895600"/>
+              <a:gd name="connsiteX33" fmla="*/ 2895600 w 7188200"/>
+              <a:gd name="connsiteY33" fmla="*/ 2565400 h 2895600"/>
+              <a:gd name="connsiteX34" fmla="*/ 2895600 w 7188200"/>
+              <a:gd name="connsiteY34" fmla="*/ 2400300 h 2895600"/>
+              <a:gd name="connsiteX35" fmla="*/ 2997200 w 7188200"/>
+              <a:gd name="connsiteY35" fmla="*/ 2400300 h 2895600"/>
+              <a:gd name="connsiteX36" fmla="*/ 2984500 w 7188200"/>
+              <a:gd name="connsiteY36" fmla="*/ 2197100 h 2895600"/>
+              <a:gd name="connsiteX37" fmla="*/ 3035300 w 7188200"/>
+              <a:gd name="connsiteY37" fmla="*/ 2197100 h 2895600"/>
+              <a:gd name="connsiteX38" fmla="*/ 3035300 w 7188200"/>
+              <a:gd name="connsiteY38" fmla="*/ 2044700 h 2895600"/>
+              <a:gd name="connsiteX39" fmla="*/ 3086100 w 7188200"/>
+              <a:gd name="connsiteY39" fmla="*/ 2057400 h 2895600"/>
+              <a:gd name="connsiteX40" fmla="*/ 3086100 w 7188200"/>
+              <a:gd name="connsiteY40" fmla="*/ 1879600 h 2895600"/>
+              <a:gd name="connsiteX41" fmla="*/ 3124200 w 7188200"/>
+              <a:gd name="connsiteY41" fmla="*/ 1879600 h 2895600"/>
+              <a:gd name="connsiteX42" fmla="*/ 3136900 w 7188200"/>
+              <a:gd name="connsiteY42" fmla="*/ 2057400 h 2895600"/>
+              <a:gd name="connsiteX43" fmla="*/ 3175000 w 7188200"/>
+              <a:gd name="connsiteY43" fmla="*/ 2057400 h 2895600"/>
+              <a:gd name="connsiteX44" fmla="*/ 3175000 w 7188200"/>
+              <a:gd name="connsiteY44" fmla="*/ 2184400 h 2895600"/>
+              <a:gd name="connsiteX45" fmla="*/ 3225800 w 7188200"/>
+              <a:gd name="connsiteY45" fmla="*/ 2184400 h 2895600"/>
+              <a:gd name="connsiteX46" fmla="*/ 3225800 w 7188200"/>
+              <a:gd name="connsiteY46" fmla="*/ 1511300 h 2895600"/>
+              <a:gd name="connsiteX47" fmla="*/ 3378200 w 7188200"/>
+              <a:gd name="connsiteY47" fmla="*/ 1511300 h 2895600"/>
+              <a:gd name="connsiteX48" fmla="*/ 3378200 w 7188200"/>
+              <a:gd name="connsiteY48" fmla="*/ 1181100 h 2895600"/>
+              <a:gd name="connsiteX49" fmla="*/ 3505200 w 7188200"/>
+              <a:gd name="connsiteY49" fmla="*/ 1181100 h 2895600"/>
+              <a:gd name="connsiteX50" fmla="*/ 3492500 w 7188200"/>
+              <a:gd name="connsiteY50" fmla="*/ 977900 h 2895600"/>
+              <a:gd name="connsiteX51" fmla="*/ 3581400 w 7188200"/>
+              <a:gd name="connsiteY51" fmla="*/ 977900 h 2895600"/>
+              <a:gd name="connsiteX52" fmla="*/ 3568700 w 7188200"/>
+              <a:gd name="connsiteY52" fmla="*/ 647700 h 2895600"/>
+              <a:gd name="connsiteX53" fmla="*/ 3594100 w 7188200"/>
+              <a:gd name="connsiteY53" fmla="*/ 647700 h 2895600"/>
+              <a:gd name="connsiteX54" fmla="*/ 3606800 w 7188200"/>
+              <a:gd name="connsiteY54" fmla="*/ 304800 h 2895600"/>
+              <a:gd name="connsiteX55" fmla="*/ 3644900 w 7188200"/>
+              <a:gd name="connsiteY55" fmla="*/ 304800 h 2895600"/>
+              <a:gd name="connsiteX56" fmla="*/ 3632200 w 7188200"/>
+              <a:gd name="connsiteY56" fmla="*/ 647700 h 2895600"/>
+              <a:gd name="connsiteX57" fmla="*/ 3670300 w 7188200"/>
+              <a:gd name="connsiteY57" fmla="*/ 647700 h 2895600"/>
+              <a:gd name="connsiteX58" fmla="*/ 3657600 w 7188200"/>
+              <a:gd name="connsiteY58" fmla="*/ 952500 h 2895600"/>
+              <a:gd name="connsiteX59" fmla="*/ 3721100 w 7188200"/>
+              <a:gd name="connsiteY59" fmla="*/ 952500 h 2895600"/>
+              <a:gd name="connsiteX60" fmla="*/ 3733800 w 7188200"/>
+              <a:gd name="connsiteY60" fmla="*/ 1168400 h 2895600"/>
+              <a:gd name="connsiteX61" fmla="*/ 3860800 w 7188200"/>
+              <a:gd name="connsiteY61" fmla="*/ 1181100 h 2895600"/>
+              <a:gd name="connsiteX62" fmla="*/ 3860800 w 7188200"/>
+              <a:gd name="connsiteY62" fmla="*/ 1511300 h 2895600"/>
+              <a:gd name="connsiteX63" fmla="*/ 4025900 w 7188200"/>
+              <a:gd name="connsiteY63" fmla="*/ 1498600 h 2895600"/>
+              <a:gd name="connsiteX64" fmla="*/ 4025900 w 7188200"/>
+              <a:gd name="connsiteY64" fmla="*/ 2895600 h 2895600"/>
+              <a:gd name="connsiteX65" fmla="*/ 4394200 w 7188200"/>
+              <a:gd name="connsiteY65" fmla="*/ 2882900 h 2895600"/>
+              <a:gd name="connsiteX66" fmla="*/ 4381500 w 7188200"/>
+              <a:gd name="connsiteY66" fmla="*/ 1993900 h 2895600"/>
+              <a:gd name="connsiteX67" fmla="*/ 4787900 w 7188200"/>
+              <a:gd name="connsiteY67" fmla="*/ 1663700 h 2895600"/>
+              <a:gd name="connsiteX68" fmla="*/ 4787900 w 7188200"/>
+              <a:gd name="connsiteY68" fmla="*/ 749300 h 2895600"/>
+              <a:gd name="connsiteX69" fmla="*/ 5473700 w 7188200"/>
+              <a:gd name="connsiteY69" fmla="*/ 0 h 2895600"/>
+              <a:gd name="connsiteX70" fmla="*/ 5473700 w 7188200"/>
+              <a:gd name="connsiteY70" fmla="*/ 1625600 h 2895600"/>
+              <a:gd name="connsiteX71" fmla="*/ 5753100 w 7188200"/>
+              <a:gd name="connsiteY71" fmla="*/ 1625600 h 2895600"/>
+              <a:gd name="connsiteX72" fmla="*/ 5778500 w 7188200"/>
+              <a:gd name="connsiteY72" fmla="*/ 1943100 h 2895600"/>
+              <a:gd name="connsiteX73" fmla="*/ 5905500 w 7188200"/>
+              <a:gd name="connsiteY73" fmla="*/ 1943100 h 2895600"/>
+              <a:gd name="connsiteX74" fmla="*/ 5905500 w 7188200"/>
+              <a:gd name="connsiteY74" fmla="*/ 1447800 h 2895600"/>
+              <a:gd name="connsiteX75" fmla="*/ 6604000 w 7188200"/>
+              <a:gd name="connsiteY75" fmla="*/ 1447800 h 2895600"/>
+              <a:gd name="connsiteX76" fmla="*/ 6591300 w 7188200"/>
+              <a:gd name="connsiteY76" fmla="*/ 1562100 h 2895600"/>
+              <a:gd name="connsiteX77" fmla="*/ 7188200 w 7188200"/>
+              <a:gd name="connsiteY77" fmla="*/ 1549400 h 2895600"/>
+              <a:gd name="connsiteX0" fmla="*/ 0 w 7241117"/>
+              <a:gd name="connsiteY0" fmla="*/ 2857500 h 2895600"/>
+              <a:gd name="connsiteX1" fmla="*/ 368300 w 7241117"/>
+              <a:gd name="connsiteY1" fmla="*/ 2870200 h 2895600"/>
+              <a:gd name="connsiteX2" fmla="*/ 368300 w 7241117"/>
+              <a:gd name="connsiteY2" fmla="*/ 1955800 h 2895600"/>
+              <a:gd name="connsiteX3" fmla="*/ 774700 w 7241117"/>
+              <a:gd name="connsiteY3" fmla="*/ 2349500 h 2895600"/>
+              <a:gd name="connsiteX4" fmla="*/ 774700 w 7241117"/>
+              <a:gd name="connsiteY4" fmla="*/ 2628900 h 2895600"/>
+              <a:gd name="connsiteX5" fmla="*/ 1079500 w 7241117"/>
+              <a:gd name="connsiteY5" fmla="*/ 2628900 h 2895600"/>
+              <a:gd name="connsiteX6" fmla="*/ 1066800 w 7241117"/>
+              <a:gd name="connsiteY6" fmla="*/ 2413000 h 2895600"/>
+              <a:gd name="connsiteX7" fmla="*/ 1143000 w 7241117"/>
+              <a:gd name="connsiteY7" fmla="*/ 2413000 h 2895600"/>
+              <a:gd name="connsiteX8" fmla="*/ 1155700 w 7241117"/>
+              <a:gd name="connsiteY8" fmla="*/ 2197100 h 2895600"/>
+              <a:gd name="connsiteX9" fmla="*/ 1219200 w 7241117"/>
+              <a:gd name="connsiteY9" fmla="*/ 2197100 h 2895600"/>
+              <a:gd name="connsiteX10" fmla="*/ 1206500 w 7241117"/>
+              <a:gd name="connsiteY10" fmla="*/ 2057400 h 2895600"/>
+              <a:gd name="connsiteX11" fmla="*/ 1333500 w 7241117"/>
+              <a:gd name="connsiteY11" fmla="*/ 2032000 h 2895600"/>
+              <a:gd name="connsiteX12" fmla="*/ 1320800 w 7241117"/>
+              <a:gd name="connsiteY12" fmla="*/ 2184400 h 2895600"/>
+              <a:gd name="connsiteX13" fmla="*/ 1397000 w 7241117"/>
+              <a:gd name="connsiteY13" fmla="*/ 2184400 h 2895600"/>
+              <a:gd name="connsiteX14" fmla="*/ 1397000 w 7241117"/>
+              <a:gd name="connsiteY14" fmla="*/ 2400300 h 2895600"/>
+              <a:gd name="connsiteX15" fmla="*/ 1473200 w 7241117"/>
+              <a:gd name="connsiteY15" fmla="*/ 2400300 h 2895600"/>
+              <a:gd name="connsiteX16" fmla="*/ 1473200 w 7241117"/>
+              <a:gd name="connsiteY16" fmla="*/ 2895600 h 2895600"/>
+              <a:gd name="connsiteX17" fmla="*/ 1562100 w 7241117"/>
+              <a:gd name="connsiteY17" fmla="*/ 2895600 h 2895600"/>
+              <a:gd name="connsiteX18" fmla="*/ 1574800 w 7241117"/>
+              <a:gd name="connsiteY18" fmla="*/ 2133600 h 2895600"/>
+              <a:gd name="connsiteX19" fmla="*/ 1981200 w 7241117"/>
+              <a:gd name="connsiteY19" fmla="*/ 1651000 h 2895600"/>
+              <a:gd name="connsiteX20" fmla="*/ 1968500 w 7241117"/>
+              <a:gd name="connsiteY20" fmla="*/ 2882900 h 2895600"/>
+              <a:gd name="connsiteX21" fmla="*/ 2108200 w 7241117"/>
+              <a:gd name="connsiteY21" fmla="*/ 2895600 h 2895600"/>
+              <a:gd name="connsiteX22" fmla="*/ 2082800 w 7241117"/>
+              <a:gd name="connsiteY22" fmla="*/ 1676400 h 2895600"/>
+              <a:gd name="connsiteX23" fmla="*/ 2197100 w 7241117"/>
+              <a:gd name="connsiteY23" fmla="*/ 1676400 h 2895600"/>
+              <a:gd name="connsiteX24" fmla="*/ 2222500 w 7241117"/>
+              <a:gd name="connsiteY24" fmla="*/ 1346200 h 2895600"/>
+              <a:gd name="connsiteX25" fmla="*/ 2311400 w 7241117"/>
+              <a:gd name="connsiteY25" fmla="*/ 1346200 h 2895600"/>
+              <a:gd name="connsiteX26" fmla="*/ 2311400 w 7241117"/>
+              <a:gd name="connsiteY26" fmla="*/ 1143000 h 2895600"/>
+              <a:gd name="connsiteX27" fmla="*/ 2501900 w 7241117"/>
+              <a:gd name="connsiteY27" fmla="*/ 1130300 h 2895600"/>
+              <a:gd name="connsiteX28" fmla="*/ 2489200 w 7241117"/>
+              <a:gd name="connsiteY28" fmla="*/ 1346200 h 2895600"/>
+              <a:gd name="connsiteX29" fmla="*/ 2590800 w 7241117"/>
+              <a:gd name="connsiteY29" fmla="*/ 1346200 h 2895600"/>
+              <a:gd name="connsiteX30" fmla="*/ 2578100 w 7241117"/>
+              <a:gd name="connsiteY30" fmla="*/ 1651000 h 2895600"/>
+              <a:gd name="connsiteX31" fmla="*/ 2717800 w 7241117"/>
+              <a:gd name="connsiteY31" fmla="*/ 1625600 h 2895600"/>
+              <a:gd name="connsiteX32" fmla="*/ 2692400 w 7241117"/>
+              <a:gd name="connsiteY32" fmla="*/ 2540000 h 2895600"/>
+              <a:gd name="connsiteX33" fmla="*/ 2895600 w 7241117"/>
+              <a:gd name="connsiteY33" fmla="*/ 2565400 h 2895600"/>
+              <a:gd name="connsiteX34" fmla="*/ 2895600 w 7241117"/>
+              <a:gd name="connsiteY34" fmla="*/ 2400300 h 2895600"/>
+              <a:gd name="connsiteX35" fmla="*/ 2997200 w 7241117"/>
+              <a:gd name="connsiteY35" fmla="*/ 2400300 h 2895600"/>
+              <a:gd name="connsiteX36" fmla="*/ 2984500 w 7241117"/>
+              <a:gd name="connsiteY36" fmla="*/ 2197100 h 2895600"/>
+              <a:gd name="connsiteX37" fmla="*/ 3035300 w 7241117"/>
+              <a:gd name="connsiteY37" fmla="*/ 2197100 h 2895600"/>
+              <a:gd name="connsiteX38" fmla="*/ 3035300 w 7241117"/>
+              <a:gd name="connsiteY38" fmla="*/ 2044700 h 2895600"/>
+              <a:gd name="connsiteX39" fmla="*/ 3086100 w 7241117"/>
+              <a:gd name="connsiteY39" fmla="*/ 2057400 h 2895600"/>
+              <a:gd name="connsiteX40" fmla="*/ 3086100 w 7241117"/>
+              <a:gd name="connsiteY40" fmla="*/ 1879600 h 2895600"/>
+              <a:gd name="connsiteX41" fmla="*/ 3124200 w 7241117"/>
+              <a:gd name="connsiteY41" fmla="*/ 1879600 h 2895600"/>
+              <a:gd name="connsiteX42" fmla="*/ 3136900 w 7241117"/>
+              <a:gd name="connsiteY42" fmla="*/ 2057400 h 2895600"/>
+              <a:gd name="connsiteX43" fmla="*/ 3175000 w 7241117"/>
+              <a:gd name="connsiteY43" fmla="*/ 2057400 h 2895600"/>
+              <a:gd name="connsiteX44" fmla="*/ 3175000 w 7241117"/>
+              <a:gd name="connsiteY44" fmla="*/ 2184400 h 2895600"/>
+              <a:gd name="connsiteX45" fmla="*/ 3225800 w 7241117"/>
+              <a:gd name="connsiteY45" fmla="*/ 2184400 h 2895600"/>
+              <a:gd name="connsiteX46" fmla="*/ 3225800 w 7241117"/>
+              <a:gd name="connsiteY46" fmla="*/ 1511300 h 2895600"/>
+              <a:gd name="connsiteX47" fmla="*/ 3378200 w 7241117"/>
+              <a:gd name="connsiteY47" fmla="*/ 1511300 h 2895600"/>
+              <a:gd name="connsiteX48" fmla="*/ 3378200 w 7241117"/>
+              <a:gd name="connsiteY48" fmla="*/ 1181100 h 2895600"/>
+              <a:gd name="connsiteX49" fmla="*/ 3505200 w 7241117"/>
+              <a:gd name="connsiteY49" fmla="*/ 1181100 h 2895600"/>
+              <a:gd name="connsiteX50" fmla="*/ 3492500 w 7241117"/>
+              <a:gd name="connsiteY50" fmla="*/ 977900 h 2895600"/>
+              <a:gd name="connsiteX51" fmla="*/ 3581400 w 7241117"/>
+              <a:gd name="connsiteY51" fmla="*/ 977900 h 2895600"/>
+              <a:gd name="connsiteX52" fmla="*/ 3568700 w 7241117"/>
+              <a:gd name="connsiteY52" fmla="*/ 647700 h 2895600"/>
+              <a:gd name="connsiteX53" fmla="*/ 3594100 w 7241117"/>
+              <a:gd name="connsiteY53" fmla="*/ 647700 h 2895600"/>
+              <a:gd name="connsiteX54" fmla="*/ 3606800 w 7241117"/>
+              <a:gd name="connsiteY54" fmla="*/ 304800 h 2895600"/>
+              <a:gd name="connsiteX55" fmla="*/ 3644900 w 7241117"/>
+              <a:gd name="connsiteY55" fmla="*/ 304800 h 2895600"/>
+              <a:gd name="connsiteX56" fmla="*/ 3632200 w 7241117"/>
+              <a:gd name="connsiteY56" fmla="*/ 647700 h 2895600"/>
+              <a:gd name="connsiteX57" fmla="*/ 3670300 w 7241117"/>
+              <a:gd name="connsiteY57" fmla="*/ 647700 h 2895600"/>
+              <a:gd name="connsiteX58" fmla="*/ 3657600 w 7241117"/>
+              <a:gd name="connsiteY58" fmla="*/ 952500 h 2895600"/>
+              <a:gd name="connsiteX59" fmla="*/ 3721100 w 7241117"/>
+              <a:gd name="connsiteY59" fmla="*/ 952500 h 2895600"/>
+              <a:gd name="connsiteX60" fmla="*/ 3733800 w 7241117"/>
+              <a:gd name="connsiteY60" fmla="*/ 1168400 h 2895600"/>
+              <a:gd name="connsiteX61" fmla="*/ 3860800 w 7241117"/>
+              <a:gd name="connsiteY61" fmla="*/ 1181100 h 2895600"/>
+              <a:gd name="connsiteX62" fmla="*/ 3860800 w 7241117"/>
+              <a:gd name="connsiteY62" fmla="*/ 1511300 h 2895600"/>
+              <a:gd name="connsiteX63" fmla="*/ 4025900 w 7241117"/>
+              <a:gd name="connsiteY63" fmla="*/ 1498600 h 2895600"/>
+              <a:gd name="connsiteX64" fmla="*/ 4025900 w 7241117"/>
+              <a:gd name="connsiteY64" fmla="*/ 2895600 h 2895600"/>
+              <a:gd name="connsiteX65" fmla="*/ 4394200 w 7241117"/>
+              <a:gd name="connsiteY65" fmla="*/ 2882900 h 2895600"/>
+              <a:gd name="connsiteX66" fmla="*/ 4381500 w 7241117"/>
+              <a:gd name="connsiteY66" fmla="*/ 1993900 h 2895600"/>
+              <a:gd name="connsiteX67" fmla="*/ 4787900 w 7241117"/>
+              <a:gd name="connsiteY67" fmla="*/ 1663700 h 2895600"/>
+              <a:gd name="connsiteX68" fmla="*/ 4787900 w 7241117"/>
+              <a:gd name="connsiteY68" fmla="*/ 749300 h 2895600"/>
+              <a:gd name="connsiteX69" fmla="*/ 5473700 w 7241117"/>
+              <a:gd name="connsiteY69" fmla="*/ 0 h 2895600"/>
+              <a:gd name="connsiteX70" fmla="*/ 5473700 w 7241117"/>
+              <a:gd name="connsiteY70" fmla="*/ 1625600 h 2895600"/>
+              <a:gd name="connsiteX71" fmla="*/ 5753100 w 7241117"/>
+              <a:gd name="connsiteY71" fmla="*/ 1625600 h 2895600"/>
+              <a:gd name="connsiteX72" fmla="*/ 5778500 w 7241117"/>
+              <a:gd name="connsiteY72" fmla="*/ 1943100 h 2895600"/>
+              <a:gd name="connsiteX73" fmla="*/ 5905500 w 7241117"/>
+              <a:gd name="connsiteY73" fmla="*/ 1943100 h 2895600"/>
+              <a:gd name="connsiteX74" fmla="*/ 5905500 w 7241117"/>
+              <a:gd name="connsiteY74" fmla="*/ 1447800 h 2895600"/>
+              <a:gd name="connsiteX75" fmla="*/ 6604000 w 7241117"/>
+              <a:gd name="connsiteY75" fmla="*/ 1447800 h 2895600"/>
+              <a:gd name="connsiteX76" fmla="*/ 6591300 w 7241117"/>
+              <a:gd name="connsiteY76" fmla="*/ 1562100 h 2895600"/>
+              <a:gd name="connsiteX77" fmla="*/ 7188200 w 7241117"/>
+              <a:gd name="connsiteY77" fmla="*/ 1549400 h 2895600"/>
+              <a:gd name="connsiteX78" fmla="*/ 7215469 w 7241117"/>
+              <a:gd name="connsiteY78" fmla="*/ 1549320 h 2895600"/>
+              <a:gd name="connsiteX0" fmla="*/ 0 w 7235477"/>
+              <a:gd name="connsiteY0" fmla="*/ 2857500 h 3002665"/>
+              <a:gd name="connsiteX1" fmla="*/ 368300 w 7235477"/>
+              <a:gd name="connsiteY1" fmla="*/ 2870200 h 3002665"/>
+              <a:gd name="connsiteX2" fmla="*/ 368300 w 7235477"/>
+              <a:gd name="connsiteY2" fmla="*/ 1955800 h 3002665"/>
+              <a:gd name="connsiteX3" fmla="*/ 774700 w 7235477"/>
+              <a:gd name="connsiteY3" fmla="*/ 2349500 h 3002665"/>
+              <a:gd name="connsiteX4" fmla="*/ 774700 w 7235477"/>
+              <a:gd name="connsiteY4" fmla="*/ 2628900 h 3002665"/>
+              <a:gd name="connsiteX5" fmla="*/ 1079500 w 7235477"/>
+              <a:gd name="connsiteY5" fmla="*/ 2628900 h 3002665"/>
+              <a:gd name="connsiteX6" fmla="*/ 1066800 w 7235477"/>
+              <a:gd name="connsiteY6" fmla="*/ 2413000 h 3002665"/>
+              <a:gd name="connsiteX7" fmla="*/ 1143000 w 7235477"/>
+              <a:gd name="connsiteY7" fmla="*/ 2413000 h 3002665"/>
+              <a:gd name="connsiteX8" fmla="*/ 1155700 w 7235477"/>
+              <a:gd name="connsiteY8" fmla="*/ 2197100 h 3002665"/>
+              <a:gd name="connsiteX9" fmla="*/ 1219200 w 7235477"/>
+              <a:gd name="connsiteY9" fmla="*/ 2197100 h 3002665"/>
+              <a:gd name="connsiteX10" fmla="*/ 1206500 w 7235477"/>
+              <a:gd name="connsiteY10" fmla="*/ 2057400 h 3002665"/>
+              <a:gd name="connsiteX11" fmla="*/ 1333500 w 7235477"/>
+              <a:gd name="connsiteY11" fmla="*/ 2032000 h 3002665"/>
+              <a:gd name="connsiteX12" fmla="*/ 1320800 w 7235477"/>
+              <a:gd name="connsiteY12" fmla="*/ 2184400 h 3002665"/>
+              <a:gd name="connsiteX13" fmla="*/ 1397000 w 7235477"/>
+              <a:gd name="connsiteY13" fmla="*/ 2184400 h 3002665"/>
+              <a:gd name="connsiteX14" fmla="*/ 1397000 w 7235477"/>
+              <a:gd name="connsiteY14" fmla="*/ 2400300 h 3002665"/>
+              <a:gd name="connsiteX15" fmla="*/ 1473200 w 7235477"/>
+              <a:gd name="connsiteY15" fmla="*/ 2400300 h 3002665"/>
+              <a:gd name="connsiteX16" fmla="*/ 1473200 w 7235477"/>
+              <a:gd name="connsiteY16" fmla="*/ 2895600 h 3002665"/>
+              <a:gd name="connsiteX17" fmla="*/ 1562100 w 7235477"/>
+              <a:gd name="connsiteY17" fmla="*/ 2895600 h 3002665"/>
+              <a:gd name="connsiteX18" fmla="*/ 1574800 w 7235477"/>
+              <a:gd name="connsiteY18" fmla="*/ 2133600 h 3002665"/>
+              <a:gd name="connsiteX19" fmla="*/ 1981200 w 7235477"/>
+              <a:gd name="connsiteY19" fmla="*/ 1651000 h 3002665"/>
+              <a:gd name="connsiteX20" fmla="*/ 1968500 w 7235477"/>
+              <a:gd name="connsiteY20" fmla="*/ 2882900 h 3002665"/>
+              <a:gd name="connsiteX21" fmla="*/ 2108200 w 7235477"/>
+              <a:gd name="connsiteY21" fmla="*/ 2895600 h 3002665"/>
+              <a:gd name="connsiteX22" fmla="*/ 2082800 w 7235477"/>
+              <a:gd name="connsiteY22" fmla="*/ 1676400 h 3002665"/>
+              <a:gd name="connsiteX23" fmla="*/ 2197100 w 7235477"/>
+              <a:gd name="connsiteY23" fmla="*/ 1676400 h 3002665"/>
+              <a:gd name="connsiteX24" fmla="*/ 2222500 w 7235477"/>
+              <a:gd name="connsiteY24" fmla="*/ 1346200 h 3002665"/>
+              <a:gd name="connsiteX25" fmla="*/ 2311400 w 7235477"/>
+              <a:gd name="connsiteY25" fmla="*/ 1346200 h 3002665"/>
+              <a:gd name="connsiteX26" fmla="*/ 2311400 w 7235477"/>
+              <a:gd name="connsiteY26" fmla="*/ 1143000 h 3002665"/>
+              <a:gd name="connsiteX27" fmla="*/ 2501900 w 7235477"/>
+              <a:gd name="connsiteY27" fmla="*/ 1130300 h 3002665"/>
+              <a:gd name="connsiteX28" fmla="*/ 2489200 w 7235477"/>
+              <a:gd name="connsiteY28" fmla="*/ 1346200 h 3002665"/>
+              <a:gd name="connsiteX29" fmla="*/ 2590800 w 7235477"/>
+              <a:gd name="connsiteY29" fmla="*/ 1346200 h 3002665"/>
+              <a:gd name="connsiteX30" fmla="*/ 2578100 w 7235477"/>
+              <a:gd name="connsiteY30" fmla="*/ 1651000 h 3002665"/>
+              <a:gd name="connsiteX31" fmla="*/ 2717800 w 7235477"/>
+              <a:gd name="connsiteY31" fmla="*/ 1625600 h 3002665"/>
+              <a:gd name="connsiteX32" fmla="*/ 2692400 w 7235477"/>
+              <a:gd name="connsiteY32" fmla="*/ 2540000 h 3002665"/>
+              <a:gd name="connsiteX33" fmla="*/ 2895600 w 7235477"/>
+              <a:gd name="connsiteY33" fmla="*/ 2565400 h 3002665"/>
+              <a:gd name="connsiteX34" fmla="*/ 2895600 w 7235477"/>
+              <a:gd name="connsiteY34" fmla="*/ 2400300 h 3002665"/>
+              <a:gd name="connsiteX35" fmla="*/ 2997200 w 7235477"/>
+              <a:gd name="connsiteY35" fmla="*/ 2400300 h 3002665"/>
+              <a:gd name="connsiteX36" fmla="*/ 2984500 w 7235477"/>
+              <a:gd name="connsiteY36" fmla="*/ 2197100 h 3002665"/>
+              <a:gd name="connsiteX37" fmla="*/ 3035300 w 7235477"/>
+              <a:gd name="connsiteY37" fmla="*/ 2197100 h 3002665"/>
+              <a:gd name="connsiteX38" fmla="*/ 3035300 w 7235477"/>
+              <a:gd name="connsiteY38" fmla="*/ 2044700 h 3002665"/>
+              <a:gd name="connsiteX39" fmla="*/ 3086100 w 7235477"/>
+              <a:gd name="connsiteY39" fmla="*/ 2057400 h 3002665"/>
+              <a:gd name="connsiteX40" fmla="*/ 3086100 w 7235477"/>
+              <a:gd name="connsiteY40" fmla="*/ 1879600 h 3002665"/>
+              <a:gd name="connsiteX41" fmla="*/ 3124200 w 7235477"/>
+              <a:gd name="connsiteY41" fmla="*/ 1879600 h 3002665"/>
+              <a:gd name="connsiteX42" fmla="*/ 3136900 w 7235477"/>
+              <a:gd name="connsiteY42" fmla="*/ 2057400 h 3002665"/>
+              <a:gd name="connsiteX43" fmla="*/ 3175000 w 7235477"/>
+              <a:gd name="connsiteY43" fmla="*/ 2057400 h 3002665"/>
+              <a:gd name="connsiteX44" fmla="*/ 3175000 w 7235477"/>
+              <a:gd name="connsiteY44" fmla="*/ 2184400 h 3002665"/>
+              <a:gd name="connsiteX45" fmla="*/ 3225800 w 7235477"/>
+              <a:gd name="connsiteY45" fmla="*/ 2184400 h 3002665"/>
+              <a:gd name="connsiteX46" fmla="*/ 3225800 w 7235477"/>
+              <a:gd name="connsiteY46" fmla="*/ 1511300 h 3002665"/>
+              <a:gd name="connsiteX47" fmla="*/ 3378200 w 7235477"/>
+              <a:gd name="connsiteY47" fmla="*/ 1511300 h 3002665"/>
+              <a:gd name="connsiteX48" fmla="*/ 3378200 w 7235477"/>
+              <a:gd name="connsiteY48" fmla="*/ 1181100 h 3002665"/>
+              <a:gd name="connsiteX49" fmla="*/ 3505200 w 7235477"/>
+              <a:gd name="connsiteY49" fmla="*/ 1181100 h 3002665"/>
+              <a:gd name="connsiteX50" fmla="*/ 3492500 w 7235477"/>
+              <a:gd name="connsiteY50" fmla="*/ 977900 h 3002665"/>
+              <a:gd name="connsiteX51" fmla="*/ 3581400 w 7235477"/>
+              <a:gd name="connsiteY51" fmla="*/ 977900 h 3002665"/>
+              <a:gd name="connsiteX52" fmla="*/ 3568700 w 7235477"/>
+              <a:gd name="connsiteY52" fmla="*/ 647700 h 3002665"/>
+              <a:gd name="connsiteX53" fmla="*/ 3594100 w 7235477"/>
+              <a:gd name="connsiteY53" fmla="*/ 647700 h 3002665"/>
+              <a:gd name="connsiteX54" fmla="*/ 3606800 w 7235477"/>
+              <a:gd name="connsiteY54" fmla="*/ 304800 h 3002665"/>
+              <a:gd name="connsiteX55" fmla="*/ 3644900 w 7235477"/>
+              <a:gd name="connsiteY55" fmla="*/ 304800 h 3002665"/>
+              <a:gd name="connsiteX56" fmla="*/ 3632200 w 7235477"/>
+              <a:gd name="connsiteY56" fmla="*/ 647700 h 3002665"/>
+              <a:gd name="connsiteX57" fmla="*/ 3670300 w 7235477"/>
+              <a:gd name="connsiteY57" fmla="*/ 647700 h 3002665"/>
+              <a:gd name="connsiteX58" fmla="*/ 3657600 w 7235477"/>
+              <a:gd name="connsiteY58" fmla="*/ 952500 h 3002665"/>
+              <a:gd name="connsiteX59" fmla="*/ 3721100 w 7235477"/>
+              <a:gd name="connsiteY59" fmla="*/ 952500 h 3002665"/>
+              <a:gd name="connsiteX60" fmla="*/ 3733800 w 7235477"/>
+              <a:gd name="connsiteY60" fmla="*/ 1168400 h 3002665"/>
+              <a:gd name="connsiteX61" fmla="*/ 3860800 w 7235477"/>
+              <a:gd name="connsiteY61" fmla="*/ 1181100 h 3002665"/>
+              <a:gd name="connsiteX62" fmla="*/ 3860800 w 7235477"/>
+              <a:gd name="connsiteY62" fmla="*/ 1511300 h 3002665"/>
+              <a:gd name="connsiteX63" fmla="*/ 4025900 w 7235477"/>
+              <a:gd name="connsiteY63" fmla="*/ 1498600 h 3002665"/>
+              <a:gd name="connsiteX64" fmla="*/ 4025900 w 7235477"/>
+              <a:gd name="connsiteY64" fmla="*/ 2895600 h 3002665"/>
+              <a:gd name="connsiteX65" fmla="*/ 4394200 w 7235477"/>
+              <a:gd name="connsiteY65" fmla="*/ 2882900 h 3002665"/>
+              <a:gd name="connsiteX66" fmla="*/ 4381500 w 7235477"/>
+              <a:gd name="connsiteY66" fmla="*/ 1993900 h 3002665"/>
+              <a:gd name="connsiteX67" fmla="*/ 4787900 w 7235477"/>
+              <a:gd name="connsiteY67" fmla="*/ 1663700 h 3002665"/>
+              <a:gd name="connsiteX68" fmla="*/ 4787900 w 7235477"/>
+              <a:gd name="connsiteY68" fmla="*/ 749300 h 3002665"/>
+              <a:gd name="connsiteX69" fmla="*/ 5473700 w 7235477"/>
+              <a:gd name="connsiteY69" fmla="*/ 0 h 3002665"/>
+              <a:gd name="connsiteX70" fmla="*/ 5473700 w 7235477"/>
+              <a:gd name="connsiteY70" fmla="*/ 1625600 h 3002665"/>
+              <a:gd name="connsiteX71" fmla="*/ 5753100 w 7235477"/>
+              <a:gd name="connsiteY71" fmla="*/ 1625600 h 3002665"/>
+              <a:gd name="connsiteX72" fmla="*/ 5778500 w 7235477"/>
+              <a:gd name="connsiteY72" fmla="*/ 1943100 h 3002665"/>
+              <a:gd name="connsiteX73" fmla="*/ 5905500 w 7235477"/>
+              <a:gd name="connsiteY73" fmla="*/ 1943100 h 3002665"/>
+              <a:gd name="connsiteX74" fmla="*/ 5905500 w 7235477"/>
+              <a:gd name="connsiteY74" fmla="*/ 1447800 h 3002665"/>
+              <a:gd name="connsiteX75" fmla="*/ 6604000 w 7235477"/>
+              <a:gd name="connsiteY75" fmla="*/ 1447800 h 3002665"/>
+              <a:gd name="connsiteX76" fmla="*/ 6591300 w 7235477"/>
+              <a:gd name="connsiteY76" fmla="*/ 1562100 h 3002665"/>
+              <a:gd name="connsiteX77" fmla="*/ 7188200 w 7235477"/>
+              <a:gd name="connsiteY77" fmla="*/ 1549400 h 3002665"/>
+              <a:gd name="connsiteX78" fmla="*/ 7196976 w 7235477"/>
+              <a:gd name="connsiteY78" fmla="*/ 3002665 h 3002665"/>
+              <a:gd name="connsiteX0" fmla="*/ 0 w 7196976"/>
+              <a:gd name="connsiteY0" fmla="*/ 2857500 h 3002665"/>
+              <a:gd name="connsiteX1" fmla="*/ 368300 w 7196976"/>
+              <a:gd name="connsiteY1" fmla="*/ 2870200 h 3002665"/>
+              <a:gd name="connsiteX2" fmla="*/ 368300 w 7196976"/>
+              <a:gd name="connsiteY2" fmla="*/ 1955800 h 3002665"/>
+              <a:gd name="connsiteX3" fmla="*/ 774700 w 7196976"/>
+              <a:gd name="connsiteY3" fmla="*/ 2349500 h 3002665"/>
+              <a:gd name="connsiteX4" fmla="*/ 774700 w 7196976"/>
+              <a:gd name="connsiteY4" fmla="*/ 2628900 h 3002665"/>
+              <a:gd name="connsiteX5" fmla="*/ 1079500 w 7196976"/>
+              <a:gd name="connsiteY5" fmla="*/ 2628900 h 3002665"/>
+              <a:gd name="connsiteX6" fmla="*/ 1066800 w 7196976"/>
+              <a:gd name="connsiteY6" fmla="*/ 2413000 h 3002665"/>
+              <a:gd name="connsiteX7" fmla="*/ 1143000 w 7196976"/>
+              <a:gd name="connsiteY7" fmla="*/ 2413000 h 3002665"/>
+              <a:gd name="connsiteX8" fmla="*/ 1155700 w 7196976"/>
+              <a:gd name="connsiteY8" fmla="*/ 2197100 h 3002665"/>
+              <a:gd name="connsiteX9" fmla="*/ 1219200 w 7196976"/>
+              <a:gd name="connsiteY9" fmla="*/ 2197100 h 3002665"/>
+              <a:gd name="connsiteX10" fmla="*/ 1206500 w 7196976"/>
+              <a:gd name="connsiteY10" fmla="*/ 2057400 h 3002665"/>
+              <a:gd name="connsiteX11" fmla="*/ 1333500 w 7196976"/>
+              <a:gd name="connsiteY11" fmla="*/ 2032000 h 3002665"/>
+              <a:gd name="connsiteX12" fmla="*/ 1320800 w 7196976"/>
+              <a:gd name="connsiteY12" fmla="*/ 2184400 h 3002665"/>
+              <a:gd name="connsiteX13" fmla="*/ 1397000 w 7196976"/>
+              <a:gd name="connsiteY13" fmla="*/ 2184400 h 3002665"/>
+              <a:gd name="connsiteX14" fmla="*/ 1397000 w 7196976"/>
+              <a:gd name="connsiteY14" fmla="*/ 2400300 h 3002665"/>
+              <a:gd name="connsiteX15" fmla="*/ 1473200 w 7196976"/>
+              <a:gd name="connsiteY15" fmla="*/ 2400300 h 3002665"/>
+              <a:gd name="connsiteX16" fmla="*/ 1473200 w 7196976"/>
+              <a:gd name="connsiteY16" fmla="*/ 2895600 h 3002665"/>
+              <a:gd name="connsiteX17" fmla="*/ 1562100 w 7196976"/>
+              <a:gd name="connsiteY17" fmla="*/ 2895600 h 3002665"/>
+              <a:gd name="connsiteX18" fmla="*/ 1574800 w 7196976"/>
+              <a:gd name="connsiteY18" fmla="*/ 2133600 h 3002665"/>
+              <a:gd name="connsiteX19" fmla="*/ 1981200 w 7196976"/>
+              <a:gd name="connsiteY19" fmla="*/ 1651000 h 3002665"/>
+              <a:gd name="connsiteX20" fmla="*/ 1968500 w 7196976"/>
+              <a:gd name="connsiteY20" fmla="*/ 2882900 h 3002665"/>
+              <a:gd name="connsiteX21" fmla="*/ 2108200 w 7196976"/>
+              <a:gd name="connsiteY21" fmla="*/ 2895600 h 3002665"/>
+              <a:gd name="connsiteX22" fmla="*/ 2082800 w 7196976"/>
+              <a:gd name="connsiteY22" fmla="*/ 1676400 h 3002665"/>
+              <a:gd name="connsiteX23" fmla="*/ 2197100 w 7196976"/>
+              <a:gd name="connsiteY23" fmla="*/ 1676400 h 3002665"/>
+              <a:gd name="connsiteX24" fmla="*/ 2222500 w 7196976"/>
+              <a:gd name="connsiteY24" fmla="*/ 1346200 h 3002665"/>
+              <a:gd name="connsiteX25" fmla="*/ 2311400 w 7196976"/>
+              <a:gd name="connsiteY25" fmla="*/ 1346200 h 3002665"/>
+              <a:gd name="connsiteX26" fmla="*/ 2311400 w 7196976"/>
+              <a:gd name="connsiteY26" fmla="*/ 1143000 h 3002665"/>
+              <a:gd name="connsiteX27" fmla="*/ 2501900 w 7196976"/>
+              <a:gd name="connsiteY27" fmla="*/ 1130300 h 3002665"/>
+              <a:gd name="connsiteX28" fmla="*/ 2489200 w 7196976"/>
+              <a:gd name="connsiteY28" fmla="*/ 1346200 h 3002665"/>
+              <a:gd name="connsiteX29" fmla="*/ 2590800 w 7196976"/>
+              <a:gd name="connsiteY29" fmla="*/ 1346200 h 3002665"/>
+              <a:gd name="connsiteX30" fmla="*/ 2578100 w 7196976"/>
+              <a:gd name="connsiteY30" fmla="*/ 1651000 h 3002665"/>
+              <a:gd name="connsiteX31" fmla="*/ 2717800 w 7196976"/>
+              <a:gd name="connsiteY31" fmla="*/ 1625600 h 3002665"/>
+              <a:gd name="connsiteX32" fmla="*/ 2692400 w 7196976"/>
+              <a:gd name="connsiteY32" fmla="*/ 2540000 h 3002665"/>
+              <a:gd name="connsiteX33" fmla="*/ 2895600 w 7196976"/>
+              <a:gd name="connsiteY33" fmla="*/ 2565400 h 3002665"/>
+              <a:gd name="connsiteX34" fmla="*/ 2895600 w 7196976"/>
+              <a:gd name="connsiteY34" fmla="*/ 2400300 h 3002665"/>
+              <a:gd name="connsiteX35" fmla="*/ 2997200 w 7196976"/>
+              <a:gd name="connsiteY35" fmla="*/ 2400300 h 3002665"/>
+              <a:gd name="connsiteX36" fmla="*/ 2984500 w 7196976"/>
+              <a:gd name="connsiteY36" fmla="*/ 2197100 h 3002665"/>
+              <a:gd name="connsiteX37" fmla="*/ 3035300 w 7196976"/>
+              <a:gd name="connsiteY37" fmla="*/ 2197100 h 3002665"/>
+              <a:gd name="connsiteX38" fmla="*/ 3035300 w 7196976"/>
+              <a:gd name="connsiteY38" fmla="*/ 2044700 h 3002665"/>
+              <a:gd name="connsiteX39" fmla="*/ 3086100 w 7196976"/>
+              <a:gd name="connsiteY39" fmla="*/ 2057400 h 3002665"/>
+              <a:gd name="connsiteX40" fmla="*/ 3086100 w 7196976"/>
+              <a:gd name="connsiteY40" fmla="*/ 1879600 h 3002665"/>
+              <a:gd name="connsiteX41" fmla="*/ 3124200 w 7196976"/>
+              <a:gd name="connsiteY41" fmla="*/ 1879600 h 3002665"/>
+              <a:gd name="connsiteX42" fmla="*/ 3136900 w 7196976"/>
+              <a:gd name="connsiteY42" fmla="*/ 2057400 h 3002665"/>
+              <a:gd name="connsiteX43" fmla="*/ 3175000 w 7196976"/>
+              <a:gd name="connsiteY43" fmla="*/ 2057400 h 3002665"/>
+              <a:gd name="connsiteX44" fmla="*/ 3175000 w 7196976"/>
+              <a:gd name="connsiteY44" fmla="*/ 2184400 h 3002665"/>
+              <a:gd name="connsiteX45" fmla="*/ 3225800 w 7196976"/>
+              <a:gd name="connsiteY45" fmla="*/ 2184400 h 3002665"/>
+              <a:gd name="connsiteX46" fmla="*/ 3225800 w 7196976"/>
+              <a:gd name="connsiteY46" fmla="*/ 1511300 h 3002665"/>
+              <a:gd name="connsiteX47" fmla="*/ 3378200 w 7196976"/>
+              <a:gd name="connsiteY47" fmla="*/ 1511300 h 3002665"/>
+              <a:gd name="connsiteX48" fmla="*/ 3378200 w 7196976"/>
+              <a:gd name="connsiteY48" fmla="*/ 1181100 h 3002665"/>
+              <a:gd name="connsiteX49" fmla="*/ 3505200 w 7196976"/>
+              <a:gd name="connsiteY49" fmla="*/ 1181100 h 3002665"/>
+              <a:gd name="connsiteX50" fmla="*/ 3492500 w 7196976"/>
+              <a:gd name="connsiteY50" fmla="*/ 977900 h 3002665"/>
+              <a:gd name="connsiteX51" fmla="*/ 3581400 w 7196976"/>
+              <a:gd name="connsiteY51" fmla="*/ 977900 h 3002665"/>
+              <a:gd name="connsiteX52" fmla="*/ 3568700 w 7196976"/>
+              <a:gd name="connsiteY52" fmla="*/ 647700 h 3002665"/>
+              <a:gd name="connsiteX53" fmla="*/ 3594100 w 7196976"/>
+              <a:gd name="connsiteY53" fmla="*/ 647700 h 3002665"/>
+              <a:gd name="connsiteX54" fmla="*/ 3606800 w 7196976"/>
+              <a:gd name="connsiteY54" fmla="*/ 304800 h 3002665"/>
+              <a:gd name="connsiteX55" fmla="*/ 3644900 w 7196976"/>
+              <a:gd name="connsiteY55" fmla="*/ 304800 h 3002665"/>
+              <a:gd name="connsiteX56" fmla="*/ 3632200 w 7196976"/>
+              <a:gd name="connsiteY56" fmla="*/ 647700 h 3002665"/>
+              <a:gd name="connsiteX57" fmla="*/ 3670300 w 7196976"/>
+              <a:gd name="connsiteY57" fmla="*/ 647700 h 3002665"/>
+              <a:gd name="connsiteX58" fmla="*/ 3657600 w 7196976"/>
+              <a:gd name="connsiteY58" fmla="*/ 952500 h 3002665"/>
+              <a:gd name="connsiteX59" fmla="*/ 3721100 w 7196976"/>
+              <a:gd name="connsiteY59" fmla="*/ 952500 h 3002665"/>
+              <a:gd name="connsiteX60" fmla="*/ 3733800 w 7196976"/>
+              <a:gd name="connsiteY60" fmla="*/ 1168400 h 3002665"/>
+              <a:gd name="connsiteX61" fmla="*/ 3860800 w 7196976"/>
+              <a:gd name="connsiteY61" fmla="*/ 1181100 h 3002665"/>
+              <a:gd name="connsiteX62" fmla="*/ 3860800 w 7196976"/>
+              <a:gd name="connsiteY62" fmla="*/ 1511300 h 3002665"/>
+              <a:gd name="connsiteX63" fmla="*/ 4025900 w 7196976"/>
+              <a:gd name="connsiteY63" fmla="*/ 1498600 h 3002665"/>
+              <a:gd name="connsiteX64" fmla="*/ 4025900 w 7196976"/>
+              <a:gd name="connsiteY64" fmla="*/ 2895600 h 3002665"/>
+              <a:gd name="connsiteX65" fmla="*/ 4394200 w 7196976"/>
+              <a:gd name="connsiteY65" fmla="*/ 2882900 h 3002665"/>
+              <a:gd name="connsiteX66" fmla="*/ 4381500 w 7196976"/>
+              <a:gd name="connsiteY66" fmla="*/ 1993900 h 3002665"/>
+              <a:gd name="connsiteX67" fmla="*/ 4787900 w 7196976"/>
+              <a:gd name="connsiteY67" fmla="*/ 1663700 h 3002665"/>
+              <a:gd name="connsiteX68" fmla="*/ 4787900 w 7196976"/>
+              <a:gd name="connsiteY68" fmla="*/ 749300 h 3002665"/>
+              <a:gd name="connsiteX69" fmla="*/ 5473700 w 7196976"/>
+              <a:gd name="connsiteY69" fmla="*/ 0 h 3002665"/>
+              <a:gd name="connsiteX70" fmla="*/ 5473700 w 7196976"/>
+              <a:gd name="connsiteY70" fmla="*/ 1625600 h 3002665"/>
+              <a:gd name="connsiteX71" fmla="*/ 5753100 w 7196976"/>
+              <a:gd name="connsiteY71" fmla="*/ 1625600 h 3002665"/>
+              <a:gd name="connsiteX72" fmla="*/ 5778500 w 7196976"/>
+              <a:gd name="connsiteY72" fmla="*/ 1943100 h 3002665"/>
+              <a:gd name="connsiteX73" fmla="*/ 5905500 w 7196976"/>
+              <a:gd name="connsiteY73" fmla="*/ 1943100 h 3002665"/>
+              <a:gd name="connsiteX74" fmla="*/ 5905500 w 7196976"/>
+              <a:gd name="connsiteY74" fmla="*/ 1447800 h 3002665"/>
+              <a:gd name="connsiteX75" fmla="*/ 6604000 w 7196976"/>
+              <a:gd name="connsiteY75" fmla="*/ 1447800 h 3002665"/>
+              <a:gd name="connsiteX76" fmla="*/ 6591300 w 7196976"/>
+              <a:gd name="connsiteY76" fmla="*/ 1562100 h 3002665"/>
+              <a:gd name="connsiteX77" fmla="*/ 7188200 w 7196976"/>
+              <a:gd name="connsiteY77" fmla="*/ 1549400 h 3002665"/>
+              <a:gd name="connsiteX78" fmla="*/ 7196976 w 7196976"/>
+              <a:gd name="connsiteY78" fmla="*/ 3002665 h 3002665"/>
+            </a:gdLst>
+            <a:ahLst/>
+            <a:cxnLst>
+              <a:cxn ang="0">
+                <a:pos x="connsiteX0" y="connsiteY0"/>
+              </a:cxn>
+              <a:cxn ang="0">
+                <a:pos x="connsiteX1" y="connsiteY1"/>
+              </a:cxn>
+              <a:cxn ang="0">
+                <a:pos x="connsiteX2" y="connsiteY2"/>
+              </a:cxn>
+              <a:cxn ang="0">
+                <a:pos x="connsiteX3" y="connsiteY3"/>
+              </a:cxn>
+              <a:cxn ang="0">
+                <a:pos x="connsiteX4" y="connsiteY4"/>
+              </a:cxn>
+              <a:cxn ang="0">
+                <a:pos x="connsiteX5" y="connsiteY5"/>
+              </a:cxn>
+              <a:cxn ang="0">
+                <a:pos x="connsiteX6" y="connsiteY6"/>
+              </a:cxn>
+              <a:cxn ang="0">
+                <a:pos x="connsiteX7" y="connsiteY7"/>
+              </a:cxn>
+              <a:cxn ang="0">
+                <a:pos x="connsiteX8" y="connsiteY8"/>
+              </a:cxn>
+              <a:cxn ang="0">
+                <a:pos x="connsiteX9" y="connsiteY9"/>
+              </a:cxn>
+              <a:cxn ang="0">
+                <a:pos x="connsiteX10" y="connsiteY10"/>
+              </a:cxn>
+              <a:cxn ang="0">
+                <a:pos x="connsiteX11" y="connsiteY11"/>
+              </a:cxn>
+              <a:cxn ang="0">
+                <a:pos x="connsiteX12" y="connsiteY12"/>
+              </a:cxn>
+              <a:cxn ang="0">
+                <a:pos x="connsiteX13" y="connsiteY13"/>
+              </a:cxn>
+              <a:cxn ang="0">
+                <a:pos x="connsiteX14" y="connsiteY14"/>
+              </a:cxn>
+              <a:cxn ang="0">
+                <a:pos x="connsiteX15" y="connsiteY15"/>
+              </a:cxn>
+              <a:cxn ang="0">
+                <a:pos x="connsiteX16" y="connsiteY16"/>
+              </a:cxn>
+              <a:cxn ang="0">
+                <a:pos x="connsiteX17" y="connsiteY17"/>
+              </a:cxn>
+              <a:cxn ang="0">
+                <a:pos x="connsiteX18" y="connsiteY18"/>
+              </a:cxn>
+              <a:cxn ang="0">
+                <a:pos x="connsiteX19" y="connsiteY19"/>
+              </a:cxn>
+              <a:cxn ang="0">
+                <a:pos x="connsiteX20" y="connsiteY20"/>
+              </a:cxn>
+              <a:cxn ang="0">
+                <a:pos x="connsiteX21" y="connsiteY21"/>
+              </a:cxn>
+              <a:cxn ang="0">
+                <a:pos x="connsiteX22" y="connsiteY22"/>
+              </a:cxn>
+              <a:cxn ang="0">
+                <a:pos x="connsiteX23" y="connsiteY23"/>
+              </a:cxn>
+              <a:cxn ang="0">
+                <a:pos x="connsiteX24" y="connsiteY24"/>
+              </a:cxn>
+              <a:cxn ang="0">
+                <a:pos x="connsiteX25" y="connsiteY25"/>
+              </a:cxn>
+              <a:cxn ang="0">
+                <a:pos x="connsiteX26" y="connsiteY26"/>
+              </a:cxn>
+              <a:cxn ang="0">
+                <a:pos x="connsiteX27" y="connsiteY27"/>
+              </a:cxn>
+              <a:cxn ang="0">
+                <a:pos x="connsiteX28" y="connsiteY28"/>
+              </a:cxn>
+              <a:cxn ang="0">
+                <a:pos x="connsiteX29" y="connsiteY29"/>
+              </a:cxn>
+              <a:cxn ang="0">
+                <a:pos x="connsiteX30" y="connsiteY30"/>
+              </a:cxn>
+              <a:cxn ang="0">
+                <a:pos x="connsiteX31" y="connsiteY31"/>
+              </a:cxn>
+              <a:cxn ang="0">
+                <a:pos x="connsiteX32" y="connsiteY32"/>
+              </a:cxn>
+              <a:cxn ang="0">
+                <a:pos x="connsiteX33" y="connsiteY33"/>
+              </a:cxn>
+              <a:cxn ang="0">
+                <a:pos x="connsiteX34" y="connsiteY34"/>
+              </a:cxn>
+              <a:cxn ang="0">
+                <a:pos x="connsiteX35" y="connsiteY35"/>
+              </a:cxn>
+              <a:cxn ang="0">
+                <a:pos x="connsiteX36" y="connsiteY36"/>
+              </a:cxn>
+              <a:cxn ang="0">
+                <a:pos x="connsiteX37" y="connsiteY37"/>
+              </a:cxn>
+              <a:cxn ang="0">
+                <a:pos x="connsiteX38" y="connsiteY38"/>
+              </a:cxn>
+              <a:cxn ang="0">
+                <a:pos x="connsiteX39" y="connsiteY39"/>
+              </a:cxn>
+              <a:cxn ang="0">
+                <a:pos x="connsiteX40" y="connsiteY40"/>
+              </a:cxn>
+              <a:cxn ang="0">
+                <a:pos x="connsiteX41" y="connsiteY41"/>
+              </a:cxn>
+              <a:cxn ang="0">
+                <a:pos x="connsiteX42" y="connsiteY42"/>
+              </a:cxn>
+              <a:cxn ang="0">
+                <a:pos x="connsiteX43" y="connsiteY43"/>
+              </a:cxn>
+              <a:cxn ang="0">
+                <a:pos x="connsiteX44" y="connsiteY44"/>
+              </a:cxn>
+              <a:cxn ang="0">
+                <a:pos x="connsiteX45" y="connsiteY45"/>
+              </a:cxn>
+              <a:cxn ang="0">
+                <a:pos x="connsiteX46" y="connsiteY46"/>
+              </a:cxn>
+              <a:cxn ang="0">
+                <a:pos x="connsiteX47" y="connsiteY47"/>
+              </a:cxn>
+              <a:cxn ang="0">
+                <a:pos x="connsiteX48" y="connsiteY48"/>
+              </a:cxn>
+              <a:cxn ang="0">
+                <a:pos x="connsiteX49" y="connsiteY49"/>
+              </a:cxn>
+              <a:cxn ang="0">
+                <a:pos x="connsiteX50" y="connsiteY50"/>
+              </a:cxn>
+              <a:cxn ang="0">
+                <a:pos x="connsiteX51" y="connsiteY51"/>
+              </a:cxn>
+              <a:cxn ang="0">
+                <a:pos x="connsiteX52" y="connsiteY52"/>
+              </a:cxn>
+              <a:cxn ang="0">
+                <a:pos x="connsiteX53" y="connsiteY53"/>
+              </a:cxn>
+              <a:cxn ang="0">
+                <a:pos x="connsiteX54" y="connsiteY54"/>
+              </a:cxn>
+              <a:cxn ang="0">
+                <a:pos x="connsiteX55" y="connsiteY55"/>
+              </a:cxn>
+              <a:cxn ang="0">
+                <a:pos x="connsiteX56" y="connsiteY56"/>
+              </a:cxn>
+              <a:cxn ang="0">
+                <a:pos x="connsiteX57" y="connsiteY57"/>
+              </a:cxn>
+              <a:cxn ang="0">
+                <a:pos x="connsiteX58" y="connsiteY58"/>
+              </a:cxn>
+              <a:cxn ang="0">
+                <a:pos x="connsiteX59" y="connsiteY59"/>
+              </a:cxn>
+              <a:cxn ang="0">
+                <a:pos x="connsiteX60" y="connsiteY60"/>
+              </a:cxn>
+              <a:cxn ang="0">
+                <a:pos x="connsiteX61" y="connsiteY61"/>
+              </a:cxn>
+              <a:cxn ang="0">
+                <a:pos x="connsiteX62" y="connsiteY62"/>
+              </a:cxn>
+              <a:cxn ang="0">
+                <a:pos x="connsiteX63" y="connsiteY63"/>
+              </a:cxn>
+              <a:cxn ang="0">
+                <a:pos x="connsiteX64" y="connsiteY64"/>
+              </a:cxn>
+              <a:cxn ang="0">
+                <a:pos x="connsiteX65" y="connsiteY65"/>
+              </a:cxn>
+              <a:cxn ang="0">
+                <a:pos x="connsiteX66" y="connsiteY66"/>
+              </a:cxn>
+              <a:cxn ang="0">
+                <a:pos x="connsiteX67" y="connsiteY67"/>
+              </a:cxn>
+              <a:cxn ang="0">
+                <a:pos x="connsiteX68" y="connsiteY68"/>
+              </a:cxn>
+              <a:cxn ang="0">
+                <a:pos x="connsiteX69" y="connsiteY69"/>
+              </a:cxn>
+              <a:cxn ang="0">
+                <a:pos x="connsiteX70" y="connsiteY70"/>
+              </a:cxn>
+              <a:cxn ang="0">
+                <a:pos x="connsiteX71" y="connsiteY71"/>
+              </a:cxn>
+              <a:cxn ang="0">
+                <a:pos x="connsiteX72" y="connsiteY72"/>
+              </a:cxn>
+              <a:cxn ang="0">
+                <a:pos x="connsiteX73" y="connsiteY73"/>
+              </a:cxn>
+              <a:cxn ang="0">
+                <a:pos x="connsiteX74" y="connsiteY74"/>
+              </a:cxn>
+              <a:cxn ang="0">
+                <a:pos x="connsiteX75" y="connsiteY75"/>
+              </a:cxn>
+              <a:cxn ang="0">
+                <a:pos x="connsiteX76" y="connsiteY76"/>
+              </a:cxn>
+              <a:cxn ang="0">
+                <a:pos x="connsiteX77" y="connsiteY77"/>
+              </a:cxn>
+              <a:cxn ang="0">
+                <a:pos x="connsiteX78" y="connsiteY78"/>
+              </a:cxn>
+            </a:cxnLst>
+            <a:rect l="l" t="t" r="r" b="b"/>
+            <a:pathLst>
+              <a:path w="7196976" h="3002665">
+                <a:moveTo>
+                  <a:pt x="0" y="2857500"/>
+                </a:moveTo>
+                <a:lnTo>
+                  <a:pt x="368300" y="2870200"/>
+                </a:lnTo>
+                <a:lnTo>
+                  <a:pt x="368300" y="1955800"/>
+                </a:lnTo>
+                <a:lnTo>
+                  <a:pt x="774700" y="2349500"/>
+                </a:lnTo>
+                <a:lnTo>
+                  <a:pt x="774700" y="2628900"/>
+                </a:lnTo>
+                <a:lnTo>
+                  <a:pt x="1079500" y="2628900"/>
+                </a:lnTo>
+                <a:lnTo>
+                  <a:pt x="1066800" y="2413000"/>
+                </a:lnTo>
+                <a:lnTo>
+                  <a:pt x="1143000" y="2413000"/>
+                </a:lnTo>
+                <a:lnTo>
+                  <a:pt x="1155700" y="2197100"/>
+                </a:lnTo>
+                <a:lnTo>
+                  <a:pt x="1219200" y="2197100"/>
+                </a:lnTo>
+                <a:lnTo>
+                  <a:pt x="1206500" y="2057400"/>
+                </a:lnTo>
+                <a:lnTo>
+                  <a:pt x="1333500" y="2032000"/>
+                </a:lnTo>
+                <a:lnTo>
+                  <a:pt x="1320800" y="2184400"/>
+                </a:lnTo>
+                <a:lnTo>
+                  <a:pt x="1397000" y="2184400"/>
+                </a:lnTo>
+                <a:lnTo>
+                  <a:pt x="1397000" y="2400300"/>
+                </a:lnTo>
+                <a:lnTo>
+                  <a:pt x="1473200" y="2400300"/>
+                </a:lnTo>
+                <a:lnTo>
+                  <a:pt x="1473200" y="2895600"/>
+                </a:lnTo>
+                <a:lnTo>
+                  <a:pt x="1562100" y="2895600"/>
+                </a:lnTo>
+                <a:lnTo>
+                  <a:pt x="1574800" y="2133600"/>
+                </a:lnTo>
+                <a:lnTo>
+                  <a:pt x="1981200" y="1651000"/>
+                </a:lnTo>
+                <a:lnTo>
+                  <a:pt x="1968500" y="2882900"/>
+                </a:lnTo>
+                <a:lnTo>
+                  <a:pt x="2108200" y="2895600"/>
+                </a:lnTo>
+                <a:lnTo>
+                  <a:pt x="2082800" y="1676400"/>
+                </a:lnTo>
+                <a:lnTo>
+                  <a:pt x="2197100" y="1676400"/>
+                </a:lnTo>
+                <a:lnTo>
+                  <a:pt x="2222500" y="1346200"/>
+                </a:lnTo>
+                <a:lnTo>
+                  <a:pt x="2311400" y="1346200"/>
+                </a:lnTo>
+                <a:lnTo>
+                  <a:pt x="2311400" y="1143000"/>
+                </a:lnTo>
+                <a:lnTo>
+                  <a:pt x="2501900" y="1130300"/>
+                </a:lnTo>
+                <a:lnTo>
+                  <a:pt x="2489200" y="1346200"/>
+                </a:lnTo>
+                <a:lnTo>
+                  <a:pt x="2590800" y="1346200"/>
+                </a:lnTo>
+                <a:lnTo>
+                  <a:pt x="2578100" y="1651000"/>
+                </a:lnTo>
+                <a:lnTo>
+                  <a:pt x="2717800" y="1625600"/>
+                </a:lnTo>
+                <a:lnTo>
+                  <a:pt x="2692400" y="2540000"/>
+                </a:lnTo>
+                <a:lnTo>
+                  <a:pt x="2895600" y="2565400"/>
+                </a:lnTo>
+                <a:lnTo>
+                  <a:pt x="2895600" y="2400300"/>
+                </a:lnTo>
+                <a:lnTo>
+                  <a:pt x="2997200" y="2400300"/>
+                </a:lnTo>
+                <a:lnTo>
+                  <a:pt x="2984500" y="2197100"/>
+                </a:lnTo>
+                <a:lnTo>
+                  <a:pt x="3035300" y="2197100"/>
+                </a:lnTo>
+                <a:lnTo>
+                  <a:pt x="3035300" y="2044700"/>
+                </a:lnTo>
+                <a:lnTo>
+                  <a:pt x="3086100" y="2057400"/>
+                </a:lnTo>
+                <a:lnTo>
+                  <a:pt x="3086100" y="1879600"/>
+                </a:lnTo>
+                <a:lnTo>
+                  <a:pt x="3124200" y="1879600"/>
+                </a:lnTo>
+                <a:lnTo>
+                  <a:pt x="3136900" y="2057400"/>
+                </a:lnTo>
+                <a:lnTo>
+                  <a:pt x="3175000" y="2057400"/>
+                </a:lnTo>
+                <a:lnTo>
+                  <a:pt x="3175000" y="2184400"/>
+                </a:lnTo>
+                <a:lnTo>
+                  <a:pt x="3225800" y="2184400"/>
+                </a:lnTo>
+                <a:lnTo>
+                  <a:pt x="3225800" y="1511300"/>
+                </a:lnTo>
+                <a:lnTo>
+                  <a:pt x="3378200" y="1511300"/>
+                </a:lnTo>
+                <a:lnTo>
+                  <a:pt x="3378200" y="1181100"/>
+                </a:lnTo>
+                <a:lnTo>
+                  <a:pt x="3505200" y="1181100"/>
+                </a:lnTo>
+                <a:lnTo>
+                  <a:pt x="3492500" y="977900"/>
+                </a:lnTo>
+                <a:lnTo>
+                  <a:pt x="3581400" y="977900"/>
+                </a:lnTo>
+                <a:lnTo>
+                  <a:pt x="3568700" y="647700"/>
+                </a:lnTo>
+                <a:lnTo>
+                  <a:pt x="3594100" y="647700"/>
+                </a:lnTo>
+                <a:lnTo>
+                  <a:pt x="3606800" y="304800"/>
+                </a:lnTo>
+                <a:lnTo>
+                  <a:pt x="3644900" y="304800"/>
+                </a:lnTo>
+                <a:lnTo>
+                  <a:pt x="3632200" y="647700"/>
+                </a:lnTo>
+                <a:lnTo>
+                  <a:pt x="3670300" y="647700"/>
+                </a:lnTo>
+                <a:lnTo>
+                  <a:pt x="3657600" y="952500"/>
+                </a:lnTo>
+                <a:lnTo>
+                  <a:pt x="3721100" y="952500"/>
+                </a:lnTo>
+                <a:lnTo>
+                  <a:pt x="3733800" y="1168400"/>
+                </a:lnTo>
+                <a:lnTo>
+                  <a:pt x="3860800" y="1181100"/>
+                </a:lnTo>
+                <a:lnTo>
+                  <a:pt x="3860800" y="1511300"/>
+                </a:lnTo>
+                <a:lnTo>
+                  <a:pt x="4025900" y="1498600"/>
+                </a:lnTo>
+                <a:lnTo>
+                  <a:pt x="4025900" y="2895600"/>
+                </a:lnTo>
+                <a:lnTo>
+                  <a:pt x="4394200" y="2882900"/>
+                </a:lnTo>
+                <a:lnTo>
+                  <a:pt x="4381500" y="1993900"/>
+                </a:lnTo>
+                <a:lnTo>
+                  <a:pt x="4787900" y="1663700"/>
+                </a:lnTo>
+                <a:lnTo>
+                  <a:pt x="4787900" y="749300"/>
+                </a:lnTo>
+                <a:lnTo>
+                  <a:pt x="5473700" y="0"/>
+                </a:lnTo>
+                <a:lnTo>
+                  <a:pt x="5473700" y="1625600"/>
+                </a:lnTo>
+                <a:lnTo>
+                  <a:pt x="5753100" y="1625600"/>
+                </a:lnTo>
+                <a:lnTo>
+                  <a:pt x="5778500" y="1943100"/>
+                </a:lnTo>
+                <a:lnTo>
+                  <a:pt x="5905500" y="1943100"/>
+                </a:lnTo>
+                <a:lnTo>
+                  <a:pt x="5905500" y="1447800"/>
+                </a:lnTo>
+                <a:lnTo>
+                  <a:pt x="6604000" y="1447800"/>
+                </a:lnTo>
+                <a:lnTo>
+                  <a:pt x="6591300" y="1562100"/>
+                </a:lnTo>
+                <a:lnTo>
+                  <a:pt x="7188200" y="1549400"/>
+                </a:lnTo>
+                <a:cubicBezTo>
+                  <a:pt x="7181263" y="2534448"/>
+                  <a:pt x="7191295" y="3002682"/>
+                  <a:pt x="7196976" y="3002665"/>
+                </a:cubicBezTo>
+              </a:path>
+            </a:pathLst>
+          </a:custGeom>
+          <a:noFill/>
+          <a:ln>
+            <a:solidFill>
+              <a:schemeClr val="accent6"/>
+            </a:solidFill>
+          </a:ln>
+        </p:spPr>
+        <p:style>
+          <a:lnRef idx="2">
+            <a:schemeClr val="accent1">
+              <a:shade val="50000"/>
+            </a:schemeClr>
+          </a:lnRef>
+          <a:fillRef idx="1">
+            <a:schemeClr val="accent1"/>
+          </a:fillRef>
+          <a:effectRef idx="0">
+            <a:schemeClr val="accent1"/>
+          </a:effectRef>
+          <a:fontRef idx="minor">
+            <a:schemeClr val="lt1"/>
+          </a:fontRef>
+        </p:style>
+        <p:txBody>
+          <a:bodyPr rtlCol="0" anchor="ctr"/>
+          <a:lstStyle/>
+          <a:p>
+            <a:pPr algn="ctr"/>
+            <a:endParaRPr lang="ko-KR" altLang="en-US" dirty="0"/>
+          </a:p>
+        </p:txBody>
+      </p:sp>
+      <p:sp>
+        <p:nvSpPr>
+          <p:cNvPr id="3" name="Rectangle 2"/>
+          <p:cNvSpPr/>
+          <p:nvPr/>
+        </p:nvSpPr>
+        <p:spPr>
+          <a:xfrm>
+            <a:off x="7822518" y="748695"/>
+            <a:ext cx="3698448" cy="707886"/>
+          </a:xfrm>
+          <a:prstGeom prst="rect">
+            <a:avLst/>
+          </a:prstGeom>
+        </p:spPr>
+        <p:txBody>
+          <a:bodyPr wrap="none">
+            <a:spAutoFit/>
+          </a:bodyPr>
+          <a:lstStyle/>
+          <a:p>
+            <a:pPr eaLnBrk="0" fontAlgn="base" latinLnBrk="0" hangingPunct="0">
+              <a:spcBef>
+                <a:spcPct val="0"/>
+              </a:spcBef>
+              <a:spcAft>
+                <a:spcPct val="0"/>
+              </a:spcAft>
+            </a:pPr>
+            <a:r>
+              <a:rPr lang="en-US" altLang="ko-KR" sz="4000" spc="-150" dirty="0">
+                <a:solidFill>
+                  <a:schemeClr val="accent6"/>
+                </a:solidFill>
+                <a:latin typeface="+mj-lt"/>
+                <a:ea typeface="Microsoft JhengHei UI Light" panose="020B0304030504040204" pitchFamily="34" charset="-120"/>
+              </a:rPr>
+              <a:t>Customer Profile</a:t>
+            </a:r>
+            <a:endParaRPr lang="ko-KR" altLang="en-US" sz="4000" spc="-150" dirty="0">
+              <a:solidFill>
+                <a:schemeClr val="accent6"/>
+              </a:solidFill>
+              <a:latin typeface="+mj-lt"/>
+              <a:ea typeface="Microsoft JhengHei UI Light" panose="020B0304030504040204" pitchFamily="34" charset="-120"/>
+            </a:endParaRPr>
+          </a:p>
+        </p:txBody>
+      </p:sp>
     </p:spTree>
     <p:extLst>
       <p:ext uri="{BB962C8B-B14F-4D97-AF65-F5344CB8AC3E}">
@@ -18269,7 +22944,1404 @@
 </p:sld>
 </file>
 
-<file path=ppt/slides/slide7.xml><?xml version="1.0" encoding="utf-8"?>
+<file path=ppt/slides/slide8.xml><?xml version="1.0" encoding="utf-8"?>
+<p:sld xmlns:a="http://schemas.openxmlformats.org/drawingml/2006/main" xmlns:r="http://schemas.openxmlformats.org/officeDocument/2006/relationships" xmlns:p="http://schemas.openxmlformats.org/presentationml/2006/main">
+  <p:cSld>
+    <p:spTree>
+      <p:nvGrpSpPr>
+        <p:cNvPr id="1" name=""/>
+        <p:cNvGrpSpPr/>
+        <p:nvPr/>
+      </p:nvGrpSpPr>
+      <p:grpSpPr>
+        <a:xfrm>
+          <a:off x="0" y="0"/>
+          <a:ext cx="0" cy="0"/>
+          <a:chOff x="0" y="0"/>
+          <a:chExt cx="0" cy="0"/>
+        </a:xfrm>
+      </p:grpSpPr>
+      <p:sp>
+        <p:nvSpPr>
+          <p:cNvPr id="2" name="Freeform 1"/>
+          <p:cNvSpPr/>
+          <p:nvPr/>
+        </p:nvSpPr>
+        <p:spPr>
+          <a:xfrm>
+            <a:off x="5634523" y="365340"/>
+            <a:ext cx="1764300" cy="1028700"/>
+          </a:xfrm>
+          <a:custGeom>
+            <a:avLst/>
+            <a:gdLst>
+              <a:gd name="connsiteX0" fmla="*/ 0 w 7188200"/>
+              <a:gd name="connsiteY0" fmla="*/ 2857500 h 2895600"/>
+              <a:gd name="connsiteX1" fmla="*/ 368300 w 7188200"/>
+              <a:gd name="connsiteY1" fmla="*/ 2870200 h 2895600"/>
+              <a:gd name="connsiteX2" fmla="*/ 368300 w 7188200"/>
+              <a:gd name="connsiteY2" fmla="*/ 1955800 h 2895600"/>
+              <a:gd name="connsiteX3" fmla="*/ 774700 w 7188200"/>
+              <a:gd name="connsiteY3" fmla="*/ 2349500 h 2895600"/>
+              <a:gd name="connsiteX4" fmla="*/ 774700 w 7188200"/>
+              <a:gd name="connsiteY4" fmla="*/ 2628900 h 2895600"/>
+              <a:gd name="connsiteX5" fmla="*/ 1079500 w 7188200"/>
+              <a:gd name="connsiteY5" fmla="*/ 2628900 h 2895600"/>
+              <a:gd name="connsiteX6" fmla="*/ 1066800 w 7188200"/>
+              <a:gd name="connsiteY6" fmla="*/ 2413000 h 2895600"/>
+              <a:gd name="connsiteX7" fmla="*/ 1143000 w 7188200"/>
+              <a:gd name="connsiteY7" fmla="*/ 2413000 h 2895600"/>
+              <a:gd name="connsiteX8" fmla="*/ 1155700 w 7188200"/>
+              <a:gd name="connsiteY8" fmla="*/ 2197100 h 2895600"/>
+              <a:gd name="connsiteX9" fmla="*/ 1219200 w 7188200"/>
+              <a:gd name="connsiteY9" fmla="*/ 2197100 h 2895600"/>
+              <a:gd name="connsiteX10" fmla="*/ 1206500 w 7188200"/>
+              <a:gd name="connsiteY10" fmla="*/ 2057400 h 2895600"/>
+              <a:gd name="connsiteX11" fmla="*/ 1333500 w 7188200"/>
+              <a:gd name="connsiteY11" fmla="*/ 2032000 h 2895600"/>
+              <a:gd name="connsiteX12" fmla="*/ 1320800 w 7188200"/>
+              <a:gd name="connsiteY12" fmla="*/ 2184400 h 2895600"/>
+              <a:gd name="connsiteX13" fmla="*/ 1397000 w 7188200"/>
+              <a:gd name="connsiteY13" fmla="*/ 2184400 h 2895600"/>
+              <a:gd name="connsiteX14" fmla="*/ 1397000 w 7188200"/>
+              <a:gd name="connsiteY14" fmla="*/ 2400300 h 2895600"/>
+              <a:gd name="connsiteX15" fmla="*/ 1473200 w 7188200"/>
+              <a:gd name="connsiteY15" fmla="*/ 2400300 h 2895600"/>
+              <a:gd name="connsiteX16" fmla="*/ 1473200 w 7188200"/>
+              <a:gd name="connsiteY16" fmla="*/ 2895600 h 2895600"/>
+              <a:gd name="connsiteX17" fmla="*/ 1562100 w 7188200"/>
+              <a:gd name="connsiteY17" fmla="*/ 2895600 h 2895600"/>
+              <a:gd name="connsiteX18" fmla="*/ 1574800 w 7188200"/>
+              <a:gd name="connsiteY18" fmla="*/ 2133600 h 2895600"/>
+              <a:gd name="connsiteX19" fmla="*/ 1981200 w 7188200"/>
+              <a:gd name="connsiteY19" fmla="*/ 1651000 h 2895600"/>
+              <a:gd name="connsiteX20" fmla="*/ 1968500 w 7188200"/>
+              <a:gd name="connsiteY20" fmla="*/ 2882900 h 2895600"/>
+              <a:gd name="connsiteX21" fmla="*/ 2108200 w 7188200"/>
+              <a:gd name="connsiteY21" fmla="*/ 2895600 h 2895600"/>
+              <a:gd name="connsiteX22" fmla="*/ 2082800 w 7188200"/>
+              <a:gd name="connsiteY22" fmla="*/ 1676400 h 2895600"/>
+              <a:gd name="connsiteX23" fmla="*/ 2197100 w 7188200"/>
+              <a:gd name="connsiteY23" fmla="*/ 1676400 h 2895600"/>
+              <a:gd name="connsiteX24" fmla="*/ 2222500 w 7188200"/>
+              <a:gd name="connsiteY24" fmla="*/ 1346200 h 2895600"/>
+              <a:gd name="connsiteX25" fmla="*/ 2311400 w 7188200"/>
+              <a:gd name="connsiteY25" fmla="*/ 1346200 h 2895600"/>
+              <a:gd name="connsiteX26" fmla="*/ 2311400 w 7188200"/>
+              <a:gd name="connsiteY26" fmla="*/ 1143000 h 2895600"/>
+              <a:gd name="connsiteX27" fmla="*/ 2501900 w 7188200"/>
+              <a:gd name="connsiteY27" fmla="*/ 1130300 h 2895600"/>
+              <a:gd name="connsiteX28" fmla="*/ 2489200 w 7188200"/>
+              <a:gd name="connsiteY28" fmla="*/ 1346200 h 2895600"/>
+              <a:gd name="connsiteX29" fmla="*/ 2590800 w 7188200"/>
+              <a:gd name="connsiteY29" fmla="*/ 1346200 h 2895600"/>
+              <a:gd name="connsiteX30" fmla="*/ 2578100 w 7188200"/>
+              <a:gd name="connsiteY30" fmla="*/ 1651000 h 2895600"/>
+              <a:gd name="connsiteX31" fmla="*/ 2717800 w 7188200"/>
+              <a:gd name="connsiteY31" fmla="*/ 1625600 h 2895600"/>
+              <a:gd name="connsiteX32" fmla="*/ 2692400 w 7188200"/>
+              <a:gd name="connsiteY32" fmla="*/ 2540000 h 2895600"/>
+              <a:gd name="connsiteX33" fmla="*/ 2895600 w 7188200"/>
+              <a:gd name="connsiteY33" fmla="*/ 2565400 h 2895600"/>
+              <a:gd name="connsiteX34" fmla="*/ 2895600 w 7188200"/>
+              <a:gd name="connsiteY34" fmla="*/ 2400300 h 2895600"/>
+              <a:gd name="connsiteX35" fmla="*/ 2997200 w 7188200"/>
+              <a:gd name="connsiteY35" fmla="*/ 2400300 h 2895600"/>
+              <a:gd name="connsiteX36" fmla="*/ 2984500 w 7188200"/>
+              <a:gd name="connsiteY36" fmla="*/ 2197100 h 2895600"/>
+              <a:gd name="connsiteX37" fmla="*/ 3035300 w 7188200"/>
+              <a:gd name="connsiteY37" fmla="*/ 2197100 h 2895600"/>
+              <a:gd name="connsiteX38" fmla="*/ 3035300 w 7188200"/>
+              <a:gd name="connsiteY38" fmla="*/ 2044700 h 2895600"/>
+              <a:gd name="connsiteX39" fmla="*/ 3086100 w 7188200"/>
+              <a:gd name="connsiteY39" fmla="*/ 2057400 h 2895600"/>
+              <a:gd name="connsiteX40" fmla="*/ 3086100 w 7188200"/>
+              <a:gd name="connsiteY40" fmla="*/ 1879600 h 2895600"/>
+              <a:gd name="connsiteX41" fmla="*/ 3124200 w 7188200"/>
+              <a:gd name="connsiteY41" fmla="*/ 1879600 h 2895600"/>
+              <a:gd name="connsiteX42" fmla="*/ 3136900 w 7188200"/>
+              <a:gd name="connsiteY42" fmla="*/ 2057400 h 2895600"/>
+              <a:gd name="connsiteX43" fmla="*/ 3175000 w 7188200"/>
+              <a:gd name="connsiteY43" fmla="*/ 2057400 h 2895600"/>
+              <a:gd name="connsiteX44" fmla="*/ 3175000 w 7188200"/>
+              <a:gd name="connsiteY44" fmla="*/ 2184400 h 2895600"/>
+              <a:gd name="connsiteX45" fmla="*/ 3225800 w 7188200"/>
+              <a:gd name="connsiteY45" fmla="*/ 2184400 h 2895600"/>
+              <a:gd name="connsiteX46" fmla="*/ 3225800 w 7188200"/>
+              <a:gd name="connsiteY46" fmla="*/ 1511300 h 2895600"/>
+              <a:gd name="connsiteX47" fmla="*/ 3378200 w 7188200"/>
+              <a:gd name="connsiteY47" fmla="*/ 1511300 h 2895600"/>
+              <a:gd name="connsiteX48" fmla="*/ 3378200 w 7188200"/>
+              <a:gd name="connsiteY48" fmla="*/ 1181100 h 2895600"/>
+              <a:gd name="connsiteX49" fmla="*/ 3505200 w 7188200"/>
+              <a:gd name="connsiteY49" fmla="*/ 1181100 h 2895600"/>
+              <a:gd name="connsiteX50" fmla="*/ 3492500 w 7188200"/>
+              <a:gd name="connsiteY50" fmla="*/ 977900 h 2895600"/>
+              <a:gd name="connsiteX51" fmla="*/ 3581400 w 7188200"/>
+              <a:gd name="connsiteY51" fmla="*/ 977900 h 2895600"/>
+              <a:gd name="connsiteX52" fmla="*/ 3568700 w 7188200"/>
+              <a:gd name="connsiteY52" fmla="*/ 647700 h 2895600"/>
+              <a:gd name="connsiteX53" fmla="*/ 3594100 w 7188200"/>
+              <a:gd name="connsiteY53" fmla="*/ 647700 h 2895600"/>
+              <a:gd name="connsiteX54" fmla="*/ 3606800 w 7188200"/>
+              <a:gd name="connsiteY54" fmla="*/ 304800 h 2895600"/>
+              <a:gd name="connsiteX55" fmla="*/ 3644900 w 7188200"/>
+              <a:gd name="connsiteY55" fmla="*/ 304800 h 2895600"/>
+              <a:gd name="connsiteX56" fmla="*/ 3632200 w 7188200"/>
+              <a:gd name="connsiteY56" fmla="*/ 647700 h 2895600"/>
+              <a:gd name="connsiteX57" fmla="*/ 3670300 w 7188200"/>
+              <a:gd name="connsiteY57" fmla="*/ 647700 h 2895600"/>
+              <a:gd name="connsiteX58" fmla="*/ 3657600 w 7188200"/>
+              <a:gd name="connsiteY58" fmla="*/ 952500 h 2895600"/>
+              <a:gd name="connsiteX59" fmla="*/ 3721100 w 7188200"/>
+              <a:gd name="connsiteY59" fmla="*/ 952500 h 2895600"/>
+              <a:gd name="connsiteX60" fmla="*/ 3733800 w 7188200"/>
+              <a:gd name="connsiteY60" fmla="*/ 1168400 h 2895600"/>
+              <a:gd name="connsiteX61" fmla="*/ 3860800 w 7188200"/>
+              <a:gd name="connsiteY61" fmla="*/ 1181100 h 2895600"/>
+              <a:gd name="connsiteX62" fmla="*/ 3860800 w 7188200"/>
+              <a:gd name="connsiteY62" fmla="*/ 1511300 h 2895600"/>
+              <a:gd name="connsiteX63" fmla="*/ 4025900 w 7188200"/>
+              <a:gd name="connsiteY63" fmla="*/ 1498600 h 2895600"/>
+              <a:gd name="connsiteX64" fmla="*/ 4025900 w 7188200"/>
+              <a:gd name="connsiteY64" fmla="*/ 2895600 h 2895600"/>
+              <a:gd name="connsiteX65" fmla="*/ 4394200 w 7188200"/>
+              <a:gd name="connsiteY65" fmla="*/ 2882900 h 2895600"/>
+              <a:gd name="connsiteX66" fmla="*/ 4381500 w 7188200"/>
+              <a:gd name="connsiteY66" fmla="*/ 1993900 h 2895600"/>
+              <a:gd name="connsiteX67" fmla="*/ 4787900 w 7188200"/>
+              <a:gd name="connsiteY67" fmla="*/ 1663700 h 2895600"/>
+              <a:gd name="connsiteX68" fmla="*/ 4787900 w 7188200"/>
+              <a:gd name="connsiteY68" fmla="*/ 749300 h 2895600"/>
+              <a:gd name="connsiteX69" fmla="*/ 5473700 w 7188200"/>
+              <a:gd name="connsiteY69" fmla="*/ 0 h 2895600"/>
+              <a:gd name="connsiteX70" fmla="*/ 5473700 w 7188200"/>
+              <a:gd name="connsiteY70" fmla="*/ 1625600 h 2895600"/>
+              <a:gd name="connsiteX71" fmla="*/ 5753100 w 7188200"/>
+              <a:gd name="connsiteY71" fmla="*/ 1625600 h 2895600"/>
+              <a:gd name="connsiteX72" fmla="*/ 5778500 w 7188200"/>
+              <a:gd name="connsiteY72" fmla="*/ 1943100 h 2895600"/>
+              <a:gd name="connsiteX73" fmla="*/ 5905500 w 7188200"/>
+              <a:gd name="connsiteY73" fmla="*/ 1943100 h 2895600"/>
+              <a:gd name="connsiteX74" fmla="*/ 5905500 w 7188200"/>
+              <a:gd name="connsiteY74" fmla="*/ 1447800 h 2895600"/>
+              <a:gd name="connsiteX75" fmla="*/ 6604000 w 7188200"/>
+              <a:gd name="connsiteY75" fmla="*/ 1447800 h 2895600"/>
+              <a:gd name="connsiteX76" fmla="*/ 6591300 w 7188200"/>
+              <a:gd name="connsiteY76" fmla="*/ 1562100 h 2895600"/>
+              <a:gd name="connsiteX77" fmla="*/ 7188200 w 7188200"/>
+              <a:gd name="connsiteY77" fmla="*/ 1549400 h 2895600"/>
+              <a:gd name="connsiteX0" fmla="*/ 0 w 7188200"/>
+              <a:gd name="connsiteY0" fmla="*/ 2857500 h 2895600"/>
+              <a:gd name="connsiteX1" fmla="*/ 368300 w 7188200"/>
+              <a:gd name="connsiteY1" fmla="*/ 2870200 h 2895600"/>
+              <a:gd name="connsiteX2" fmla="*/ 368300 w 7188200"/>
+              <a:gd name="connsiteY2" fmla="*/ 1955800 h 2895600"/>
+              <a:gd name="connsiteX3" fmla="*/ 774700 w 7188200"/>
+              <a:gd name="connsiteY3" fmla="*/ 2349500 h 2895600"/>
+              <a:gd name="connsiteX4" fmla="*/ 774700 w 7188200"/>
+              <a:gd name="connsiteY4" fmla="*/ 2628900 h 2895600"/>
+              <a:gd name="connsiteX5" fmla="*/ 1079500 w 7188200"/>
+              <a:gd name="connsiteY5" fmla="*/ 2628900 h 2895600"/>
+              <a:gd name="connsiteX6" fmla="*/ 1066800 w 7188200"/>
+              <a:gd name="connsiteY6" fmla="*/ 2413000 h 2895600"/>
+              <a:gd name="connsiteX7" fmla="*/ 1143000 w 7188200"/>
+              <a:gd name="connsiteY7" fmla="*/ 2413000 h 2895600"/>
+              <a:gd name="connsiteX8" fmla="*/ 1155700 w 7188200"/>
+              <a:gd name="connsiteY8" fmla="*/ 2197100 h 2895600"/>
+              <a:gd name="connsiteX9" fmla="*/ 1219200 w 7188200"/>
+              <a:gd name="connsiteY9" fmla="*/ 2197100 h 2895600"/>
+              <a:gd name="connsiteX10" fmla="*/ 1206500 w 7188200"/>
+              <a:gd name="connsiteY10" fmla="*/ 2057400 h 2895600"/>
+              <a:gd name="connsiteX11" fmla="*/ 1333500 w 7188200"/>
+              <a:gd name="connsiteY11" fmla="*/ 2032000 h 2895600"/>
+              <a:gd name="connsiteX12" fmla="*/ 1320800 w 7188200"/>
+              <a:gd name="connsiteY12" fmla="*/ 2184400 h 2895600"/>
+              <a:gd name="connsiteX13" fmla="*/ 1397000 w 7188200"/>
+              <a:gd name="connsiteY13" fmla="*/ 2184400 h 2895600"/>
+              <a:gd name="connsiteX14" fmla="*/ 1397000 w 7188200"/>
+              <a:gd name="connsiteY14" fmla="*/ 2400300 h 2895600"/>
+              <a:gd name="connsiteX15" fmla="*/ 1473200 w 7188200"/>
+              <a:gd name="connsiteY15" fmla="*/ 2400300 h 2895600"/>
+              <a:gd name="connsiteX16" fmla="*/ 1473200 w 7188200"/>
+              <a:gd name="connsiteY16" fmla="*/ 2895600 h 2895600"/>
+              <a:gd name="connsiteX17" fmla="*/ 1562100 w 7188200"/>
+              <a:gd name="connsiteY17" fmla="*/ 2895600 h 2895600"/>
+              <a:gd name="connsiteX18" fmla="*/ 1574800 w 7188200"/>
+              <a:gd name="connsiteY18" fmla="*/ 2133600 h 2895600"/>
+              <a:gd name="connsiteX19" fmla="*/ 1981200 w 7188200"/>
+              <a:gd name="connsiteY19" fmla="*/ 1651000 h 2895600"/>
+              <a:gd name="connsiteX20" fmla="*/ 1968500 w 7188200"/>
+              <a:gd name="connsiteY20" fmla="*/ 2882900 h 2895600"/>
+              <a:gd name="connsiteX21" fmla="*/ 2108200 w 7188200"/>
+              <a:gd name="connsiteY21" fmla="*/ 2895600 h 2895600"/>
+              <a:gd name="connsiteX22" fmla="*/ 2082800 w 7188200"/>
+              <a:gd name="connsiteY22" fmla="*/ 1676400 h 2895600"/>
+              <a:gd name="connsiteX23" fmla="*/ 2197100 w 7188200"/>
+              <a:gd name="connsiteY23" fmla="*/ 1676400 h 2895600"/>
+              <a:gd name="connsiteX24" fmla="*/ 2222500 w 7188200"/>
+              <a:gd name="connsiteY24" fmla="*/ 1346200 h 2895600"/>
+              <a:gd name="connsiteX25" fmla="*/ 2311400 w 7188200"/>
+              <a:gd name="connsiteY25" fmla="*/ 1346200 h 2895600"/>
+              <a:gd name="connsiteX26" fmla="*/ 2311400 w 7188200"/>
+              <a:gd name="connsiteY26" fmla="*/ 1143000 h 2895600"/>
+              <a:gd name="connsiteX27" fmla="*/ 2501900 w 7188200"/>
+              <a:gd name="connsiteY27" fmla="*/ 1130300 h 2895600"/>
+              <a:gd name="connsiteX28" fmla="*/ 2489200 w 7188200"/>
+              <a:gd name="connsiteY28" fmla="*/ 1346200 h 2895600"/>
+              <a:gd name="connsiteX29" fmla="*/ 2590800 w 7188200"/>
+              <a:gd name="connsiteY29" fmla="*/ 1346200 h 2895600"/>
+              <a:gd name="connsiteX30" fmla="*/ 2578100 w 7188200"/>
+              <a:gd name="connsiteY30" fmla="*/ 1651000 h 2895600"/>
+              <a:gd name="connsiteX31" fmla="*/ 2717800 w 7188200"/>
+              <a:gd name="connsiteY31" fmla="*/ 1625600 h 2895600"/>
+              <a:gd name="connsiteX32" fmla="*/ 2692400 w 7188200"/>
+              <a:gd name="connsiteY32" fmla="*/ 2540000 h 2895600"/>
+              <a:gd name="connsiteX33" fmla="*/ 2895600 w 7188200"/>
+              <a:gd name="connsiteY33" fmla="*/ 2565400 h 2895600"/>
+              <a:gd name="connsiteX34" fmla="*/ 2895600 w 7188200"/>
+              <a:gd name="connsiteY34" fmla="*/ 2400300 h 2895600"/>
+              <a:gd name="connsiteX35" fmla="*/ 2997200 w 7188200"/>
+              <a:gd name="connsiteY35" fmla="*/ 2400300 h 2895600"/>
+              <a:gd name="connsiteX36" fmla="*/ 2984500 w 7188200"/>
+              <a:gd name="connsiteY36" fmla="*/ 2197100 h 2895600"/>
+              <a:gd name="connsiteX37" fmla="*/ 3035300 w 7188200"/>
+              <a:gd name="connsiteY37" fmla="*/ 2197100 h 2895600"/>
+              <a:gd name="connsiteX38" fmla="*/ 3035300 w 7188200"/>
+              <a:gd name="connsiteY38" fmla="*/ 2044700 h 2895600"/>
+              <a:gd name="connsiteX39" fmla="*/ 3086100 w 7188200"/>
+              <a:gd name="connsiteY39" fmla="*/ 2057400 h 2895600"/>
+              <a:gd name="connsiteX40" fmla="*/ 3086100 w 7188200"/>
+              <a:gd name="connsiteY40" fmla="*/ 1879600 h 2895600"/>
+              <a:gd name="connsiteX41" fmla="*/ 3124200 w 7188200"/>
+              <a:gd name="connsiteY41" fmla="*/ 1879600 h 2895600"/>
+              <a:gd name="connsiteX42" fmla="*/ 3136900 w 7188200"/>
+              <a:gd name="connsiteY42" fmla="*/ 2057400 h 2895600"/>
+              <a:gd name="connsiteX43" fmla="*/ 3175000 w 7188200"/>
+              <a:gd name="connsiteY43" fmla="*/ 2057400 h 2895600"/>
+              <a:gd name="connsiteX44" fmla="*/ 3175000 w 7188200"/>
+              <a:gd name="connsiteY44" fmla="*/ 2184400 h 2895600"/>
+              <a:gd name="connsiteX45" fmla="*/ 3225800 w 7188200"/>
+              <a:gd name="connsiteY45" fmla="*/ 2184400 h 2895600"/>
+              <a:gd name="connsiteX46" fmla="*/ 3225800 w 7188200"/>
+              <a:gd name="connsiteY46" fmla="*/ 1511300 h 2895600"/>
+              <a:gd name="connsiteX47" fmla="*/ 3378200 w 7188200"/>
+              <a:gd name="connsiteY47" fmla="*/ 1511300 h 2895600"/>
+              <a:gd name="connsiteX48" fmla="*/ 3378200 w 7188200"/>
+              <a:gd name="connsiteY48" fmla="*/ 1181100 h 2895600"/>
+              <a:gd name="connsiteX49" fmla="*/ 3505200 w 7188200"/>
+              <a:gd name="connsiteY49" fmla="*/ 1181100 h 2895600"/>
+              <a:gd name="connsiteX50" fmla="*/ 3492500 w 7188200"/>
+              <a:gd name="connsiteY50" fmla="*/ 977900 h 2895600"/>
+              <a:gd name="connsiteX51" fmla="*/ 3581400 w 7188200"/>
+              <a:gd name="connsiteY51" fmla="*/ 977900 h 2895600"/>
+              <a:gd name="connsiteX52" fmla="*/ 3568700 w 7188200"/>
+              <a:gd name="connsiteY52" fmla="*/ 647700 h 2895600"/>
+              <a:gd name="connsiteX53" fmla="*/ 3594100 w 7188200"/>
+              <a:gd name="connsiteY53" fmla="*/ 647700 h 2895600"/>
+              <a:gd name="connsiteX54" fmla="*/ 3606800 w 7188200"/>
+              <a:gd name="connsiteY54" fmla="*/ 304800 h 2895600"/>
+              <a:gd name="connsiteX55" fmla="*/ 3644900 w 7188200"/>
+              <a:gd name="connsiteY55" fmla="*/ 304800 h 2895600"/>
+              <a:gd name="connsiteX56" fmla="*/ 3632200 w 7188200"/>
+              <a:gd name="connsiteY56" fmla="*/ 647700 h 2895600"/>
+              <a:gd name="connsiteX57" fmla="*/ 3670300 w 7188200"/>
+              <a:gd name="connsiteY57" fmla="*/ 647700 h 2895600"/>
+              <a:gd name="connsiteX58" fmla="*/ 3657600 w 7188200"/>
+              <a:gd name="connsiteY58" fmla="*/ 952500 h 2895600"/>
+              <a:gd name="connsiteX59" fmla="*/ 3721100 w 7188200"/>
+              <a:gd name="connsiteY59" fmla="*/ 952500 h 2895600"/>
+              <a:gd name="connsiteX60" fmla="*/ 3733800 w 7188200"/>
+              <a:gd name="connsiteY60" fmla="*/ 1168400 h 2895600"/>
+              <a:gd name="connsiteX61" fmla="*/ 3860800 w 7188200"/>
+              <a:gd name="connsiteY61" fmla="*/ 1181100 h 2895600"/>
+              <a:gd name="connsiteX62" fmla="*/ 3860800 w 7188200"/>
+              <a:gd name="connsiteY62" fmla="*/ 1511300 h 2895600"/>
+              <a:gd name="connsiteX63" fmla="*/ 4025900 w 7188200"/>
+              <a:gd name="connsiteY63" fmla="*/ 1498600 h 2895600"/>
+              <a:gd name="connsiteX64" fmla="*/ 4025900 w 7188200"/>
+              <a:gd name="connsiteY64" fmla="*/ 2895600 h 2895600"/>
+              <a:gd name="connsiteX65" fmla="*/ 4394200 w 7188200"/>
+              <a:gd name="connsiteY65" fmla="*/ 2882900 h 2895600"/>
+              <a:gd name="connsiteX66" fmla="*/ 4381500 w 7188200"/>
+              <a:gd name="connsiteY66" fmla="*/ 1993900 h 2895600"/>
+              <a:gd name="connsiteX67" fmla="*/ 4787900 w 7188200"/>
+              <a:gd name="connsiteY67" fmla="*/ 1663700 h 2895600"/>
+              <a:gd name="connsiteX68" fmla="*/ 4787900 w 7188200"/>
+              <a:gd name="connsiteY68" fmla="*/ 749300 h 2895600"/>
+              <a:gd name="connsiteX69" fmla="*/ 5473700 w 7188200"/>
+              <a:gd name="connsiteY69" fmla="*/ 0 h 2895600"/>
+              <a:gd name="connsiteX70" fmla="*/ 5473700 w 7188200"/>
+              <a:gd name="connsiteY70" fmla="*/ 1625600 h 2895600"/>
+              <a:gd name="connsiteX71" fmla="*/ 5753100 w 7188200"/>
+              <a:gd name="connsiteY71" fmla="*/ 1625600 h 2895600"/>
+              <a:gd name="connsiteX72" fmla="*/ 5778500 w 7188200"/>
+              <a:gd name="connsiteY72" fmla="*/ 1943100 h 2895600"/>
+              <a:gd name="connsiteX73" fmla="*/ 5905500 w 7188200"/>
+              <a:gd name="connsiteY73" fmla="*/ 1943100 h 2895600"/>
+              <a:gd name="connsiteX74" fmla="*/ 5905500 w 7188200"/>
+              <a:gd name="connsiteY74" fmla="*/ 1447800 h 2895600"/>
+              <a:gd name="connsiteX75" fmla="*/ 6604000 w 7188200"/>
+              <a:gd name="connsiteY75" fmla="*/ 1447800 h 2895600"/>
+              <a:gd name="connsiteX76" fmla="*/ 6591300 w 7188200"/>
+              <a:gd name="connsiteY76" fmla="*/ 1562100 h 2895600"/>
+              <a:gd name="connsiteX77" fmla="*/ 7188200 w 7188200"/>
+              <a:gd name="connsiteY77" fmla="*/ 1549400 h 2895600"/>
+              <a:gd name="connsiteX0" fmla="*/ 0 w 7241117"/>
+              <a:gd name="connsiteY0" fmla="*/ 2857500 h 2895600"/>
+              <a:gd name="connsiteX1" fmla="*/ 368300 w 7241117"/>
+              <a:gd name="connsiteY1" fmla="*/ 2870200 h 2895600"/>
+              <a:gd name="connsiteX2" fmla="*/ 368300 w 7241117"/>
+              <a:gd name="connsiteY2" fmla="*/ 1955800 h 2895600"/>
+              <a:gd name="connsiteX3" fmla="*/ 774700 w 7241117"/>
+              <a:gd name="connsiteY3" fmla="*/ 2349500 h 2895600"/>
+              <a:gd name="connsiteX4" fmla="*/ 774700 w 7241117"/>
+              <a:gd name="connsiteY4" fmla="*/ 2628900 h 2895600"/>
+              <a:gd name="connsiteX5" fmla="*/ 1079500 w 7241117"/>
+              <a:gd name="connsiteY5" fmla="*/ 2628900 h 2895600"/>
+              <a:gd name="connsiteX6" fmla="*/ 1066800 w 7241117"/>
+              <a:gd name="connsiteY6" fmla="*/ 2413000 h 2895600"/>
+              <a:gd name="connsiteX7" fmla="*/ 1143000 w 7241117"/>
+              <a:gd name="connsiteY7" fmla="*/ 2413000 h 2895600"/>
+              <a:gd name="connsiteX8" fmla="*/ 1155700 w 7241117"/>
+              <a:gd name="connsiteY8" fmla="*/ 2197100 h 2895600"/>
+              <a:gd name="connsiteX9" fmla="*/ 1219200 w 7241117"/>
+              <a:gd name="connsiteY9" fmla="*/ 2197100 h 2895600"/>
+              <a:gd name="connsiteX10" fmla="*/ 1206500 w 7241117"/>
+              <a:gd name="connsiteY10" fmla="*/ 2057400 h 2895600"/>
+              <a:gd name="connsiteX11" fmla="*/ 1333500 w 7241117"/>
+              <a:gd name="connsiteY11" fmla="*/ 2032000 h 2895600"/>
+              <a:gd name="connsiteX12" fmla="*/ 1320800 w 7241117"/>
+              <a:gd name="connsiteY12" fmla="*/ 2184400 h 2895600"/>
+              <a:gd name="connsiteX13" fmla="*/ 1397000 w 7241117"/>
+              <a:gd name="connsiteY13" fmla="*/ 2184400 h 2895600"/>
+              <a:gd name="connsiteX14" fmla="*/ 1397000 w 7241117"/>
+              <a:gd name="connsiteY14" fmla="*/ 2400300 h 2895600"/>
+              <a:gd name="connsiteX15" fmla="*/ 1473200 w 7241117"/>
+              <a:gd name="connsiteY15" fmla="*/ 2400300 h 2895600"/>
+              <a:gd name="connsiteX16" fmla="*/ 1473200 w 7241117"/>
+              <a:gd name="connsiteY16" fmla="*/ 2895600 h 2895600"/>
+              <a:gd name="connsiteX17" fmla="*/ 1562100 w 7241117"/>
+              <a:gd name="connsiteY17" fmla="*/ 2895600 h 2895600"/>
+              <a:gd name="connsiteX18" fmla="*/ 1574800 w 7241117"/>
+              <a:gd name="connsiteY18" fmla="*/ 2133600 h 2895600"/>
+              <a:gd name="connsiteX19" fmla="*/ 1981200 w 7241117"/>
+              <a:gd name="connsiteY19" fmla="*/ 1651000 h 2895600"/>
+              <a:gd name="connsiteX20" fmla="*/ 1968500 w 7241117"/>
+              <a:gd name="connsiteY20" fmla="*/ 2882900 h 2895600"/>
+              <a:gd name="connsiteX21" fmla="*/ 2108200 w 7241117"/>
+              <a:gd name="connsiteY21" fmla="*/ 2895600 h 2895600"/>
+              <a:gd name="connsiteX22" fmla="*/ 2082800 w 7241117"/>
+              <a:gd name="connsiteY22" fmla="*/ 1676400 h 2895600"/>
+              <a:gd name="connsiteX23" fmla="*/ 2197100 w 7241117"/>
+              <a:gd name="connsiteY23" fmla="*/ 1676400 h 2895600"/>
+              <a:gd name="connsiteX24" fmla="*/ 2222500 w 7241117"/>
+              <a:gd name="connsiteY24" fmla="*/ 1346200 h 2895600"/>
+              <a:gd name="connsiteX25" fmla="*/ 2311400 w 7241117"/>
+              <a:gd name="connsiteY25" fmla="*/ 1346200 h 2895600"/>
+              <a:gd name="connsiteX26" fmla="*/ 2311400 w 7241117"/>
+              <a:gd name="connsiteY26" fmla="*/ 1143000 h 2895600"/>
+              <a:gd name="connsiteX27" fmla="*/ 2501900 w 7241117"/>
+              <a:gd name="connsiteY27" fmla="*/ 1130300 h 2895600"/>
+              <a:gd name="connsiteX28" fmla="*/ 2489200 w 7241117"/>
+              <a:gd name="connsiteY28" fmla="*/ 1346200 h 2895600"/>
+              <a:gd name="connsiteX29" fmla="*/ 2590800 w 7241117"/>
+              <a:gd name="connsiteY29" fmla="*/ 1346200 h 2895600"/>
+              <a:gd name="connsiteX30" fmla="*/ 2578100 w 7241117"/>
+              <a:gd name="connsiteY30" fmla="*/ 1651000 h 2895600"/>
+              <a:gd name="connsiteX31" fmla="*/ 2717800 w 7241117"/>
+              <a:gd name="connsiteY31" fmla="*/ 1625600 h 2895600"/>
+              <a:gd name="connsiteX32" fmla="*/ 2692400 w 7241117"/>
+              <a:gd name="connsiteY32" fmla="*/ 2540000 h 2895600"/>
+              <a:gd name="connsiteX33" fmla="*/ 2895600 w 7241117"/>
+              <a:gd name="connsiteY33" fmla="*/ 2565400 h 2895600"/>
+              <a:gd name="connsiteX34" fmla="*/ 2895600 w 7241117"/>
+              <a:gd name="connsiteY34" fmla="*/ 2400300 h 2895600"/>
+              <a:gd name="connsiteX35" fmla="*/ 2997200 w 7241117"/>
+              <a:gd name="connsiteY35" fmla="*/ 2400300 h 2895600"/>
+              <a:gd name="connsiteX36" fmla="*/ 2984500 w 7241117"/>
+              <a:gd name="connsiteY36" fmla="*/ 2197100 h 2895600"/>
+              <a:gd name="connsiteX37" fmla="*/ 3035300 w 7241117"/>
+              <a:gd name="connsiteY37" fmla="*/ 2197100 h 2895600"/>
+              <a:gd name="connsiteX38" fmla="*/ 3035300 w 7241117"/>
+              <a:gd name="connsiteY38" fmla="*/ 2044700 h 2895600"/>
+              <a:gd name="connsiteX39" fmla="*/ 3086100 w 7241117"/>
+              <a:gd name="connsiteY39" fmla="*/ 2057400 h 2895600"/>
+              <a:gd name="connsiteX40" fmla="*/ 3086100 w 7241117"/>
+              <a:gd name="connsiteY40" fmla="*/ 1879600 h 2895600"/>
+              <a:gd name="connsiteX41" fmla="*/ 3124200 w 7241117"/>
+              <a:gd name="connsiteY41" fmla="*/ 1879600 h 2895600"/>
+              <a:gd name="connsiteX42" fmla="*/ 3136900 w 7241117"/>
+              <a:gd name="connsiteY42" fmla="*/ 2057400 h 2895600"/>
+              <a:gd name="connsiteX43" fmla="*/ 3175000 w 7241117"/>
+              <a:gd name="connsiteY43" fmla="*/ 2057400 h 2895600"/>
+              <a:gd name="connsiteX44" fmla="*/ 3175000 w 7241117"/>
+              <a:gd name="connsiteY44" fmla="*/ 2184400 h 2895600"/>
+              <a:gd name="connsiteX45" fmla="*/ 3225800 w 7241117"/>
+              <a:gd name="connsiteY45" fmla="*/ 2184400 h 2895600"/>
+              <a:gd name="connsiteX46" fmla="*/ 3225800 w 7241117"/>
+              <a:gd name="connsiteY46" fmla="*/ 1511300 h 2895600"/>
+              <a:gd name="connsiteX47" fmla="*/ 3378200 w 7241117"/>
+              <a:gd name="connsiteY47" fmla="*/ 1511300 h 2895600"/>
+              <a:gd name="connsiteX48" fmla="*/ 3378200 w 7241117"/>
+              <a:gd name="connsiteY48" fmla="*/ 1181100 h 2895600"/>
+              <a:gd name="connsiteX49" fmla="*/ 3505200 w 7241117"/>
+              <a:gd name="connsiteY49" fmla="*/ 1181100 h 2895600"/>
+              <a:gd name="connsiteX50" fmla="*/ 3492500 w 7241117"/>
+              <a:gd name="connsiteY50" fmla="*/ 977900 h 2895600"/>
+              <a:gd name="connsiteX51" fmla="*/ 3581400 w 7241117"/>
+              <a:gd name="connsiteY51" fmla="*/ 977900 h 2895600"/>
+              <a:gd name="connsiteX52" fmla="*/ 3568700 w 7241117"/>
+              <a:gd name="connsiteY52" fmla="*/ 647700 h 2895600"/>
+              <a:gd name="connsiteX53" fmla="*/ 3594100 w 7241117"/>
+              <a:gd name="connsiteY53" fmla="*/ 647700 h 2895600"/>
+              <a:gd name="connsiteX54" fmla="*/ 3606800 w 7241117"/>
+              <a:gd name="connsiteY54" fmla="*/ 304800 h 2895600"/>
+              <a:gd name="connsiteX55" fmla="*/ 3644900 w 7241117"/>
+              <a:gd name="connsiteY55" fmla="*/ 304800 h 2895600"/>
+              <a:gd name="connsiteX56" fmla="*/ 3632200 w 7241117"/>
+              <a:gd name="connsiteY56" fmla="*/ 647700 h 2895600"/>
+              <a:gd name="connsiteX57" fmla="*/ 3670300 w 7241117"/>
+              <a:gd name="connsiteY57" fmla="*/ 647700 h 2895600"/>
+              <a:gd name="connsiteX58" fmla="*/ 3657600 w 7241117"/>
+              <a:gd name="connsiteY58" fmla="*/ 952500 h 2895600"/>
+              <a:gd name="connsiteX59" fmla="*/ 3721100 w 7241117"/>
+              <a:gd name="connsiteY59" fmla="*/ 952500 h 2895600"/>
+              <a:gd name="connsiteX60" fmla="*/ 3733800 w 7241117"/>
+              <a:gd name="connsiteY60" fmla="*/ 1168400 h 2895600"/>
+              <a:gd name="connsiteX61" fmla="*/ 3860800 w 7241117"/>
+              <a:gd name="connsiteY61" fmla="*/ 1181100 h 2895600"/>
+              <a:gd name="connsiteX62" fmla="*/ 3860800 w 7241117"/>
+              <a:gd name="connsiteY62" fmla="*/ 1511300 h 2895600"/>
+              <a:gd name="connsiteX63" fmla="*/ 4025900 w 7241117"/>
+              <a:gd name="connsiteY63" fmla="*/ 1498600 h 2895600"/>
+              <a:gd name="connsiteX64" fmla="*/ 4025900 w 7241117"/>
+              <a:gd name="connsiteY64" fmla="*/ 2895600 h 2895600"/>
+              <a:gd name="connsiteX65" fmla="*/ 4394200 w 7241117"/>
+              <a:gd name="connsiteY65" fmla="*/ 2882900 h 2895600"/>
+              <a:gd name="connsiteX66" fmla="*/ 4381500 w 7241117"/>
+              <a:gd name="connsiteY66" fmla="*/ 1993900 h 2895600"/>
+              <a:gd name="connsiteX67" fmla="*/ 4787900 w 7241117"/>
+              <a:gd name="connsiteY67" fmla="*/ 1663700 h 2895600"/>
+              <a:gd name="connsiteX68" fmla="*/ 4787900 w 7241117"/>
+              <a:gd name="connsiteY68" fmla="*/ 749300 h 2895600"/>
+              <a:gd name="connsiteX69" fmla="*/ 5473700 w 7241117"/>
+              <a:gd name="connsiteY69" fmla="*/ 0 h 2895600"/>
+              <a:gd name="connsiteX70" fmla="*/ 5473700 w 7241117"/>
+              <a:gd name="connsiteY70" fmla="*/ 1625600 h 2895600"/>
+              <a:gd name="connsiteX71" fmla="*/ 5753100 w 7241117"/>
+              <a:gd name="connsiteY71" fmla="*/ 1625600 h 2895600"/>
+              <a:gd name="connsiteX72" fmla="*/ 5778500 w 7241117"/>
+              <a:gd name="connsiteY72" fmla="*/ 1943100 h 2895600"/>
+              <a:gd name="connsiteX73" fmla="*/ 5905500 w 7241117"/>
+              <a:gd name="connsiteY73" fmla="*/ 1943100 h 2895600"/>
+              <a:gd name="connsiteX74" fmla="*/ 5905500 w 7241117"/>
+              <a:gd name="connsiteY74" fmla="*/ 1447800 h 2895600"/>
+              <a:gd name="connsiteX75" fmla="*/ 6604000 w 7241117"/>
+              <a:gd name="connsiteY75" fmla="*/ 1447800 h 2895600"/>
+              <a:gd name="connsiteX76" fmla="*/ 6591300 w 7241117"/>
+              <a:gd name="connsiteY76" fmla="*/ 1562100 h 2895600"/>
+              <a:gd name="connsiteX77" fmla="*/ 7188200 w 7241117"/>
+              <a:gd name="connsiteY77" fmla="*/ 1549400 h 2895600"/>
+              <a:gd name="connsiteX78" fmla="*/ 7215469 w 7241117"/>
+              <a:gd name="connsiteY78" fmla="*/ 1549320 h 2895600"/>
+              <a:gd name="connsiteX0" fmla="*/ 0 w 7235477"/>
+              <a:gd name="connsiteY0" fmla="*/ 2857500 h 3002665"/>
+              <a:gd name="connsiteX1" fmla="*/ 368300 w 7235477"/>
+              <a:gd name="connsiteY1" fmla="*/ 2870200 h 3002665"/>
+              <a:gd name="connsiteX2" fmla="*/ 368300 w 7235477"/>
+              <a:gd name="connsiteY2" fmla="*/ 1955800 h 3002665"/>
+              <a:gd name="connsiteX3" fmla="*/ 774700 w 7235477"/>
+              <a:gd name="connsiteY3" fmla="*/ 2349500 h 3002665"/>
+              <a:gd name="connsiteX4" fmla="*/ 774700 w 7235477"/>
+              <a:gd name="connsiteY4" fmla="*/ 2628900 h 3002665"/>
+              <a:gd name="connsiteX5" fmla="*/ 1079500 w 7235477"/>
+              <a:gd name="connsiteY5" fmla="*/ 2628900 h 3002665"/>
+              <a:gd name="connsiteX6" fmla="*/ 1066800 w 7235477"/>
+              <a:gd name="connsiteY6" fmla="*/ 2413000 h 3002665"/>
+              <a:gd name="connsiteX7" fmla="*/ 1143000 w 7235477"/>
+              <a:gd name="connsiteY7" fmla="*/ 2413000 h 3002665"/>
+              <a:gd name="connsiteX8" fmla="*/ 1155700 w 7235477"/>
+              <a:gd name="connsiteY8" fmla="*/ 2197100 h 3002665"/>
+              <a:gd name="connsiteX9" fmla="*/ 1219200 w 7235477"/>
+              <a:gd name="connsiteY9" fmla="*/ 2197100 h 3002665"/>
+              <a:gd name="connsiteX10" fmla="*/ 1206500 w 7235477"/>
+              <a:gd name="connsiteY10" fmla="*/ 2057400 h 3002665"/>
+              <a:gd name="connsiteX11" fmla="*/ 1333500 w 7235477"/>
+              <a:gd name="connsiteY11" fmla="*/ 2032000 h 3002665"/>
+              <a:gd name="connsiteX12" fmla="*/ 1320800 w 7235477"/>
+              <a:gd name="connsiteY12" fmla="*/ 2184400 h 3002665"/>
+              <a:gd name="connsiteX13" fmla="*/ 1397000 w 7235477"/>
+              <a:gd name="connsiteY13" fmla="*/ 2184400 h 3002665"/>
+              <a:gd name="connsiteX14" fmla="*/ 1397000 w 7235477"/>
+              <a:gd name="connsiteY14" fmla="*/ 2400300 h 3002665"/>
+              <a:gd name="connsiteX15" fmla="*/ 1473200 w 7235477"/>
+              <a:gd name="connsiteY15" fmla="*/ 2400300 h 3002665"/>
+              <a:gd name="connsiteX16" fmla="*/ 1473200 w 7235477"/>
+              <a:gd name="connsiteY16" fmla="*/ 2895600 h 3002665"/>
+              <a:gd name="connsiteX17" fmla="*/ 1562100 w 7235477"/>
+              <a:gd name="connsiteY17" fmla="*/ 2895600 h 3002665"/>
+              <a:gd name="connsiteX18" fmla="*/ 1574800 w 7235477"/>
+              <a:gd name="connsiteY18" fmla="*/ 2133600 h 3002665"/>
+              <a:gd name="connsiteX19" fmla="*/ 1981200 w 7235477"/>
+              <a:gd name="connsiteY19" fmla="*/ 1651000 h 3002665"/>
+              <a:gd name="connsiteX20" fmla="*/ 1968500 w 7235477"/>
+              <a:gd name="connsiteY20" fmla="*/ 2882900 h 3002665"/>
+              <a:gd name="connsiteX21" fmla="*/ 2108200 w 7235477"/>
+              <a:gd name="connsiteY21" fmla="*/ 2895600 h 3002665"/>
+              <a:gd name="connsiteX22" fmla="*/ 2082800 w 7235477"/>
+              <a:gd name="connsiteY22" fmla="*/ 1676400 h 3002665"/>
+              <a:gd name="connsiteX23" fmla="*/ 2197100 w 7235477"/>
+              <a:gd name="connsiteY23" fmla="*/ 1676400 h 3002665"/>
+              <a:gd name="connsiteX24" fmla="*/ 2222500 w 7235477"/>
+              <a:gd name="connsiteY24" fmla="*/ 1346200 h 3002665"/>
+              <a:gd name="connsiteX25" fmla="*/ 2311400 w 7235477"/>
+              <a:gd name="connsiteY25" fmla="*/ 1346200 h 3002665"/>
+              <a:gd name="connsiteX26" fmla="*/ 2311400 w 7235477"/>
+              <a:gd name="connsiteY26" fmla="*/ 1143000 h 3002665"/>
+              <a:gd name="connsiteX27" fmla="*/ 2501900 w 7235477"/>
+              <a:gd name="connsiteY27" fmla="*/ 1130300 h 3002665"/>
+              <a:gd name="connsiteX28" fmla="*/ 2489200 w 7235477"/>
+              <a:gd name="connsiteY28" fmla="*/ 1346200 h 3002665"/>
+              <a:gd name="connsiteX29" fmla="*/ 2590800 w 7235477"/>
+              <a:gd name="connsiteY29" fmla="*/ 1346200 h 3002665"/>
+              <a:gd name="connsiteX30" fmla="*/ 2578100 w 7235477"/>
+              <a:gd name="connsiteY30" fmla="*/ 1651000 h 3002665"/>
+              <a:gd name="connsiteX31" fmla="*/ 2717800 w 7235477"/>
+              <a:gd name="connsiteY31" fmla="*/ 1625600 h 3002665"/>
+              <a:gd name="connsiteX32" fmla="*/ 2692400 w 7235477"/>
+              <a:gd name="connsiteY32" fmla="*/ 2540000 h 3002665"/>
+              <a:gd name="connsiteX33" fmla="*/ 2895600 w 7235477"/>
+              <a:gd name="connsiteY33" fmla="*/ 2565400 h 3002665"/>
+              <a:gd name="connsiteX34" fmla="*/ 2895600 w 7235477"/>
+              <a:gd name="connsiteY34" fmla="*/ 2400300 h 3002665"/>
+              <a:gd name="connsiteX35" fmla="*/ 2997200 w 7235477"/>
+              <a:gd name="connsiteY35" fmla="*/ 2400300 h 3002665"/>
+              <a:gd name="connsiteX36" fmla="*/ 2984500 w 7235477"/>
+              <a:gd name="connsiteY36" fmla="*/ 2197100 h 3002665"/>
+              <a:gd name="connsiteX37" fmla="*/ 3035300 w 7235477"/>
+              <a:gd name="connsiteY37" fmla="*/ 2197100 h 3002665"/>
+              <a:gd name="connsiteX38" fmla="*/ 3035300 w 7235477"/>
+              <a:gd name="connsiteY38" fmla="*/ 2044700 h 3002665"/>
+              <a:gd name="connsiteX39" fmla="*/ 3086100 w 7235477"/>
+              <a:gd name="connsiteY39" fmla="*/ 2057400 h 3002665"/>
+              <a:gd name="connsiteX40" fmla="*/ 3086100 w 7235477"/>
+              <a:gd name="connsiteY40" fmla="*/ 1879600 h 3002665"/>
+              <a:gd name="connsiteX41" fmla="*/ 3124200 w 7235477"/>
+              <a:gd name="connsiteY41" fmla="*/ 1879600 h 3002665"/>
+              <a:gd name="connsiteX42" fmla="*/ 3136900 w 7235477"/>
+              <a:gd name="connsiteY42" fmla="*/ 2057400 h 3002665"/>
+              <a:gd name="connsiteX43" fmla="*/ 3175000 w 7235477"/>
+              <a:gd name="connsiteY43" fmla="*/ 2057400 h 3002665"/>
+              <a:gd name="connsiteX44" fmla="*/ 3175000 w 7235477"/>
+              <a:gd name="connsiteY44" fmla="*/ 2184400 h 3002665"/>
+              <a:gd name="connsiteX45" fmla="*/ 3225800 w 7235477"/>
+              <a:gd name="connsiteY45" fmla="*/ 2184400 h 3002665"/>
+              <a:gd name="connsiteX46" fmla="*/ 3225800 w 7235477"/>
+              <a:gd name="connsiteY46" fmla="*/ 1511300 h 3002665"/>
+              <a:gd name="connsiteX47" fmla="*/ 3378200 w 7235477"/>
+              <a:gd name="connsiteY47" fmla="*/ 1511300 h 3002665"/>
+              <a:gd name="connsiteX48" fmla="*/ 3378200 w 7235477"/>
+              <a:gd name="connsiteY48" fmla="*/ 1181100 h 3002665"/>
+              <a:gd name="connsiteX49" fmla="*/ 3505200 w 7235477"/>
+              <a:gd name="connsiteY49" fmla="*/ 1181100 h 3002665"/>
+              <a:gd name="connsiteX50" fmla="*/ 3492500 w 7235477"/>
+              <a:gd name="connsiteY50" fmla="*/ 977900 h 3002665"/>
+              <a:gd name="connsiteX51" fmla="*/ 3581400 w 7235477"/>
+              <a:gd name="connsiteY51" fmla="*/ 977900 h 3002665"/>
+              <a:gd name="connsiteX52" fmla="*/ 3568700 w 7235477"/>
+              <a:gd name="connsiteY52" fmla="*/ 647700 h 3002665"/>
+              <a:gd name="connsiteX53" fmla="*/ 3594100 w 7235477"/>
+              <a:gd name="connsiteY53" fmla="*/ 647700 h 3002665"/>
+              <a:gd name="connsiteX54" fmla="*/ 3606800 w 7235477"/>
+              <a:gd name="connsiteY54" fmla="*/ 304800 h 3002665"/>
+              <a:gd name="connsiteX55" fmla="*/ 3644900 w 7235477"/>
+              <a:gd name="connsiteY55" fmla="*/ 304800 h 3002665"/>
+              <a:gd name="connsiteX56" fmla="*/ 3632200 w 7235477"/>
+              <a:gd name="connsiteY56" fmla="*/ 647700 h 3002665"/>
+              <a:gd name="connsiteX57" fmla="*/ 3670300 w 7235477"/>
+              <a:gd name="connsiteY57" fmla="*/ 647700 h 3002665"/>
+              <a:gd name="connsiteX58" fmla="*/ 3657600 w 7235477"/>
+              <a:gd name="connsiteY58" fmla="*/ 952500 h 3002665"/>
+              <a:gd name="connsiteX59" fmla="*/ 3721100 w 7235477"/>
+              <a:gd name="connsiteY59" fmla="*/ 952500 h 3002665"/>
+              <a:gd name="connsiteX60" fmla="*/ 3733800 w 7235477"/>
+              <a:gd name="connsiteY60" fmla="*/ 1168400 h 3002665"/>
+              <a:gd name="connsiteX61" fmla="*/ 3860800 w 7235477"/>
+              <a:gd name="connsiteY61" fmla="*/ 1181100 h 3002665"/>
+              <a:gd name="connsiteX62" fmla="*/ 3860800 w 7235477"/>
+              <a:gd name="connsiteY62" fmla="*/ 1511300 h 3002665"/>
+              <a:gd name="connsiteX63" fmla="*/ 4025900 w 7235477"/>
+              <a:gd name="connsiteY63" fmla="*/ 1498600 h 3002665"/>
+              <a:gd name="connsiteX64" fmla="*/ 4025900 w 7235477"/>
+              <a:gd name="connsiteY64" fmla="*/ 2895600 h 3002665"/>
+              <a:gd name="connsiteX65" fmla="*/ 4394200 w 7235477"/>
+              <a:gd name="connsiteY65" fmla="*/ 2882900 h 3002665"/>
+              <a:gd name="connsiteX66" fmla="*/ 4381500 w 7235477"/>
+              <a:gd name="connsiteY66" fmla="*/ 1993900 h 3002665"/>
+              <a:gd name="connsiteX67" fmla="*/ 4787900 w 7235477"/>
+              <a:gd name="connsiteY67" fmla="*/ 1663700 h 3002665"/>
+              <a:gd name="connsiteX68" fmla="*/ 4787900 w 7235477"/>
+              <a:gd name="connsiteY68" fmla="*/ 749300 h 3002665"/>
+              <a:gd name="connsiteX69" fmla="*/ 5473700 w 7235477"/>
+              <a:gd name="connsiteY69" fmla="*/ 0 h 3002665"/>
+              <a:gd name="connsiteX70" fmla="*/ 5473700 w 7235477"/>
+              <a:gd name="connsiteY70" fmla="*/ 1625600 h 3002665"/>
+              <a:gd name="connsiteX71" fmla="*/ 5753100 w 7235477"/>
+              <a:gd name="connsiteY71" fmla="*/ 1625600 h 3002665"/>
+              <a:gd name="connsiteX72" fmla="*/ 5778500 w 7235477"/>
+              <a:gd name="connsiteY72" fmla="*/ 1943100 h 3002665"/>
+              <a:gd name="connsiteX73" fmla="*/ 5905500 w 7235477"/>
+              <a:gd name="connsiteY73" fmla="*/ 1943100 h 3002665"/>
+              <a:gd name="connsiteX74" fmla="*/ 5905500 w 7235477"/>
+              <a:gd name="connsiteY74" fmla="*/ 1447800 h 3002665"/>
+              <a:gd name="connsiteX75" fmla="*/ 6604000 w 7235477"/>
+              <a:gd name="connsiteY75" fmla="*/ 1447800 h 3002665"/>
+              <a:gd name="connsiteX76" fmla="*/ 6591300 w 7235477"/>
+              <a:gd name="connsiteY76" fmla="*/ 1562100 h 3002665"/>
+              <a:gd name="connsiteX77" fmla="*/ 7188200 w 7235477"/>
+              <a:gd name="connsiteY77" fmla="*/ 1549400 h 3002665"/>
+              <a:gd name="connsiteX78" fmla="*/ 7196976 w 7235477"/>
+              <a:gd name="connsiteY78" fmla="*/ 3002665 h 3002665"/>
+              <a:gd name="connsiteX0" fmla="*/ 0 w 7196976"/>
+              <a:gd name="connsiteY0" fmla="*/ 2857500 h 3002665"/>
+              <a:gd name="connsiteX1" fmla="*/ 368300 w 7196976"/>
+              <a:gd name="connsiteY1" fmla="*/ 2870200 h 3002665"/>
+              <a:gd name="connsiteX2" fmla="*/ 368300 w 7196976"/>
+              <a:gd name="connsiteY2" fmla="*/ 1955800 h 3002665"/>
+              <a:gd name="connsiteX3" fmla="*/ 774700 w 7196976"/>
+              <a:gd name="connsiteY3" fmla="*/ 2349500 h 3002665"/>
+              <a:gd name="connsiteX4" fmla="*/ 774700 w 7196976"/>
+              <a:gd name="connsiteY4" fmla="*/ 2628900 h 3002665"/>
+              <a:gd name="connsiteX5" fmla="*/ 1079500 w 7196976"/>
+              <a:gd name="connsiteY5" fmla="*/ 2628900 h 3002665"/>
+              <a:gd name="connsiteX6" fmla="*/ 1066800 w 7196976"/>
+              <a:gd name="connsiteY6" fmla="*/ 2413000 h 3002665"/>
+              <a:gd name="connsiteX7" fmla="*/ 1143000 w 7196976"/>
+              <a:gd name="connsiteY7" fmla="*/ 2413000 h 3002665"/>
+              <a:gd name="connsiteX8" fmla="*/ 1155700 w 7196976"/>
+              <a:gd name="connsiteY8" fmla="*/ 2197100 h 3002665"/>
+              <a:gd name="connsiteX9" fmla="*/ 1219200 w 7196976"/>
+              <a:gd name="connsiteY9" fmla="*/ 2197100 h 3002665"/>
+              <a:gd name="connsiteX10" fmla="*/ 1206500 w 7196976"/>
+              <a:gd name="connsiteY10" fmla="*/ 2057400 h 3002665"/>
+              <a:gd name="connsiteX11" fmla="*/ 1333500 w 7196976"/>
+              <a:gd name="connsiteY11" fmla="*/ 2032000 h 3002665"/>
+              <a:gd name="connsiteX12" fmla="*/ 1320800 w 7196976"/>
+              <a:gd name="connsiteY12" fmla="*/ 2184400 h 3002665"/>
+              <a:gd name="connsiteX13" fmla="*/ 1397000 w 7196976"/>
+              <a:gd name="connsiteY13" fmla="*/ 2184400 h 3002665"/>
+              <a:gd name="connsiteX14" fmla="*/ 1397000 w 7196976"/>
+              <a:gd name="connsiteY14" fmla="*/ 2400300 h 3002665"/>
+              <a:gd name="connsiteX15" fmla="*/ 1473200 w 7196976"/>
+              <a:gd name="connsiteY15" fmla="*/ 2400300 h 3002665"/>
+              <a:gd name="connsiteX16" fmla="*/ 1473200 w 7196976"/>
+              <a:gd name="connsiteY16" fmla="*/ 2895600 h 3002665"/>
+              <a:gd name="connsiteX17" fmla="*/ 1562100 w 7196976"/>
+              <a:gd name="connsiteY17" fmla="*/ 2895600 h 3002665"/>
+              <a:gd name="connsiteX18" fmla="*/ 1574800 w 7196976"/>
+              <a:gd name="connsiteY18" fmla="*/ 2133600 h 3002665"/>
+              <a:gd name="connsiteX19" fmla="*/ 1981200 w 7196976"/>
+              <a:gd name="connsiteY19" fmla="*/ 1651000 h 3002665"/>
+              <a:gd name="connsiteX20" fmla="*/ 1968500 w 7196976"/>
+              <a:gd name="connsiteY20" fmla="*/ 2882900 h 3002665"/>
+              <a:gd name="connsiteX21" fmla="*/ 2108200 w 7196976"/>
+              <a:gd name="connsiteY21" fmla="*/ 2895600 h 3002665"/>
+              <a:gd name="connsiteX22" fmla="*/ 2082800 w 7196976"/>
+              <a:gd name="connsiteY22" fmla="*/ 1676400 h 3002665"/>
+              <a:gd name="connsiteX23" fmla="*/ 2197100 w 7196976"/>
+              <a:gd name="connsiteY23" fmla="*/ 1676400 h 3002665"/>
+              <a:gd name="connsiteX24" fmla="*/ 2222500 w 7196976"/>
+              <a:gd name="connsiteY24" fmla="*/ 1346200 h 3002665"/>
+              <a:gd name="connsiteX25" fmla="*/ 2311400 w 7196976"/>
+              <a:gd name="connsiteY25" fmla="*/ 1346200 h 3002665"/>
+              <a:gd name="connsiteX26" fmla="*/ 2311400 w 7196976"/>
+              <a:gd name="connsiteY26" fmla="*/ 1143000 h 3002665"/>
+              <a:gd name="connsiteX27" fmla="*/ 2501900 w 7196976"/>
+              <a:gd name="connsiteY27" fmla="*/ 1130300 h 3002665"/>
+              <a:gd name="connsiteX28" fmla="*/ 2489200 w 7196976"/>
+              <a:gd name="connsiteY28" fmla="*/ 1346200 h 3002665"/>
+              <a:gd name="connsiteX29" fmla="*/ 2590800 w 7196976"/>
+              <a:gd name="connsiteY29" fmla="*/ 1346200 h 3002665"/>
+              <a:gd name="connsiteX30" fmla="*/ 2578100 w 7196976"/>
+              <a:gd name="connsiteY30" fmla="*/ 1651000 h 3002665"/>
+              <a:gd name="connsiteX31" fmla="*/ 2717800 w 7196976"/>
+              <a:gd name="connsiteY31" fmla="*/ 1625600 h 3002665"/>
+              <a:gd name="connsiteX32" fmla="*/ 2692400 w 7196976"/>
+              <a:gd name="connsiteY32" fmla="*/ 2540000 h 3002665"/>
+              <a:gd name="connsiteX33" fmla="*/ 2895600 w 7196976"/>
+              <a:gd name="connsiteY33" fmla="*/ 2565400 h 3002665"/>
+              <a:gd name="connsiteX34" fmla="*/ 2895600 w 7196976"/>
+              <a:gd name="connsiteY34" fmla="*/ 2400300 h 3002665"/>
+              <a:gd name="connsiteX35" fmla="*/ 2997200 w 7196976"/>
+              <a:gd name="connsiteY35" fmla="*/ 2400300 h 3002665"/>
+              <a:gd name="connsiteX36" fmla="*/ 2984500 w 7196976"/>
+              <a:gd name="connsiteY36" fmla="*/ 2197100 h 3002665"/>
+              <a:gd name="connsiteX37" fmla="*/ 3035300 w 7196976"/>
+              <a:gd name="connsiteY37" fmla="*/ 2197100 h 3002665"/>
+              <a:gd name="connsiteX38" fmla="*/ 3035300 w 7196976"/>
+              <a:gd name="connsiteY38" fmla="*/ 2044700 h 3002665"/>
+              <a:gd name="connsiteX39" fmla="*/ 3086100 w 7196976"/>
+              <a:gd name="connsiteY39" fmla="*/ 2057400 h 3002665"/>
+              <a:gd name="connsiteX40" fmla="*/ 3086100 w 7196976"/>
+              <a:gd name="connsiteY40" fmla="*/ 1879600 h 3002665"/>
+              <a:gd name="connsiteX41" fmla="*/ 3124200 w 7196976"/>
+              <a:gd name="connsiteY41" fmla="*/ 1879600 h 3002665"/>
+              <a:gd name="connsiteX42" fmla="*/ 3136900 w 7196976"/>
+              <a:gd name="connsiteY42" fmla="*/ 2057400 h 3002665"/>
+              <a:gd name="connsiteX43" fmla="*/ 3175000 w 7196976"/>
+              <a:gd name="connsiteY43" fmla="*/ 2057400 h 3002665"/>
+              <a:gd name="connsiteX44" fmla="*/ 3175000 w 7196976"/>
+              <a:gd name="connsiteY44" fmla="*/ 2184400 h 3002665"/>
+              <a:gd name="connsiteX45" fmla="*/ 3225800 w 7196976"/>
+              <a:gd name="connsiteY45" fmla="*/ 2184400 h 3002665"/>
+              <a:gd name="connsiteX46" fmla="*/ 3225800 w 7196976"/>
+              <a:gd name="connsiteY46" fmla="*/ 1511300 h 3002665"/>
+              <a:gd name="connsiteX47" fmla="*/ 3378200 w 7196976"/>
+              <a:gd name="connsiteY47" fmla="*/ 1511300 h 3002665"/>
+              <a:gd name="connsiteX48" fmla="*/ 3378200 w 7196976"/>
+              <a:gd name="connsiteY48" fmla="*/ 1181100 h 3002665"/>
+              <a:gd name="connsiteX49" fmla="*/ 3505200 w 7196976"/>
+              <a:gd name="connsiteY49" fmla="*/ 1181100 h 3002665"/>
+              <a:gd name="connsiteX50" fmla="*/ 3492500 w 7196976"/>
+              <a:gd name="connsiteY50" fmla="*/ 977900 h 3002665"/>
+              <a:gd name="connsiteX51" fmla="*/ 3581400 w 7196976"/>
+              <a:gd name="connsiteY51" fmla="*/ 977900 h 3002665"/>
+              <a:gd name="connsiteX52" fmla="*/ 3568700 w 7196976"/>
+              <a:gd name="connsiteY52" fmla="*/ 647700 h 3002665"/>
+              <a:gd name="connsiteX53" fmla="*/ 3594100 w 7196976"/>
+              <a:gd name="connsiteY53" fmla="*/ 647700 h 3002665"/>
+              <a:gd name="connsiteX54" fmla="*/ 3606800 w 7196976"/>
+              <a:gd name="connsiteY54" fmla="*/ 304800 h 3002665"/>
+              <a:gd name="connsiteX55" fmla="*/ 3644900 w 7196976"/>
+              <a:gd name="connsiteY55" fmla="*/ 304800 h 3002665"/>
+              <a:gd name="connsiteX56" fmla="*/ 3632200 w 7196976"/>
+              <a:gd name="connsiteY56" fmla="*/ 647700 h 3002665"/>
+              <a:gd name="connsiteX57" fmla="*/ 3670300 w 7196976"/>
+              <a:gd name="connsiteY57" fmla="*/ 647700 h 3002665"/>
+              <a:gd name="connsiteX58" fmla="*/ 3657600 w 7196976"/>
+              <a:gd name="connsiteY58" fmla="*/ 952500 h 3002665"/>
+              <a:gd name="connsiteX59" fmla="*/ 3721100 w 7196976"/>
+              <a:gd name="connsiteY59" fmla="*/ 952500 h 3002665"/>
+              <a:gd name="connsiteX60" fmla="*/ 3733800 w 7196976"/>
+              <a:gd name="connsiteY60" fmla="*/ 1168400 h 3002665"/>
+              <a:gd name="connsiteX61" fmla="*/ 3860800 w 7196976"/>
+              <a:gd name="connsiteY61" fmla="*/ 1181100 h 3002665"/>
+              <a:gd name="connsiteX62" fmla="*/ 3860800 w 7196976"/>
+              <a:gd name="connsiteY62" fmla="*/ 1511300 h 3002665"/>
+              <a:gd name="connsiteX63" fmla="*/ 4025900 w 7196976"/>
+              <a:gd name="connsiteY63" fmla="*/ 1498600 h 3002665"/>
+              <a:gd name="connsiteX64" fmla="*/ 4025900 w 7196976"/>
+              <a:gd name="connsiteY64" fmla="*/ 2895600 h 3002665"/>
+              <a:gd name="connsiteX65" fmla="*/ 4394200 w 7196976"/>
+              <a:gd name="connsiteY65" fmla="*/ 2882900 h 3002665"/>
+              <a:gd name="connsiteX66" fmla="*/ 4381500 w 7196976"/>
+              <a:gd name="connsiteY66" fmla="*/ 1993900 h 3002665"/>
+              <a:gd name="connsiteX67" fmla="*/ 4787900 w 7196976"/>
+              <a:gd name="connsiteY67" fmla="*/ 1663700 h 3002665"/>
+              <a:gd name="connsiteX68" fmla="*/ 4787900 w 7196976"/>
+              <a:gd name="connsiteY68" fmla="*/ 749300 h 3002665"/>
+              <a:gd name="connsiteX69" fmla="*/ 5473700 w 7196976"/>
+              <a:gd name="connsiteY69" fmla="*/ 0 h 3002665"/>
+              <a:gd name="connsiteX70" fmla="*/ 5473700 w 7196976"/>
+              <a:gd name="connsiteY70" fmla="*/ 1625600 h 3002665"/>
+              <a:gd name="connsiteX71" fmla="*/ 5753100 w 7196976"/>
+              <a:gd name="connsiteY71" fmla="*/ 1625600 h 3002665"/>
+              <a:gd name="connsiteX72" fmla="*/ 5778500 w 7196976"/>
+              <a:gd name="connsiteY72" fmla="*/ 1943100 h 3002665"/>
+              <a:gd name="connsiteX73" fmla="*/ 5905500 w 7196976"/>
+              <a:gd name="connsiteY73" fmla="*/ 1943100 h 3002665"/>
+              <a:gd name="connsiteX74" fmla="*/ 5905500 w 7196976"/>
+              <a:gd name="connsiteY74" fmla="*/ 1447800 h 3002665"/>
+              <a:gd name="connsiteX75" fmla="*/ 6604000 w 7196976"/>
+              <a:gd name="connsiteY75" fmla="*/ 1447800 h 3002665"/>
+              <a:gd name="connsiteX76" fmla="*/ 6591300 w 7196976"/>
+              <a:gd name="connsiteY76" fmla="*/ 1562100 h 3002665"/>
+              <a:gd name="connsiteX77" fmla="*/ 7188200 w 7196976"/>
+              <a:gd name="connsiteY77" fmla="*/ 1549400 h 3002665"/>
+              <a:gd name="connsiteX78" fmla="*/ 7196976 w 7196976"/>
+              <a:gd name="connsiteY78" fmla="*/ 3002665 h 3002665"/>
+            </a:gdLst>
+            <a:ahLst/>
+            <a:cxnLst>
+              <a:cxn ang="0">
+                <a:pos x="connsiteX0" y="connsiteY0"/>
+              </a:cxn>
+              <a:cxn ang="0">
+                <a:pos x="connsiteX1" y="connsiteY1"/>
+              </a:cxn>
+              <a:cxn ang="0">
+                <a:pos x="connsiteX2" y="connsiteY2"/>
+              </a:cxn>
+              <a:cxn ang="0">
+                <a:pos x="connsiteX3" y="connsiteY3"/>
+              </a:cxn>
+              <a:cxn ang="0">
+                <a:pos x="connsiteX4" y="connsiteY4"/>
+              </a:cxn>
+              <a:cxn ang="0">
+                <a:pos x="connsiteX5" y="connsiteY5"/>
+              </a:cxn>
+              <a:cxn ang="0">
+                <a:pos x="connsiteX6" y="connsiteY6"/>
+              </a:cxn>
+              <a:cxn ang="0">
+                <a:pos x="connsiteX7" y="connsiteY7"/>
+              </a:cxn>
+              <a:cxn ang="0">
+                <a:pos x="connsiteX8" y="connsiteY8"/>
+              </a:cxn>
+              <a:cxn ang="0">
+                <a:pos x="connsiteX9" y="connsiteY9"/>
+              </a:cxn>
+              <a:cxn ang="0">
+                <a:pos x="connsiteX10" y="connsiteY10"/>
+              </a:cxn>
+              <a:cxn ang="0">
+                <a:pos x="connsiteX11" y="connsiteY11"/>
+              </a:cxn>
+              <a:cxn ang="0">
+                <a:pos x="connsiteX12" y="connsiteY12"/>
+              </a:cxn>
+              <a:cxn ang="0">
+                <a:pos x="connsiteX13" y="connsiteY13"/>
+              </a:cxn>
+              <a:cxn ang="0">
+                <a:pos x="connsiteX14" y="connsiteY14"/>
+              </a:cxn>
+              <a:cxn ang="0">
+                <a:pos x="connsiteX15" y="connsiteY15"/>
+              </a:cxn>
+              <a:cxn ang="0">
+                <a:pos x="connsiteX16" y="connsiteY16"/>
+              </a:cxn>
+              <a:cxn ang="0">
+                <a:pos x="connsiteX17" y="connsiteY17"/>
+              </a:cxn>
+              <a:cxn ang="0">
+                <a:pos x="connsiteX18" y="connsiteY18"/>
+              </a:cxn>
+              <a:cxn ang="0">
+                <a:pos x="connsiteX19" y="connsiteY19"/>
+              </a:cxn>
+              <a:cxn ang="0">
+                <a:pos x="connsiteX20" y="connsiteY20"/>
+              </a:cxn>
+              <a:cxn ang="0">
+                <a:pos x="connsiteX21" y="connsiteY21"/>
+              </a:cxn>
+              <a:cxn ang="0">
+                <a:pos x="connsiteX22" y="connsiteY22"/>
+              </a:cxn>
+              <a:cxn ang="0">
+                <a:pos x="connsiteX23" y="connsiteY23"/>
+              </a:cxn>
+              <a:cxn ang="0">
+                <a:pos x="connsiteX24" y="connsiteY24"/>
+              </a:cxn>
+              <a:cxn ang="0">
+                <a:pos x="connsiteX25" y="connsiteY25"/>
+              </a:cxn>
+              <a:cxn ang="0">
+                <a:pos x="connsiteX26" y="connsiteY26"/>
+              </a:cxn>
+              <a:cxn ang="0">
+                <a:pos x="connsiteX27" y="connsiteY27"/>
+              </a:cxn>
+              <a:cxn ang="0">
+                <a:pos x="connsiteX28" y="connsiteY28"/>
+              </a:cxn>
+              <a:cxn ang="0">
+                <a:pos x="connsiteX29" y="connsiteY29"/>
+              </a:cxn>
+              <a:cxn ang="0">
+                <a:pos x="connsiteX30" y="connsiteY30"/>
+              </a:cxn>
+              <a:cxn ang="0">
+                <a:pos x="connsiteX31" y="connsiteY31"/>
+              </a:cxn>
+              <a:cxn ang="0">
+                <a:pos x="connsiteX32" y="connsiteY32"/>
+              </a:cxn>
+              <a:cxn ang="0">
+                <a:pos x="connsiteX33" y="connsiteY33"/>
+              </a:cxn>
+              <a:cxn ang="0">
+                <a:pos x="connsiteX34" y="connsiteY34"/>
+              </a:cxn>
+              <a:cxn ang="0">
+                <a:pos x="connsiteX35" y="connsiteY35"/>
+              </a:cxn>
+              <a:cxn ang="0">
+                <a:pos x="connsiteX36" y="connsiteY36"/>
+              </a:cxn>
+              <a:cxn ang="0">
+                <a:pos x="connsiteX37" y="connsiteY37"/>
+              </a:cxn>
+              <a:cxn ang="0">
+                <a:pos x="connsiteX38" y="connsiteY38"/>
+              </a:cxn>
+              <a:cxn ang="0">
+                <a:pos x="connsiteX39" y="connsiteY39"/>
+              </a:cxn>
+              <a:cxn ang="0">
+                <a:pos x="connsiteX40" y="connsiteY40"/>
+              </a:cxn>
+              <a:cxn ang="0">
+                <a:pos x="connsiteX41" y="connsiteY41"/>
+              </a:cxn>
+              <a:cxn ang="0">
+                <a:pos x="connsiteX42" y="connsiteY42"/>
+              </a:cxn>
+              <a:cxn ang="0">
+                <a:pos x="connsiteX43" y="connsiteY43"/>
+              </a:cxn>
+              <a:cxn ang="0">
+                <a:pos x="connsiteX44" y="connsiteY44"/>
+              </a:cxn>
+              <a:cxn ang="0">
+                <a:pos x="connsiteX45" y="connsiteY45"/>
+              </a:cxn>
+              <a:cxn ang="0">
+                <a:pos x="connsiteX46" y="connsiteY46"/>
+              </a:cxn>
+              <a:cxn ang="0">
+                <a:pos x="connsiteX47" y="connsiteY47"/>
+              </a:cxn>
+              <a:cxn ang="0">
+                <a:pos x="connsiteX48" y="connsiteY48"/>
+              </a:cxn>
+              <a:cxn ang="0">
+                <a:pos x="connsiteX49" y="connsiteY49"/>
+              </a:cxn>
+              <a:cxn ang="0">
+                <a:pos x="connsiteX50" y="connsiteY50"/>
+              </a:cxn>
+              <a:cxn ang="0">
+                <a:pos x="connsiteX51" y="connsiteY51"/>
+              </a:cxn>
+              <a:cxn ang="0">
+                <a:pos x="connsiteX52" y="connsiteY52"/>
+              </a:cxn>
+              <a:cxn ang="0">
+                <a:pos x="connsiteX53" y="connsiteY53"/>
+              </a:cxn>
+              <a:cxn ang="0">
+                <a:pos x="connsiteX54" y="connsiteY54"/>
+              </a:cxn>
+              <a:cxn ang="0">
+                <a:pos x="connsiteX55" y="connsiteY55"/>
+              </a:cxn>
+              <a:cxn ang="0">
+                <a:pos x="connsiteX56" y="connsiteY56"/>
+              </a:cxn>
+              <a:cxn ang="0">
+                <a:pos x="connsiteX57" y="connsiteY57"/>
+              </a:cxn>
+              <a:cxn ang="0">
+                <a:pos x="connsiteX58" y="connsiteY58"/>
+              </a:cxn>
+              <a:cxn ang="0">
+                <a:pos x="connsiteX59" y="connsiteY59"/>
+              </a:cxn>
+              <a:cxn ang="0">
+                <a:pos x="connsiteX60" y="connsiteY60"/>
+              </a:cxn>
+              <a:cxn ang="0">
+                <a:pos x="connsiteX61" y="connsiteY61"/>
+              </a:cxn>
+              <a:cxn ang="0">
+                <a:pos x="connsiteX62" y="connsiteY62"/>
+              </a:cxn>
+              <a:cxn ang="0">
+                <a:pos x="connsiteX63" y="connsiteY63"/>
+              </a:cxn>
+              <a:cxn ang="0">
+                <a:pos x="connsiteX64" y="connsiteY64"/>
+              </a:cxn>
+              <a:cxn ang="0">
+                <a:pos x="connsiteX65" y="connsiteY65"/>
+              </a:cxn>
+              <a:cxn ang="0">
+                <a:pos x="connsiteX66" y="connsiteY66"/>
+              </a:cxn>
+              <a:cxn ang="0">
+                <a:pos x="connsiteX67" y="connsiteY67"/>
+              </a:cxn>
+              <a:cxn ang="0">
+                <a:pos x="connsiteX68" y="connsiteY68"/>
+              </a:cxn>
+              <a:cxn ang="0">
+                <a:pos x="connsiteX69" y="connsiteY69"/>
+              </a:cxn>
+              <a:cxn ang="0">
+                <a:pos x="connsiteX70" y="connsiteY70"/>
+              </a:cxn>
+              <a:cxn ang="0">
+                <a:pos x="connsiteX71" y="connsiteY71"/>
+              </a:cxn>
+              <a:cxn ang="0">
+                <a:pos x="connsiteX72" y="connsiteY72"/>
+              </a:cxn>
+              <a:cxn ang="0">
+                <a:pos x="connsiteX73" y="connsiteY73"/>
+              </a:cxn>
+              <a:cxn ang="0">
+                <a:pos x="connsiteX74" y="connsiteY74"/>
+              </a:cxn>
+              <a:cxn ang="0">
+                <a:pos x="connsiteX75" y="connsiteY75"/>
+              </a:cxn>
+              <a:cxn ang="0">
+                <a:pos x="connsiteX76" y="connsiteY76"/>
+              </a:cxn>
+              <a:cxn ang="0">
+                <a:pos x="connsiteX77" y="connsiteY77"/>
+              </a:cxn>
+              <a:cxn ang="0">
+                <a:pos x="connsiteX78" y="connsiteY78"/>
+              </a:cxn>
+            </a:cxnLst>
+            <a:rect l="l" t="t" r="r" b="b"/>
+            <a:pathLst>
+              <a:path w="7196976" h="3002665">
+                <a:moveTo>
+                  <a:pt x="0" y="2857500"/>
+                </a:moveTo>
+                <a:lnTo>
+                  <a:pt x="368300" y="2870200"/>
+                </a:lnTo>
+                <a:lnTo>
+                  <a:pt x="368300" y="1955800"/>
+                </a:lnTo>
+                <a:lnTo>
+                  <a:pt x="774700" y="2349500"/>
+                </a:lnTo>
+                <a:lnTo>
+                  <a:pt x="774700" y="2628900"/>
+                </a:lnTo>
+                <a:lnTo>
+                  <a:pt x="1079500" y="2628900"/>
+                </a:lnTo>
+                <a:lnTo>
+                  <a:pt x="1066800" y="2413000"/>
+                </a:lnTo>
+                <a:lnTo>
+                  <a:pt x="1143000" y="2413000"/>
+                </a:lnTo>
+                <a:lnTo>
+                  <a:pt x="1155700" y="2197100"/>
+                </a:lnTo>
+                <a:lnTo>
+                  <a:pt x="1219200" y="2197100"/>
+                </a:lnTo>
+                <a:lnTo>
+                  <a:pt x="1206500" y="2057400"/>
+                </a:lnTo>
+                <a:lnTo>
+                  <a:pt x="1333500" y="2032000"/>
+                </a:lnTo>
+                <a:lnTo>
+                  <a:pt x="1320800" y="2184400"/>
+                </a:lnTo>
+                <a:lnTo>
+                  <a:pt x="1397000" y="2184400"/>
+                </a:lnTo>
+                <a:lnTo>
+                  <a:pt x="1397000" y="2400300"/>
+                </a:lnTo>
+                <a:lnTo>
+                  <a:pt x="1473200" y="2400300"/>
+                </a:lnTo>
+                <a:lnTo>
+                  <a:pt x="1473200" y="2895600"/>
+                </a:lnTo>
+                <a:lnTo>
+                  <a:pt x="1562100" y="2895600"/>
+                </a:lnTo>
+                <a:lnTo>
+                  <a:pt x="1574800" y="2133600"/>
+                </a:lnTo>
+                <a:lnTo>
+                  <a:pt x="1981200" y="1651000"/>
+                </a:lnTo>
+                <a:lnTo>
+                  <a:pt x="1968500" y="2882900"/>
+                </a:lnTo>
+                <a:lnTo>
+                  <a:pt x="2108200" y="2895600"/>
+                </a:lnTo>
+                <a:lnTo>
+                  <a:pt x="2082800" y="1676400"/>
+                </a:lnTo>
+                <a:lnTo>
+                  <a:pt x="2197100" y="1676400"/>
+                </a:lnTo>
+                <a:lnTo>
+                  <a:pt x="2222500" y="1346200"/>
+                </a:lnTo>
+                <a:lnTo>
+                  <a:pt x="2311400" y="1346200"/>
+                </a:lnTo>
+                <a:lnTo>
+                  <a:pt x="2311400" y="1143000"/>
+                </a:lnTo>
+                <a:lnTo>
+                  <a:pt x="2501900" y="1130300"/>
+                </a:lnTo>
+                <a:lnTo>
+                  <a:pt x="2489200" y="1346200"/>
+                </a:lnTo>
+                <a:lnTo>
+                  <a:pt x="2590800" y="1346200"/>
+                </a:lnTo>
+                <a:lnTo>
+                  <a:pt x="2578100" y="1651000"/>
+                </a:lnTo>
+                <a:lnTo>
+                  <a:pt x="2717800" y="1625600"/>
+                </a:lnTo>
+                <a:lnTo>
+                  <a:pt x="2692400" y="2540000"/>
+                </a:lnTo>
+                <a:lnTo>
+                  <a:pt x="2895600" y="2565400"/>
+                </a:lnTo>
+                <a:lnTo>
+                  <a:pt x="2895600" y="2400300"/>
+                </a:lnTo>
+                <a:lnTo>
+                  <a:pt x="2997200" y="2400300"/>
+                </a:lnTo>
+                <a:lnTo>
+                  <a:pt x="2984500" y="2197100"/>
+                </a:lnTo>
+                <a:lnTo>
+                  <a:pt x="3035300" y="2197100"/>
+                </a:lnTo>
+                <a:lnTo>
+                  <a:pt x="3035300" y="2044700"/>
+                </a:lnTo>
+                <a:lnTo>
+                  <a:pt x="3086100" y="2057400"/>
+                </a:lnTo>
+                <a:lnTo>
+                  <a:pt x="3086100" y="1879600"/>
+                </a:lnTo>
+                <a:lnTo>
+                  <a:pt x="3124200" y="1879600"/>
+                </a:lnTo>
+                <a:lnTo>
+                  <a:pt x="3136900" y="2057400"/>
+                </a:lnTo>
+                <a:lnTo>
+                  <a:pt x="3175000" y="2057400"/>
+                </a:lnTo>
+                <a:lnTo>
+                  <a:pt x="3175000" y="2184400"/>
+                </a:lnTo>
+                <a:lnTo>
+                  <a:pt x="3225800" y="2184400"/>
+                </a:lnTo>
+                <a:lnTo>
+                  <a:pt x="3225800" y="1511300"/>
+                </a:lnTo>
+                <a:lnTo>
+                  <a:pt x="3378200" y="1511300"/>
+                </a:lnTo>
+                <a:lnTo>
+                  <a:pt x="3378200" y="1181100"/>
+                </a:lnTo>
+                <a:lnTo>
+                  <a:pt x="3505200" y="1181100"/>
+                </a:lnTo>
+                <a:lnTo>
+                  <a:pt x="3492500" y="977900"/>
+                </a:lnTo>
+                <a:lnTo>
+                  <a:pt x="3581400" y="977900"/>
+                </a:lnTo>
+                <a:lnTo>
+                  <a:pt x="3568700" y="647700"/>
+                </a:lnTo>
+                <a:lnTo>
+                  <a:pt x="3594100" y="647700"/>
+                </a:lnTo>
+                <a:lnTo>
+                  <a:pt x="3606800" y="304800"/>
+                </a:lnTo>
+                <a:lnTo>
+                  <a:pt x="3644900" y="304800"/>
+                </a:lnTo>
+                <a:lnTo>
+                  <a:pt x="3632200" y="647700"/>
+                </a:lnTo>
+                <a:lnTo>
+                  <a:pt x="3670300" y="647700"/>
+                </a:lnTo>
+                <a:lnTo>
+                  <a:pt x="3657600" y="952500"/>
+                </a:lnTo>
+                <a:lnTo>
+                  <a:pt x="3721100" y="952500"/>
+                </a:lnTo>
+                <a:lnTo>
+                  <a:pt x="3733800" y="1168400"/>
+                </a:lnTo>
+                <a:lnTo>
+                  <a:pt x="3860800" y="1181100"/>
+                </a:lnTo>
+                <a:lnTo>
+                  <a:pt x="3860800" y="1511300"/>
+                </a:lnTo>
+                <a:lnTo>
+                  <a:pt x="4025900" y="1498600"/>
+                </a:lnTo>
+                <a:lnTo>
+                  <a:pt x="4025900" y="2895600"/>
+                </a:lnTo>
+                <a:lnTo>
+                  <a:pt x="4394200" y="2882900"/>
+                </a:lnTo>
+                <a:lnTo>
+                  <a:pt x="4381500" y="1993900"/>
+                </a:lnTo>
+                <a:lnTo>
+                  <a:pt x="4787900" y="1663700"/>
+                </a:lnTo>
+                <a:lnTo>
+                  <a:pt x="4787900" y="749300"/>
+                </a:lnTo>
+                <a:lnTo>
+                  <a:pt x="5473700" y="0"/>
+                </a:lnTo>
+                <a:lnTo>
+                  <a:pt x="5473700" y="1625600"/>
+                </a:lnTo>
+                <a:lnTo>
+                  <a:pt x="5753100" y="1625600"/>
+                </a:lnTo>
+                <a:lnTo>
+                  <a:pt x="5778500" y="1943100"/>
+                </a:lnTo>
+                <a:lnTo>
+                  <a:pt x="5905500" y="1943100"/>
+                </a:lnTo>
+                <a:lnTo>
+                  <a:pt x="5905500" y="1447800"/>
+                </a:lnTo>
+                <a:lnTo>
+                  <a:pt x="6604000" y="1447800"/>
+                </a:lnTo>
+                <a:lnTo>
+                  <a:pt x="6591300" y="1562100"/>
+                </a:lnTo>
+                <a:lnTo>
+                  <a:pt x="7188200" y="1549400"/>
+                </a:lnTo>
+                <a:cubicBezTo>
+                  <a:pt x="7181263" y="2534448"/>
+                  <a:pt x="7191295" y="3002682"/>
+                  <a:pt x="7196976" y="3002665"/>
+                </a:cubicBezTo>
+              </a:path>
+            </a:pathLst>
+          </a:custGeom>
+          <a:noFill/>
+          <a:ln>
+            <a:solidFill>
+              <a:schemeClr val="accent6"/>
+            </a:solidFill>
+          </a:ln>
+        </p:spPr>
+        <p:style>
+          <a:lnRef idx="2">
+            <a:schemeClr val="accent1">
+              <a:shade val="50000"/>
+            </a:schemeClr>
+          </a:lnRef>
+          <a:fillRef idx="1">
+            <a:schemeClr val="accent1"/>
+          </a:fillRef>
+          <a:effectRef idx="0">
+            <a:schemeClr val="accent1"/>
+          </a:effectRef>
+          <a:fontRef idx="minor">
+            <a:schemeClr val="lt1"/>
+          </a:fontRef>
+        </p:style>
+        <p:txBody>
+          <a:bodyPr rtlCol="0" anchor="ctr"/>
+          <a:lstStyle/>
+          <a:p>
+            <a:pPr algn="ctr"/>
+            <a:endParaRPr lang="ko-KR" altLang="en-US" dirty="0"/>
+          </a:p>
+        </p:txBody>
+      </p:sp>
+      <p:sp>
+        <p:nvSpPr>
+          <p:cNvPr id="3" name="Rectangle 2"/>
+          <p:cNvSpPr/>
+          <p:nvPr/>
+        </p:nvSpPr>
+        <p:spPr>
+          <a:xfrm>
+            <a:off x="7459655" y="748695"/>
+            <a:ext cx="3972562" cy="707886"/>
+          </a:xfrm>
+          <a:prstGeom prst="rect">
+            <a:avLst/>
+          </a:prstGeom>
+        </p:spPr>
+        <p:txBody>
+          <a:bodyPr wrap="none">
+            <a:spAutoFit/>
+          </a:bodyPr>
+          <a:lstStyle/>
+          <a:p>
+            <a:pPr eaLnBrk="0" fontAlgn="base" latinLnBrk="0" hangingPunct="0">
+              <a:spcBef>
+                <a:spcPct val="0"/>
+              </a:spcBef>
+              <a:spcAft>
+                <a:spcPct val="0"/>
+              </a:spcAft>
+            </a:pPr>
+            <a:r>
+              <a:rPr lang="en-US" altLang="ko-KR" sz="4000" spc="-150" dirty="0">
+                <a:solidFill>
+                  <a:schemeClr val="accent6"/>
+                </a:solidFill>
+                <a:latin typeface="+mj-lt"/>
+                <a:ea typeface="Microsoft JhengHei UI Light" panose="020B0304030504040204" pitchFamily="34" charset="-120"/>
+              </a:rPr>
+              <a:t>Project Objectives</a:t>
+            </a:r>
+            <a:endParaRPr lang="ko-KR" altLang="en-US" sz="4000" spc="-150" dirty="0">
+              <a:solidFill>
+                <a:schemeClr val="accent6"/>
+              </a:solidFill>
+              <a:latin typeface="+mj-lt"/>
+              <a:ea typeface="Microsoft JhengHei UI Light" panose="020B0304030504040204" pitchFamily="34" charset="-120"/>
+            </a:endParaRPr>
+          </a:p>
+        </p:txBody>
+      </p:sp>
+    </p:spTree>
+    <p:extLst>
+      <p:ext uri="{BB962C8B-B14F-4D97-AF65-F5344CB8AC3E}">
+        <p14:creationId xmlns:p14="http://schemas.microsoft.com/office/powerpoint/2010/main" val="2239317581"/>
+      </p:ext>
+    </p:extLst>
+  </p:cSld>
+  <p:clrMapOvr>
+    <a:masterClrMapping/>
+  </p:clrMapOvr>
+</p:sld>
+</file>
+
+<file path=ppt/slides/slide9.xml><?xml version="1.0" encoding="utf-8"?>
 <p:sld xmlns:a="http://schemas.openxmlformats.org/drawingml/2006/main" xmlns:r="http://schemas.openxmlformats.org/officeDocument/2006/relationships" xmlns:p="http://schemas.openxmlformats.org/presentationml/2006/main">
   <p:cSld>
     <p:spTree>
